--- a/2022-09-13/documents/CH_03_파이썬 기초_실습.pptx
+++ b/2022-09-13/documents/CH_03_파이썬 기초_실습.pptx
@@ -5,28 +5,32 @@
     <p:sldMasterId id="2147483970" r:id="rId1"/>
   </p:sldMasterIdLst>
   <p:notesMasterIdLst>
-    <p:notesMasterId r:id="rId15"/>
+    <p:notesMasterId r:id="rId19"/>
   </p:notesMasterIdLst>
   <p:handoutMasterIdLst>
-    <p:handoutMasterId r:id="rId16"/>
+    <p:handoutMasterId r:id="rId20"/>
   </p:handoutMasterIdLst>
   <p:sldIdLst>
     <p:sldId id="256" r:id="rId2"/>
     <p:sldId id="288" r:id="rId3"/>
-    <p:sldId id="325" r:id="rId4"/>
-    <p:sldId id="294" r:id="rId5"/>
-    <p:sldId id="345" r:id="rId6"/>
-    <p:sldId id="346" r:id="rId7"/>
-    <p:sldId id="347" r:id="rId8"/>
-    <p:sldId id="348" r:id="rId9"/>
-    <p:sldId id="349" r:id="rId10"/>
-    <p:sldId id="350" r:id="rId11"/>
-    <p:sldId id="352" r:id="rId12"/>
-    <p:sldId id="351" r:id="rId13"/>
-    <p:sldId id="353" r:id="rId14"/>
+    <p:sldId id="294" r:id="rId4"/>
+    <p:sldId id="345" r:id="rId5"/>
+    <p:sldId id="346" r:id="rId6"/>
+    <p:sldId id="347" r:id="rId7"/>
+    <p:sldId id="348" r:id="rId8"/>
+    <p:sldId id="355" r:id="rId9"/>
+    <p:sldId id="356" r:id="rId10"/>
+    <p:sldId id="349" r:id="rId11"/>
+    <p:sldId id="350" r:id="rId12"/>
+    <p:sldId id="352" r:id="rId13"/>
+    <p:sldId id="360" r:id="rId14"/>
+    <p:sldId id="358" r:id="rId15"/>
+    <p:sldId id="364" r:id="rId16"/>
+    <p:sldId id="365" r:id="rId17"/>
+    <p:sldId id="366" r:id="rId18"/>
   </p:sldIdLst>
   <p:sldSz cx="9144000" cy="5715000" type="screen16x10"/>
-  <p:notesSz cx="6858000" cy="9144000"/>
+  <p:notesSz cx="7104063" cy="10234613"/>
   <p:defaultTextStyle>
     <a:defPPr>
       <a:defRPr lang="ko-KR"/>
@@ -139,12 +143,12 @@
     </p:ext>
     <p:ext uri="{2D200454-40CA-4A62-9FC3-DE9A4176ACB9}">
       <p15:notesGuideLst xmlns:p15="http://schemas.microsoft.com/office/powerpoint/2012/main">
-        <p15:guide id="1" orient="horz" pos="2880">
+        <p15:guide id="1" orient="horz" pos="3224" userDrawn="1">
           <p15:clr>
             <a:srgbClr val="A4A3A4"/>
           </p15:clr>
         </p15:guide>
-        <p15:guide id="2" pos="2160">
+        <p15:guide id="2" pos="2238" userDrawn="1">
           <p15:clr>
             <a:srgbClr val="A4A3A4"/>
           </p15:clr>
@@ -190,17 +194,17 @@
         <p:spPr>
           <a:xfrm>
             <a:off x="0" y="0"/>
-            <a:ext cx="2971800" cy="457200"/>
+            <a:ext cx="3078427" cy="511731"/>
           </a:xfrm>
           <a:prstGeom prst="rect">
             <a:avLst/>
           </a:prstGeom>
         </p:spPr>
         <p:txBody>
-          <a:bodyPr vert="horz" lIns="91440" tIns="45720" rIns="91440" bIns="45720" rtlCol="0"/>
+          <a:bodyPr vert="horz" lIns="99075" tIns="49538" rIns="99075" bIns="49538" rtlCol="0"/>
           <a:lstStyle>
             <a:lvl1pPr algn="l">
-              <a:defRPr sz="1200"/>
+              <a:defRPr sz="1300"/>
             </a:lvl1pPr>
           </a:lstStyle>
           <a:p>
@@ -220,24 +224,24 @@
         </p:nvSpPr>
         <p:spPr>
           <a:xfrm>
-            <a:off x="3884613" y="0"/>
-            <a:ext cx="2971800" cy="457200"/>
+            <a:off x="4023992" y="0"/>
+            <a:ext cx="3078427" cy="511731"/>
           </a:xfrm>
           <a:prstGeom prst="rect">
             <a:avLst/>
           </a:prstGeom>
         </p:spPr>
         <p:txBody>
-          <a:bodyPr vert="horz" lIns="91440" tIns="45720" rIns="91440" bIns="45720" rtlCol="0"/>
+          <a:bodyPr vert="horz" lIns="99075" tIns="49538" rIns="99075" bIns="49538" rtlCol="0"/>
           <a:lstStyle>
             <a:lvl1pPr algn="r">
-              <a:defRPr sz="1200"/>
+              <a:defRPr sz="1300"/>
             </a:lvl1pPr>
           </a:lstStyle>
           <a:p>
             <a:fld id="{44C269C3-C25E-41E8-815A-55A10694EC72}" type="datetimeFigureOut">
               <a:rPr lang="ko-KR" altLang="en-US" smtClean="0"/>
-              <a:t>2022-09-12</a:t>
+              <a:t>2022-09-13</a:t>
             </a:fld>
             <a:endParaRPr lang="ko-KR" altLang="en-US"/>
           </a:p>
@@ -255,18 +259,18 @@
         </p:nvSpPr>
         <p:spPr>
           <a:xfrm>
-            <a:off x="0" y="8685213"/>
-            <a:ext cx="2971800" cy="457200"/>
+            <a:off x="0" y="9721106"/>
+            <a:ext cx="3078427" cy="511731"/>
           </a:xfrm>
           <a:prstGeom prst="rect">
             <a:avLst/>
           </a:prstGeom>
         </p:spPr>
         <p:txBody>
-          <a:bodyPr vert="horz" lIns="91440" tIns="45720" rIns="91440" bIns="45720" rtlCol="0" anchor="b"/>
+          <a:bodyPr vert="horz" lIns="99075" tIns="49538" rIns="99075" bIns="49538" rtlCol="0" anchor="b"/>
           <a:lstStyle>
             <a:lvl1pPr algn="l">
-              <a:defRPr sz="1200"/>
+              <a:defRPr sz="1300"/>
             </a:lvl1pPr>
           </a:lstStyle>
           <a:p>
@@ -286,18 +290,18 @@
         </p:nvSpPr>
         <p:spPr>
           <a:xfrm>
-            <a:off x="3884613" y="8685213"/>
-            <a:ext cx="2971800" cy="457200"/>
+            <a:off x="4023992" y="9721106"/>
+            <a:ext cx="3078427" cy="511731"/>
           </a:xfrm>
           <a:prstGeom prst="rect">
             <a:avLst/>
           </a:prstGeom>
         </p:spPr>
         <p:txBody>
-          <a:bodyPr vert="horz" lIns="91440" tIns="45720" rIns="91440" bIns="45720" rtlCol="0" anchor="b"/>
+          <a:bodyPr vert="horz" lIns="99075" tIns="49538" rIns="99075" bIns="49538" rtlCol="0" anchor="b"/>
           <a:lstStyle>
             <a:lvl1pPr algn="r">
-              <a:defRPr sz="1200"/>
+              <a:defRPr sz="1300"/>
             </a:lvl1pPr>
           </a:lstStyle>
           <a:p>
@@ -355,17 +359,17 @@
         <p:spPr>
           <a:xfrm>
             <a:off x="0" y="0"/>
-            <a:ext cx="2971800" cy="457200"/>
+            <a:ext cx="3078427" cy="511731"/>
           </a:xfrm>
           <a:prstGeom prst="rect">
             <a:avLst/>
           </a:prstGeom>
         </p:spPr>
         <p:txBody>
-          <a:bodyPr vert="horz" lIns="91440" tIns="45720" rIns="91440" bIns="45720" rtlCol="0"/>
+          <a:bodyPr vert="horz" lIns="99075" tIns="49538" rIns="99075" bIns="49538" rtlCol="0"/>
           <a:lstStyle>
             <a:lvl1pPr algn="l">
-              <a:defRPr sz="1200"/>
+              <a:defRPr sz="1300"/>
             </a:lvl1pPr>
           </a:lstStyle>
           <a:p>
@@ -385,24 +389,24 @@
         </p:nvSpPr>
         <p:spPr>
           <a:xfrm>
-            <a:off x="3884613" y="0"/>
-            <a:ext cx="2971800" cy="457200"/>
+            <a:off x="4023992" y="0"/>
+            <a:ext cx="3078427" cy="511731"/>
           </a:xfrm>
           <a:prstGeom prst="rect">
             <a:avLst/>
           </a:prstGeom>
         </p:spPr>
         <p:txBody>
-          <a:bodyPr vert="horz" lIns="91440" tIns="45720" rIns="91440" bIns="45720" rtlCol="0"/>
+          <a:bodyPr vert="horz" lIns="99075" tIns="49538" rIns="99075" bIns="49538" rtlCol="0"/>
           <a:lstStyle>
             <a:lvl1pPr algn="r">
-              <a:defRPr sz="1200"/>
+              <a:defRPr sz="1300"/>
             </a:lvl1pPr>
           </a:lstStyle>
           <a:p>
             <a:fld id="{ADE0290A-1521-4E2C-B981-7952210E2E19}" type="datetimeFigureOut">
               <a:rPr lang="ko-KR" altLang="en-US" smtClean="0"/>
-              <a:t>2022-09-12</a:t>
+              <a:t>2022-09-13</a:t>
             </a:fld>
             <a:endParaRPr lang="ko-KR" altLang="en-US"/>
           </a:p>
@@ -420,8 +424,8 @@
         </p:nvSpPr>
         <p:spPr>
           <a:xfrm>
-            <a:off x="685800" y="685800"/>
-            <a:ext cx="5486400" cy="3429000"/>
+            <a:off x="484188" y="768350"/>
+            <a:ext cx="6137275" cy="3836988"/>
           </a:xfrm>
           <a:prstGeom prst="rect">
             <a:avLst/>
@@ -434,7 +438,7 @@
           </a:ln>
         </p:spPr>
         <p:txBody>
-          <a:bodyPr vert="horz" lIns="91440" tIns="45720" rIns="91440" bIns="45720" rtlCol="0" anchor="ctr"/>
+          <a:bodyPr vert="horz" lIns="99075" tIns="49538" rIns="99075" bIns="49538" rtlCol="0" anchor="ctr"/>
           <a:lstStyle/>
           <a:p>
             <a:endParaRPr lang="ko-KR" altLang="en-US"/>
@@ -453,15 +457,15 @@
         </p:nvSpPr>
         <p:spPr>
           <a:xfrm>
-            <a:off x="685800" y="4343400"/>
-            <a:ext cx="5486400" cy="4114800"/>
+            <a:off x="710407" y="4861441"/>
+            <a:ext cx="5683250" cy="4605576"/>
           </a:xfrm>
           <a:prstGeom prst="rect">
             <a:avLst/>
           </a:prstGeom>
         </p:spPr>
         <p:txBody>
-          <a:bodyPr vert="horz" lIns="91440" tIns="45720" rIns="91440" bIns="45720" rtlCol="0"/>
+          <a:bodyPr vert="horz" lIns="99075" tIns="49538" rIns="99075" bIns="49538" rtlCol="0"/>
           <a:lstStyle/>
           <a:p>
             <a:pPr lvl="0"/>
@@ -512,18 +516,18 @@
         </p:nvSpPr>
         <p:spPr>
           <a:xfrm>
-            <a:off x="0" y="8685213"/>
-            <a:ext cx="2971800" cy="457200"/>
+            <a:off x="0" y="9721106"/>
+            <a:ext cx="3078427" cy="511731"/>
           </a:xfrm>
           <a:prstGeom prst="rect">
             <a:avLst/>
           </a:prstGeom>
         </p:spPr>
         <p:txBody>
-          <a:bodyPr vert="horz" lIns="91440" tIns="45720" rIns="91440" bIns="45720" rtlCol="0" anchor="b"/>
+          <a:bodyPr vert="horz" lIns="99075" tIns="49538" rIns="99075" bIns="49538" rtlCol="0" anchor="b"/>
           <a:lstStyle>
             <a:lvl1pPr algn="l">
-              <a:defRPr sz="1200"/>
+              <a:defRPr sz="1300"/>
             </a:lvl1pPr>
           </a:lstStyle>
           <a:p>
@@ -543,18 +547,18 @@
         </p:nvSpPr>
         <p:spPr>
           <a:xfrm>
-            <a:off x="3884613" y="8685213"/>
-            <a:ext cx="2971800" cy="457200"/>
+            <a:off x="4023992" y="9721106"/>
+            <a:ext cx="3078427" cy="511731"/>
           </a:xfrm>
           <a:prstGeom prst="rect">
             <a:avLst/>
           </a:prstGeom>
         </p:spPr>
         <p:txBody>
-          <a:bodyPr vert="horz" lIns="91440" tIns="45720" rIns="91440" bIns="45720" rtlCol="0" anchor="b"/>
+          <a:bodyPr vert="horz" lIns="99075" tIns="49538" rIns="99075" bIns="49538" rtlCol="0" anchor="b"/>
           <a:lstStyle>
             <a:lvl1pPr algn="r">
-              <a:defRPr sz="1200"/>
+              <a:defRPr sz="1300"/>
             </a:lvl1pPr>
           </a:lstStyle>
           <a:p>
@@ -667,6 +671,342 @@
     </a:lvl9pPr>
   </p:notesStyle>
 </p:notesMaster>
+</file>
+
+<file path=ppt/notesSlides/notesSlide1.xml><?xml version="1.0" encoding="utf-8"?>
+<p:notes xmlns:a="http://schemas.openxmlformats.org/drawingml/2006/main" xmlns:r="http://schemas.openxmlformats.org/officeDocument/2006/relationships" xmlns:p="http://schemas.openxmlformats.org/presentationml/2006/main">
+  <p:cSld>
+    <p:spTree>
+      <p:nvGrpSpPr>
+        <p:cNvPr id="1" name=""/>
+        <p:cNvGrpSpPr/>
+        <p:nvPr/>
+      </p:nvGrpSpPr>
+      <p:grpSpPr>
+        <a:xfrm>
+          <a:off x="0" y="0"/>
+          <a:ext cx="0" cy="0"/>
+          <a:chOff x="0" y="0"/>
+          <a:chExt cx="0" cy="0"/>
+        </a:xfrm>
+      </p:grpSpPr>
+      <p:sp>
+        <p:nvSpPr>
+          <p:cNvPr id="2" name="슬라이드 이미지 개체 틀 1"/>
+          <p:cNvSpPr>
+            <a:spLocks noGrp="1" noRot="1" noChangeAspect="1"/>
+          </p:cNvSpPr>
+          <p:nvPr>
+            <p:ph type="sldImg"/>
+          </p:nvPr>
+        </p:nvSpPr>
+        <p:spPr/>
+      </p:sp>
+      <p:sp>
+        <p:nvSpPr>
+          <p:cNvPr id="3" name="슬라이드 노트 개체 틀 2"/>
+          <p:cNvSpPr>
+            <a:spLocks noGrp="1"/>
+          </p:cNvSpPr>
+          <p:nvPr>
+            <p:ph type="body" idx="1"/>
+          </p:nvPr>
+        </p:nvSpPr>
+        <p:spPr/>
+        <p:txBody>
+          <a:bodyPr/>
+          <a:lstStyle/>
+          <a:p>
+            <a:endParaRPr lang="ko-KR" altLang="en-US" dirty="0"/>
+          </a:p>
+        </p:txBody>
+      </p:sp>
+      <p:sp>
+        <p:nvSpPr>
+          <p:cNvPr id="4" name="슬라이드 번호 개체 틀 3"/>
+          <p:cNvSpPr>
+            <a:spLocks noGrp="1"/>
+          </p:cNvSpPr>
+          <p:nvPr>
+            <p:ph type="sldNum" sz="quarter" idx="5"/>
+          </p:nvPr>
+        </p:nvSpPr>
+        <p:spPr/>
+        <p:txBody>
+          <a:bodyPr/>
+          <a:lstStyle/>
+          <a:p>
+            <a:fld id="{8D2EE1D8-CF94-4B34-B47A-3155D616A20C}" type="slidenum">
+              <a:rPr lang="ko-KR" altLang="en-US" smtClean="0"/>
+              <a:t>14</a:t>
+            </a:fld>
+            <a:endParaRPr lang="ko-KR" altLang="en-US"/>
+          </a:p>
+        </p:txBody>
+      </p:sp>
+    </p:spTree>
+    <p:extLst>
+      <p:ext uri="{BB962C8B-B14F-4D97-AF65-F5344CB8AC3E}">
+        <p14:creationId xmlns:p14="http://schemas.microsoft.com/office/powerpoint/2010/main" val="125682220"/>
+      </p:ext>
+    </p:extLst>
+  </p:cSld>
+  <p:clrMapOvr>
+    <a:masterClrMapping/>
+  </p:clrMapOvr>
+</p:notes>
+</file>
+
+<file path=ppt/notesSlides/notesSlide2.xml><?xml version="1.0" encoding="utf-8"?>
+<p:notes xmlns:a="http://schemas.openxmlformats.org/drawingml/2006/main" xmlns:r="http://schemas.openxmlformats.org/officeDocument/2006/relationships" xmlns:p="http://schemas.openxmlformats.org/presentationml/2006/main">
+  <p:cSld>
+    <p:spTree>
+      <p:nvGrpSpPr>
+        <p:cNvPr id="1" name=""/>
+        <p:cNvGrpSpPr/>
+        <p:nvPr/>
+      </p:nvGrpSpPr>
+      <p:grpSpPr>
+        <a:xfrm>
+          <a:off x="0" y="0"/>
+          <a:ext cx="0" cy="0"/>
+          <a:chOff x="0" y="0"/>
+          <a:chExt cx="0" cy="0"/>
+        </a:xfrm>
+      </p:grpSpPr>
+      <p:sp>
+        <p:nvSpPr>
+          <p:cNvPr id="2" name="슬라이드 이미지 개체 틀 1"/>
+          <p:cNvSpPr>
+            <a:spLocks noGrp="1" noRot="1" noChangeAspect="1"/>
+          </p:cNvSpPr>
+          <p:nvPr>
+            <p:ph type="sldImg"/>
+          </p:nvPr>
+        </p:nvSpPr>
+        <p:spPr/>
+      </p:sp>
+      <p:sp>
+        <p:nvSpPr>
+          <p:cNvPr id="3" name="슬라이드 노트 개체 틀 2"/>
+          <p:cNvSpPr>
+            <a:spLocks noGrp="1"/>
+          </p:cNvSpPr>
+          <p:nvPr>
+            <p:ph type="body" idx="1"/>
+          </p:nvPr>
+        </p:nvSpPr>
+        <p:spPr/>
+        <p:txBody>
+          <a:bodyPr/>
+          <a:lstStyle/>
+          <a:p>
+            <a:endParaRPr lang="ko-KR" altLang="en-US" dirty="0"/>
+          </a:p>
+        </p:txBody>
+      </p:sp>
+      <p:sp>
+        <p:nvSpPr>
+          <p:cNvPr id="4" name="슬라이드 번호 개체 틀 3"/>
+          <p:cNvSpPr>
+            <a:spLocks noGrp="1"/>
+          </p:cNvSpPr>
+          <p:nvPr>
+            <p:ph type="sldNum" sz="quarter" idx="5"/>
+          </p:nvPr>
+        </p:nvSpPr>
+        <p:spPr/>
+        <p:txBody>
+          <a:bodyPr/>
+          <a:lstStyle/>
+          <a:p>
+            <a:fld id="{8D2EE1D8-CF94-4B34-B47A-3155D616A20C}" type="slidenum">
+              <a:rPr lang="ko-KR" altLang="en-US" smtClean="0"/>
+              <a:t>15</a:t>
+            </a:fld>
+            <a:endParaRPr lang="ko-KR" altLang="en-US"/>
+          </a:p>
+        </p:txBody>
+      </p:sp>
+    </p:spTree>
+    <p:extLst>
+      <p:ext uri="{BB962C8B-B14F-4D97-AF65-F5344CB8AC3E}">
+        <p14:creationId xmlns:p14="http://schemas.microsoft.com/office/powerpoint/2010/main" val="1995575862"/>
+      </p:ext>
+    </p:extLst>
+  </p:cSld>
+  <p:clrMapOvr>
+    <a:masterClrMapping/>
+  </p:clrMapOvr>
+</p:notes>
+</file>
+
+<file path=ppt/notesSlides/notesSlide3.xml><?xml version="1.0" encoding="utf-8"?>
+<p:notes xmlns:a="http://schemas.openxmlformats.org/drawingml/2006/main" xmlns:r="http://schemas.openxmlformats.org/officeDocument/2006/relationships" xmlns:p="http://schemas.openxmlformats.org/presentationml/2006/main">
+  <p:cSld>
+    <p:spTree>
+      <p:nvGrpSpPr>
+        <p:cNvPr id="1" name=""/>
+        <p:cNvGrpSpPr/>
+        <p:nvPr/>
+      </p:nvGrpSpPr>
+      <p:grpSpPr>
+        <a:xfrm>
+          <a:off x="0" y="0"/>
+          <a:ext cx="0" cy="0"/>
+          <a:chOff x="0" y="0"/>
+          <a:chExt cx="0" cy="0"/>
+        </a:xfrm>
+      </p:grpSpPr>
+      <p:sp>
+        <p:nvSpPr>
+          <p:cNvPr id="2" name="슬라이드 이미지 개체 틀 1"/>
+          <p:cNvSpPr>
+            <a:spLocks noGrp="1" noRot="1" noChangeAspect="1"/>
+          </p:cNvSpPr>
+          <p:nvPr>
+            <p:ph type="sldImg"/>
+          </p:nvPr>
+        </p:nvSpPr>
+        <p:spPr/>
+      </p:sp>
+      <p:sp>
+        <p:nvSpPr>
+          <p:cNvPr id="3" name="슬라이드 노트 개체 틀 2"/>
+          <p:cNvSpPr>
+            <a:spLocks noGrp="1"/>
+          </p:cNvSpPr>
+          <p:nvPr>
+            <p:ph type="body" idx="1"/>
+          </p:nvPr>
+        </p:nvSpPr>
+        <p:spPr/>
+        <p:txBody>
+          <a:bodyPr/>
+          <a:lstStyle/>
+          <a:p>
+            <a:endParaRPr lang="ko-KR" altLang="en-US" dirty="0"/>
+          </a:p>
+        </p:txBody>
+      </p:sp>
+      <p:sp>
+        <p:nvSpPr>
+          <p:cNvPr id="4" name="슬라이드 번호 개체 틀 3"/>
+          <p:cNvSpPr>
+            <a:spLocks noGrp="1"/>
+          </p:cNvSpPr>
+          <p:nvPr>
+            <p:ph type="sldNum" sz="quarter" idx="5"/>
+          </p:nvPr>
+        </p:nvSpPr>
+        <p:spPr/>
+        <p:txBody>
+          <a:bodyPr/>
+          <a:lstStyle/>
+          <a:p>
+            <a:fld id="{8D2EE1D8-CF94-4B34-B47A-3155D616A20C}" type="slidenum">
+              <a:rPr lang="ko-KR" altLang="en-US" smtClean="0"/>
+              <a:t>16</a:t>
+            </a:fld>
+            <a:endParaRPr lang="ko-KR" altLang="en-US"/>
+          </a:p>
+        </p:txBody>
+      </p:sp>
+    </p:spTree>
+    <p:extLst>
+      <p:ext uri="{BB962C8B-B14F-4D97-AF65-F5344CB8AC3E}">
+        <p14:creationId xmlns:p14="http://schemas.microsoft.com/office/powerpoint/2010/main" val="4005238229"/>
+      </p:ext>
+    </p:extLst>
+  </p:cSld>
+  <p:clrMapOvr>
+    <a:masterClrMapping/>
+  </p:clrMapOvr>
+</p:notes>
+</file>
+
+<file path=ppt/notesSlides/notesSlide4.xml><?xml version="1.0" encoding="utf-8"?>
+<p:notes xmlns:a="http://schemas.openxmlformats.org/drawingml/2006/main" xmlns:r="http://schemas.openxmlformats.org/officeDocument/2006/relationships" xmlns:p="http://schemas.openxmlformats.org/presentationml/2006/main">
+  <p:cSld>
+    <p:spTree>
+      <p:nvGrpSpPr>
+        <p:cNvPr id="1" name=""/>
+        <p:cNvGrpSpPr/>
+        <p:nvPr/>
+      </p:nvGrpSpPr>
+      <p:grpSpPr>
+        <a:xfrm>
+          <a:off x="0" y="0"/>
+          <a:ext cx="0" cy="0"/>
+          <a:chOff x="0" y="0"/>
+          <a:chExt cx="0" cy="0"/>
+        </a:xfrm>
+      </p:grpSpPr>
+      <p:sp>
+        <p:nvSpPr>
+          <p:cNvPr id="2" name="슬라이드 이미지 개체 틀 1"/>
+          <p:cNvSpPr>
+            <a:spLocks noGrp="1" noRot="1" noChangeAspect="1"/>
+          </p:cNvSpPr>
+          <p:nvPr>
+            <p:ph type="sldImg"/>
+          </p:nvPr>
+        </p:nvSpPr>
+        <p:spPr/>
+      </p:sp>
+      <p:sp>
+        <p:nvSpPr>
+          <p:cNvPr id="3" name="슬라이드 노트 개체 틀 2"/>
+          <p:cNvSpPr>
+            <a:spLocks noGrp="1"/>
+          </p:cNvSpPr>
+          <p:nvPr>
+            <p:ph type="body" idx="1"/>
+          </p:nvPr>
+        </p:nvSpPr>
+        <p:spPr/>
+        <p:txBody>
+          <a:bodyPr/>
+          <a:lstStyle/>
+          <a:p>
+            <a:endParaRPr lang="ko-KR" altLang="en-US" dirty="0"/>
+          </a:p>
+        </p:txBody>
+      </p:sp>
+      <p:sp>
+        <p:nvSpPr>
+          <p:cNvPr id="4" name="슬라이드 번호 개체 틀 3"/>
+          <p:cNvSpPr>
+            <a:spLocks noGrp="1"/>
+          </p:cNvSpPr>
+          <p:nvPr>
+            <p:ph type="sldNum" sz="quarter" idx="5"/>
+          </p:nvPr>
+        </p:nvSpPr>
+        <p:spPr/>
+        <p:txBody>
+          <a:bodyPr/>
+          <a:lstStyle/>
+          <a:p>
+            <a:fld id="{8D2EE1D8-CF94-4B34-B47A-3155D616A20C}" type="slidenum">
+              <a:rPr lang="ko-KR" altLang="en-US" smtClean="0"/>
+              <a:t>17</a:t>
+            </a:fld>
+            <a:endParaRPr lang="ko-KR" altLang="en-US"/>
+          </a:p>
+        </p:txBody>
+      </p:sp>
+    </p:spTree>
+    <p:extLst>
+      <p:ext uri="{BB962C8B-B14F-4D97-AF65-F5344CB8AC3E}">
+        <p14:creationId xmlns:p14="http://schemas.microsoft.com/office/powerpoint/2010/main" val="1253126647"/>
+      </p:ext>
+    </p:extLst>
+  </p:cSld>
+  <p:clrMapOvr>
+    <a:masterClrMapping/>
+  </p:clrMapOvr>
+</p:notes>
 </file>
 
 <file path=ppt/slideLayouts/slideLayout1.xml><?xml version="1.0" encoding="utf-8"?>
@@ -1059,7 +1399,7 @@
             <a:fld id="{23A271A1-F6D6-438B-A432-4747EE7ECD40}" type="datetimeFigureOut">
               <a:rPr lang="en-US" smtClean="0"/>
               <a:pPr algn="ctr" eaLnBrk="1" latinLnBrk="0" hangingPunct="1"/>
-              <a:t>9/12/2022</a:t>
+              <a:t>9/13/2022</a:t>
             </a:fld>
             <a:endParaRPr lang="en-US" sz="1667" dirty="0">
               <a:solidFill>
@@ -1264,7 +1604,7 @@
             <a:fld id="{23A271A1-F6D6-438B-A432-4747EE7ECD40}" type="datetimeFigureOut">
               <a:rPr lang="en-US" smtClean="0"/>
               <a:pPr/>
-              <a:t>9/12/2022</a:t>
+              <a:t>9/13/2022</a:t>
             </a:fld>
             <a:endParaRPr lang="en-US" dirty="0"/>
           </a:p>
@@ -1466,7 +1806,7 @@
             <a:fld id="{23A271A1-F6D6-438B-A432-4747EE7ECD40}" type="datetimeFigureOut">
               <a:rPr lang="en-US" smtClean="0"/>
               <a:pPr/>
-              <a:t>9/12/2022</a:t>
+              <a:t>9/13/2022</a:t>
             </a:fld>
             <a:endParaRPr lang="en-US" dirty="0"/>
           </a:p>
@@ -1726,7 +2066,7 @@
             <a:fld id="{23A271A1-F6D6-438B-A432-4747EE7ECD40}" type="datetimeFigureOut">
               <a:rPr lang="en-US" smtClean="0"/>
               <a:pPr/>
-              <a:t>9/12/2022</a:t>
+              <a:t>9/13/2022</a:t>
             </a:fld>
             <a:endParaRPr lang="en-US" dirty="0"/>
           </a:p>
@@ -1915,7 +2255,7 @@
             <a:fld id="{23A271A1-F6D6-438B-A432-4747EE7ECD40}" type="datetimeFigureOut">
               <a:rPr lang="en-US" smtClean="0"/>
               <a:pPr/>
-              <a:t>9/12/2022</a:t>
+              <a:t>9/13/2022</a:t>
             </a:fld>
             <a:endParaRPr lang="en-US" dirty="0"/>
           </a:p>
@@ -2049,7 +2389,7 @@
             <a:fld id="{23A271A1-F6D6-438B-A432-4747EE7ECD40}" type="datetimeFigureOut">
               <a:rPr lang="en-US" smtClean="0"/>
               <a:pPr/>
-              <a:t>9/12/2022</a:t>
+              <a:t>9/13/2022</a:t>
             </a:fld>
             <a:endParaRPr lang="en-US" dirty="0"/>
           </a:p>
@@ -2240,7 +2580,7 @@
             <a:fld id="{23A271A1-F6D6-438B-A432-4747EE7ECD40}" type="datetimeFigureOut">
               <a:rPr lang="en-US" smtClean="0"/>
               <a:pPr/>
-              <a:t>9/12/2022</a:t>
+              <a:t>9/13/2022</a:t>
             </a:fld>
             <a:endParaRPr lang="en-US" dirty="0"/>
           </a:p>
@@ -2428,7 +2768,7 @@
             <a:fld id="{23A271A1-F6D6-438B-A432-4747EE7ECD40}" type="datetimeFigureOut">
               <a:rPr lang="en-US" smtClean="0"/>
               <a:pPr/>
-              <a:t>9/12/2022</a:t>
+              <a:t>9/13/2022</a:t>
             </a:fld>
             <a:endParaRPr lang="en-US" dirty="0"/>
           </a:p>
@@ -2625,7 +2965,7 @@
             <a:fld id="{23A271A1-F6D6-438B-A432-4747EE7ECD40}" type="datetimeFigureOut">
               <a:rPr lang="en-US" smtClean="0"/>
               <a:pPr/>
-              <a:t>9/12/2022</a:t>
+              <a:t>9/13/2022</a:t>
             </a:fld>
             <a:endParaRPr lang="en-US" dirty="0"/>
           </a:p>
@@ -2943,7 +3283,7 @@
             <a:fld id="{23A271A1-F6D6-438B-A432-4747EE7ECD40}" type="datetimeFigureOut">
               <a:rPr lang="en-US" smtClean="0"/>
               <a:pPr eaLnBrk="1" latinLnBrk="0" hangingPunct="1"/>
-              <a:t>9/12/2022</a:t>
+              <a:t>9/13/2022</a:t>
             </a:fld>
             <a:endParaRPr lang="en-US"/>
           </a:p>
@@ -3228,7 +3568,7 @@
             <a:fld id="{23A271A1-F6D6-438B-A432-4747EE7ECD40}" type="datetimeFigureOut">
               <a:rPr lang="en-US" smtClean="0"/>
               <a:pPr/>
-              <a:t>9/12/2022</a:t>
+              <a:t>9/13/2022</a:t>
             </a:fld>
             <a:endParaRPr lang="en-US" dirty="0"/>
           </a:p>
@@ -3352,7 +3692,7 @@
             <a:fld id="{23A271A1-F6D6-438B-A432-4747EE7ECD40}" type="datetimeFigureOut">
               <a:rPr lang="en-US" smtClean="0"/>
               <a:pPr eaLnBrk="1" latinLnBrk="0" hangingPunct="1"/>
-              <a:t>9/12/2022</a:t>
+              <a:t>9/13/2022</a:t>
             </a:fld>
             <a:endParaRPr lang="en-US"/>
           </a:p>
@@ -3739,7 +4079,7 @@
             <a:fld id="{23A271A1-F6D6-438B-A432-4747EE7ECD40}" type="datetimeFigureOut">
               <a:rPr lang="en-US" smtClean="0"/>
               <a:pPr eaLnBrk="1" latinLnBrk="0" hangingPunct="1"/>
-              <a:t>9/12/2022</a:t>
+              <a:t>9/13/2022</a:t>
             </a:fld>
             <a:endParaRPr lang="en-US"/>
           </a:p>
@@ -4089,7 +4429,7 @@
             <a:fld id="{23A271A1-F6D6-438B-A432-4747EE7ECD40}" type="datetimeFigureOut">
               <a:rPr lang="en-US" smtClean="0"/>
               <a:pPr eaLnBrk="1" latinLnBrk="0" hangingPunct="1"/>
-              <a:t>9/12/2022</a:t>
+              <a:t>9/13/2022</a:t>
             </a:fld>
             <a:endParaRPr lang="en-US"/>
           </a:p>
@@ -4399,7 +4739,7 @@
             <a:fld id="{23A271A1-F6D6-438B-A432-4747EE7ECD40}" type="datetimeFigureOut">
               <a:rPr lang="en-US" smtClean="0"/>
               <a:pPr/>
-              <a:t>9/12/2022</a:t>
+              <a:t>9/13/2022</a:t>
             </a:fld>
             <a:endParaRPr lang="en-US" dirty="0"/>
           </a:p>
@@ -4847,7 +5187,7 @@
             <a:fld id="{23A271A1-F6D6-438B-A432-4747EE7ECD40}" type="datetimeFigureOut">
               <a:rPr lang="en-US" smtClean="0"/>
               <a:pPr/>
-              <a:t>9/12/2022</a:t>
+              <a:t>9/13/2022</a:t>
             </a:fld>
             <a:endParaRPr lang="en-US" dirty="0"/>
           </a:p>
@@ -4993,7 +5333,7 @@
             <a:fld id="{23A271A1-F6D6-438B-A432-4747EE7ECD40}" type="datetimeFigureOut">
               <a:rPr lang="en-US" smtClean="0"/>
               <a:pPr/>
-              <a:t>9/12/2022</a:t>
+              <a:t>9/13/2022</a:t>
             </a:fld>
             <a:endParaRPr lang="en-US" dirty="0"/>
           </a:p>
@@ -5159,7 +5499,7 @@
             <a:fld id="{23A271A1-F6D6-438B-A432-4747EE7ECD40}" type="datetimeFigureOut">
               <a:rPr lang="en-US" smtClean="0"/>
               <a:pPr eaLnBrk="1" latinLnBrk="0" hangingPunct="1"/>
-              <a:t>9/12/2022</a:t>
+              <a:t>9/13/2022</a:t>
             </a:fld>
             <a:endParaRPr lang="en-US"/>
           </a:p>
@@ -5498,7 +5838,7 @@
             <a:fld id="{23A271A1-F6D6-438B-A432-4747EE7ECD40}" type="datetimeFigureOut">
               <a:rPr lang="en-US" smtClean="0"/>
               <a:pPr/>
-              <a:t>9/12/2022</a:t>
+              <a:t>9/13/2022</a:t>
             </a:fld>
             <a:endParaRPr lang="en-US" dirty="0"/>
           </a:p>
@@ -5777,7 +6117,7 @@
             <a:fld id="{23A271A1-F6D6-438B-A432-4747EE7ECD40}" type="datetimeFigureOut">
               <a:rPr lang="en-US" smtClean="0"/>
               <a:pPr/>
-              <a:t>9/12/2022</a:t>
+              <a:t>9/13/2022</a:t>
             </a:fld>
             <a:endParaRPr lang="en-US" dirty="0"/>
           </a:p>
@@ -6186,7 +6526,7 @@
             <a:fld id="{23A271A1-F6D6-438B-A432-4747EE7ECD40}" type="datetimeFigureOut">
               <a:rPr lang="en-US" smtClean="0"/>
               <a:pPr/>
-              <a:t>9/12/2022</a:t>
+              <a:t>9/13/2022</a:t>
             </a:fld>
             <a:endParaRPr lang="en-US" dirty="0"/>
           </a:p>
@@ -6937,14 +7277,35 @@
           <a:lstStyle/>
           <a:p>
             <a:r>
+              <a:rPr lang="ko-KR" altLang="en-US" dirty="0"/>
+              <a:t>김 찬</a:t>
+            </a:r>
+            <a:r>
               <a:rPr lang="en-US" altLang="ko-KR" dirty="0"/>
-              <a:t>2022-02</a:t>
-            </a:r>
-          </a:p>
-          <a:p>
+              <a:t>, </a:t>
+            </a:r>
             <a:r>
               <a:rPr lang="ko-KR" altLang="en-US" dirty="0"/>
-              <a:t>윤영선</a:t>
+              <a:t>윤 영 선</a:t>
+            </a:r>
+            <a:endParaRPr lang="en-US" altLang="ko-KR" dirty="0"/>
+          </a:p>
+          <a:p>
+            <a:r>
+              <a:rPr lang="en-US" altLang="ko-KR" dirty="0">
+                <a:hlinkClick r:id="rId2"/>
+              </a:rPr>
+              <a:t>ckim.esw@gmail.com</a:t>
+            </a:r>
+            <a:r>
+              <a:rPr lang="en-US" altLang="ko-KR" dirty="0"/>
+              <a:t>, </a:t>
+            </a:r>
+            <a:r>
+              <a:rPr lang="en-US" altLang="ko-KR" dirty="0">
+                <a:hlinkClick r:id="rId3"/>
+              </a:rPr>
+              <a:t>ysyun@hnu.kr</a:t>
             </a:r>
             <a:endParaRPr lang="en-US" altLang="ko-KR" dirty="0"/>
           </a:p>
@@ -7036,6 +7397,175 @@
 </file>
 
 <file path=ppt/slides/slide10.xml><?xml version="1.0" encoding="utf-8"?>
+<p:sld xmlns:a="http://schemas.openxmlformats.org/drawingml/2006/main" xmlns:r="http://schemas.openxmlformats.org/officeDocument/2006/relationships" xmlns:p="http://schemas.openxmlformats.org/presentationml/2006/main">
+  <p:cSld>
+    <p:spTree>
+      <p:nvGrpSpPr>
+        <p:cNvPr id="1" name=""/>
+        <p:cNvGrpSpPr/>
+        <p:nvPr/>
+      </p:nvGrpSpPr>
+      <p:grpSpPr>
+        <a:xfrm>
+          <a:off x="0" y="0"/>
+          <a:ext cx="0" cy="0"/>
+          <a:chOff x="0" y="0"/>
+          <a:chExt cx="0" cy="0"/>
+        </a:xfrm>
+      </p:grpSpPr>
+      <p:sp>
+        <p:nvSpPr>
+          <p:cNvPr id="2" name="제목 1"/>
+          <p:cNvSpPr>
+            <a:spLocks noGrp="1"/>
+          </p:cNvSpPr>
+          <p:nvPr>
+            <p:ph type="title"/>
+          </p:nvPr>
+        </p:nvSpPr>
+        <p:spPr/>
+        <p:txBody>
+          <a:bodyPr/>
+          <a:lstStyle/>
+          <a:p>
+            <a:r>
+              <a:rPr lang="en-US" altLang="ko-KR" dirty="0"/>
+              <a:t>3.1 </a:t>
+            </a:r>
+            <a:r>
+              <a:rPr lang="ko-KR" altLang="en-US" dirty="0" err="1"/>
+              <a:t>파이썬의</a:t>
+            </a:r>
+            <a:r>
+              <a:rPr lang="ko-KR" altLang="en-US" dirty="0"/>
+              <a:t> 자료구조</a:t>
+            </a:r>
+          </a:p>
+        </p:txBody>
+      </p:sp>
+      <p:sp>
+        <p:nvSpPr>
+          <p:cNvPr id="3" name="내용 개체 틀 2"/>
+          <p:cNvSpPr>
+            <a:spLocks noGrp="1"/>
+          </p:cNvSpPr>
+          <p:nvPr>
+            <p:ph idx="1"/>
+          </p:nvPr>
+        </p:nvSpPr>
+        <p:spPr/>
+        <p:txBody>
+          <a:bodyPr>
+            <a:normAutofit/>
+          </a:bodyPr>
+          <a:lstStyle/>
+          <a:p>
+            <a:r>
+              <a:rPr lang="en-US" altLang="ko-KR" dirty="0"/>
+              <a:t>3.1.4 </a:t>
+            </a:r>
+            <a:r>
+              <a:rPr lang="ko-KR" altLang="en-US" dirty="0"/>
+              <a:t>슬라이스 연산자</a:t>
+            </a:r>
+            <a:endParaRPr lang="en-US" altLang="ko-KR" dirty="0"/>
+          </a:p>
+          <a:p>
+            <a:pPr lvl="1"/>
+            <a:r>
+              <a:rPr lang="en-US" altLang="ko-KR" dirty="0"/>
+              <a:t>List = []</a:t>
+            </a:r>
+          </a:p>
+          <a:p>
+            <a:pPr lvl="2"/>
+            <a:r>
+              <a:rPr lang="ko-KR" altLang="en-US" dirty="0"/>
+              <a:t>가장 많이 쓰는 배열</a:t>
+            </a:r>
+            <a:endParaRPr lang="en-US" altLang="ko-KR" dirty="0"/>
+          </a:p>
+          <a:p>
+            <a:pPr lvl="2"/>
+            <a:r>
+              <a:rPr lang="en-US" altLang="ko-KR" dirty="0"/>
+              <a:t>[</a:t>
+            </a:r>
+            <a:r>
+              <a:rPr lang="ko-KR" altLang="en-US" dirty="0"/>
+              <a:t>시작 인덱스 </a:t>
+            </a:r>
+            <a:r>
+              <a:rPr lang="en-US" altLang="ko-KR" dirty="0"/>
+              <a:t>: </a:t>
+            </a:r>
+            <a:r>
+              <a:rPr lang="ko-KR" altLang="en-US" dirty="0"/>
+              <a:t>종료 인덱스 </a:t>
+            </a:r>
+            <a:r>
+              <a:rPr lang="en-US" altLang="ko-KR" dirty="0"/>
+              <a:t>: </a:t>
+            </a:r>
+            <a:r>
+              <a:rPr lang="ko-KR" altLang="en-US" dirty="0" err="1"/>
+              <a:t>증가폭</a:t>
+            </a:r>
+            <a:r>
+              <a:rPr lang="en-US" altLang="ko-KR" dirty="0"/>
+              <a:t>]</a:t>
+            </a:r>
+          </a:p>
+          <a:p>
+            <a:pPr lvl="1"/>
+            <a:endParaRPr lang="en-US" altLang="ko-KR" dirty="0"/>
+          </a:p>
+        </p:txBody>
+      </p:sp>
+      <p:pic>
+        <p:nvPicPr>
+          <p:cNvPr id="9" name="그림 8">
+            <a:extLst>
+              <a:ext uri="{FF2B5EF4-FFF2-40B4-BE49-F238E27FC236}">
+                <a16:creationId xmlns:a16="http://schemas.microsoft.com/office/drawing/2014/main" id="{3BD20589-2FF6-D996-51B5-CC58CC122836}"/>
+              </a:ext>
+            </a:extLst>
+          </p:cNvPr>
+          <p:cNvPicPr>
+            <a:picLocks noChangeAspect="1"/>
+          </p:cNvPicPr>
+          <p:nvPr/>
+        </p:nvPicPr>
+        <p:blipFill>
+          <a:blip r:embed="rId2"/>
+          <a:stretch>
+            <a:fillRect/>
+          </a:stretch>
+        </p:blipFill>
+        <p:spPr>
+          <a:xfrm>
+            <a:off x="1619672" y="2797710"/>
+            <a:ext cx="3096344" cy="2685779"/>
+          </a:xfrm>
+          <a:prstGeom prst="rect">
+            <a:avLst/>
+          </a:prstGeom>
+        </p:spPr>
+      </p:pic>
+    </p:spTree>
+    <p:extLst>
+      <p:ext uri="{BB962C8B-B14F-4D97-AF65-F5344CB8AC3E}">
+        <p14:creationId xmlns:p14="http://schemas.microsoft.com/office/powerpoint/2010/main" val="3659228861"/>
+      </p:ext>
+    </p:extLst>
+  </p:cSld>
+  <p:clrMapOvr>
+    <a:masterClrMapping/>
+  </p:clrMapOvr>
+</p:sld>
+</file>
+
+<file path=ppt/slides/slide11.xml><?xml version="1.0" encoding="utf-8"?>
 <p:sld xmlns:a="http://schemas.openxmlformats.org/drawingml/2006/main" xmlns:r="http://schemas.openxmlformats.org/officeDocument/2006/relationships" xmlns:p="http://schemas.openxmlformats.org/presentationml/2006/main">
   <p:cSld>
     <p:spTree>
@@ -7240,7 +7770,7 @@
 </p:sld>
 </file>
 
-<file path=ppt/slides/slide11.xml><?xml version="1.0" encoding="utf-8"?>
+<file path=ppt/slides/slide12.xml><?xml version="1.0" encoding="utf-8"?>
 <p:sld xmlns:a="http://schemas.openxmlformats.org/drawingml/2006/main" xmlns:r="http://schemas.openxmlformats.org/officeDocument/2006/relationships" xmlns:p="http://schemas.openxmlformats.org/presentationml/2006/main">
   <p:cSld>
     <p:spTree>
@@ -7370,13 +7900,7 @@
               </a:rPr>
               <a:t>for each</a:t>
             </a:r>
-          </a:p>
-          <a:p>
-            <a:pPr lvl="2"/>
-            <a:r>
-              <a:rPr lang="en-US" altLang="ko-KR" dirty="0"/>
-              <a:t>enumerate</a:t>
-            </a:r>
+            <a:endParaRPr lang="en-US" altLang="ko-KR" dirty="0"/>
           </a:p>
         </p:txBody>
       </p:sp>
@@ -7513,215 +8037,6 @@
 </p:sld>
 </file>
 
-<file path=ppt/slides/slide12.xml><?xml version="1.0" encoding="utf-8"?>
-<p:sld xmlns:a="http://schemas.openxmlformats.org/drawingml/2006/main" xmlns:r="http://schemas.openxmlformats.org/officeDocument/2006/relationships" xmlns:p="http://schemas.openxmlformats.org/presentationml/2006/main">
-  <p:cSld>
-    <p:spTree>
-      <p:nvGrpSpPr>
-        <p:cNvPr id="1" name=""/>
-        <p:cNvGrpSpPr/>
-        <p:nvPr/>
-      </p:nvGrpSpPr>
-      <p:grpSpPr>
-        <a:xfrm>
-          <a:off x="0" y="0"/>
-          <a:ext cx="0" cy="0"/>
-          <a:chOff x="0" y="0"/>
-          <a:chExt cx="0" cy="0"/>
-        </a:xfrm>
-      </p:grpSpPr>
-      <p:sp>
-        <p:nvSpPr>
-          <p:cNvPr id="2" name="제목 1"/>
-          <p:cNvSpPr>
-            <a:spLocks noGrp="1"/>
-          </p:cNvSpPr>
-          <p:nvPr>
-            <p:ph type="title"/>
-          </p:nvPr>
-        </p:nvSpPr>
-        <p:spPr/>
-        <p:txBody>
-          <a:bodyPr/>
-          <a:lstStyle/>
-          <a:p>
-            <a:r>
-              <a:rPr lang="en-US" altLang="ko-KR" dirty="0"/>
-              <a:t>3.1 </a:t>
-            </a:r>
-            <a:r>
-              <a:rPr lang="ko-KR" altLang="en-US" dirty="0" err="1"/>
-              <a:t>파이썬의</a:t>
-            </a:r>
-            <a:r>
-              <a:rPr lang="ko-KR" altLang="en-US" dirty="0"/>
-              <a:t> 자료구조</a:t>
-            </a:r>
-          </a:p>
-        </p:txBody>
-      </p:sp>
-      <p:sp>
-        <p:nvSpPr>
-          <p:cNvPr id="3" name="내용 개체 틀 2"/>
-          <p:cNvSpPr>
-            <a:spLocks noGrp="1"/>
-          </p:cNvSpPr>
-          <p:nvPr>
-            <p:ph idx="1"/>
-          </p:nvPr>
-        </p:nvSpPr>
-        <p:spPr/>
-        <p:txBody>
-          <a:bodyPr>
-            <a:normAutofit/>
-          </a:bodyPr>
-          <a:lstStyle/>
-          <a:p>
-            <a:r>
-              <a:rPr lang="en-US" altLang="ko-KR" dirty="0"/>
-              <a:t>3.2 if</a:t>
-            </a:r>
-          </a:p>
-          <a:p>
-            <a:pPr lvl="1"/>
-            <a:r>
-              <a:rPr lang="ko-KR" altLang="en-US" dirty="0"/>
-              <a:t>조건문</a:t>
-            </a:r>
-            <a:endParaRPr lang="en-US" altLang="ko-KR" dirty="0"/>
-          </a:p>
-          <a:p>
-            <a:pPr lvl="2"/>
-            <a:r>
-              <a:rPr lang="en-US" altLang="ko-KR" dirty="0"/>
-              <a:t>if == x</a:t>
-            </a:r>
-          </a:p>
-          <a:p>
-            <a:pPr lvl="2"/>
-            <a:r>
-              <a:rPr lang="en-US" altLang="ko-KR" dirty="0"/>
-              <a:t>if  ~ in ~</a:t>
-            </a:r>
-          </a:p>
-          <a:p>
-            <a:pPr lvl="2"/>
-            <a:endParaRPr lang="en-US" altLang="ko-KR" dirty="0"/>
-          </a:p>
-          <a:p>
-            <a:r>
-              <a:rPr lang="en-US" altLang="ko-KR" dirty="0"/>
-              <a:t>3.3 for</a:t>
-            </a:r>
-          </a:p>
-          <a:p>
-            <a:pPr lvl="1"/>
-            <a:r>
-              <a:rPr lang="ko-KR" altLang="en-US" dirty="0" err="1"/>
-              <a:t>반복문</a:t>
-            </a:r>
-            <a:endParaRPr lang="en-US" altLang="ko-KR" dirty="0"/>
-          </a:p>
-          <a:p>
-            <a:pPr lvl="2"/>
-            <a:r>
-              <a:rPr lang="en-US" altLang="ko-KR" dirty="0"/>
-              <a:t>range</a:t>
-            </a:r>
-          </a:p>
-          <a:p>
-            <a:pPr lvl="2"/>
-            <a:r>
-              <a:rPr lang="en-US" altLang="ko-KR" dirty="0"/>
-              <a:t>for each</a:t>
-            </a:r>
-          </a:p>
-          <a:p>
-            <a:pPr lvl="2"/>
-            <a:r>
-              <a:rPr lang="en-US" altLang="ko-KR" dirty="0">
-                <a:solidFill>
-                  <a:srgbClr val="FF0000"/>
-                </a:solidFill>
-              </a:rPr>
-              <a:t>enumerate</a:t>
-            </a:r>
-          </a:p>
-        </p:txBody>
-      </p:sp>
-      <p:pic>
-        <p:nvPicPr>
-          <p:cNvPr id="13" name="그림 12">
-            <a:extLst>
-              <a:ext uri="{FF2B5EF4-FFF2-40B4-BE49-F238E27FC236}">
-                <a16:creationId xmlns:a16="http://schemas.microsoft.com/office/drawing/2014/main" id="{BB87F3A0-41F6-D9D5-04CD-226289B18153}"/>
-              </a:ext>
-            </a:extLst>
-          </p:cNvPr>
-          <p:cNvPicPr>
-            <a:picLocks noChangeAspect="1"/>
-          </p:cNvPicPr>
-          <p:nvPr/>
-        </p:nvPicPr>
-        <p:blipFill>
-          <a:blip r:embed="rId2"/>
-          <a:stretch>
-            <a:fillRect/>
-          </a:stretch>
-        </p:blipFill>
-        <p:spPr>
-          <a:xfrm>
-            <a:off x="3419872" y="2857500"/>
-            <a:ext cx="3820058" cy="828791"/>
-          </a:xfrm>
-          <a:prstGeom prst="rect">
-            <a:avLst/>
-          </a:prstGeom>
-        </p:spPr>
-      </p:pic>
-      <p:pic>
-        <p:nvPicPr>
-          <p:cNvPr id="15" name="그림 14">
-            <a:extLst>
-              <a:ext uri="{FF2B5EF4-FFF2-40B4-BE49-F238E27FC236}">
-                <a16:creationId xmlns:a16="http://schemas.microsoft.com/office/drawing/2014/main" id="{43D00E04-E090-9F9D-B655-A947A648555D}"/>
-              </a:ext>
-            </a:extLst>
-          </p:cNvPr>
-          <p:cNvPicPr>
-            <a:picLocks noChangeAspect="1"/>
-          </p:cNvPicPr>
-          <p:nvPr/>
-        </p:nvPicPr>
-        <p:blipFill>
-          <a:blip r:embed="rId3"/>
-          <a:stretch>
-            <a:fillRect/>
-          </a:stretch>
-        </p:blipFill>
-        <p:spPr>
-          <a:xfrm>
-            <a:off x="7796681" y="2647922"/>
-            <a:ext cx="733527" cy="1247949"/>
-          </a:xfrm>
-          <a:prstGeom prst="rect">
-            <a:avLst/>
-          </a:prstGeom>
-        </p:spPr>
-      </p:pic>
-    </p:spTree>
-    <p:extLst>
-      <p:ext uri="{BB962C8B-B14F-4D97-AF65-F5344CB8AC3E}">
-        <p14:creationId xmlns:p14="http://schemas.microsoft.com/office/powerpoint/2010/main" val="2378013691"/>
-      </p:ext>
-    </p:extLst>
-  </p:cSld>
-  <p:clrMapOvr>
-    <a:masterClrMapping/>
-  </p:clrMapOvr>
-</p:sld>
-</file>
-
 <file path=ppt/slides/slide13.xml><?xml version="1.0" encoding="utf-8"?>
 <p:sld xmlns:a="http://schemas.openxmlformats.org/drawingml/2006/main" xmlns:r="http://schemas.openxmlformats.org/officeDocument/2006/relationships" xmlns:p="http://schemas.openxmlformats.org/presentationml/2006/main">
   <p:cSld>
@@ -7741,6 +8056,160 @@
       </p:grpSpPr>
       <p:sp>
         <p:nvSpPr>
+          <p:cNvPr id="2" name="제목 1">
+            <a:extLst>
+              <a:ext uri="{FF2B5EF4-FFF2-40B4-BE49-F238E27FC236}">
+                <a16:creationId xmlns:a16="http://schemas.microsoft.com/office/drawing/2014/main" id="{2AA1421F-C33A-41EF-BC9C-663B7325CC6B}"/>
+              </a:ext>
+            </a:extLst>
+          </p:cNvPr>
+          <p:cNvSpPr>
+            <a:spLocks noGrp="1"/>
+          </p:cNvSpPr>
+          <p:nvPr>
+            <p:ph type="title"/>
+          </p:nvPr>
+        </p:nvSpPr>
+        <p:spPr/>
+        <p:txBody>
+          <a:bodyPr/>
+          <a:lstStyle/>
+          <a:p>
+            <a:r>
+              <a:rPr lang="ko-KR" altLang="en-US" dirty="0"/>
+              <a:t>삽입 정렬</a:t>
+            </a:r>
+          </a:p>
+        </p:txBody>
+      </p:sp>
+      <p:sp>
+        <p:nvSpPr>
+          <p:cNvPr id="3" name="내용 개체 틀 2">
+            <a:extLst>
+              <a:ext uri="{FF2B5EF4-FFF2-40B4-BE49-F238E27FC236}">
+                <a16:creationId xmlns:a16="http://schemas.microsoft.com/office/drawing/2014/main" id="{40305F20-CD0B-4138-81FD-8A8C5531D2BA}"/>
+              </a:ext>
+            </a:extLst>
+          </p:cNvPr>
+          <p:cNvSpPr>
+            <a:spLocks noGrp="1"/>
+          </p:cNvSpPr>
+          <p:nvPr>
+            <p:ph idx="1"/>
+          </p:nvPr>
+        </p:nvSpPr>
+        <p:spPr/>
+        <p:txBody>
+          <a:bodyPr/>
+          <a:lstStyle/>
+          <a:p>
+            <a:r>
+              <a:rPr lang="ko-KR" altLang="en-US" dirty="0"/>
+              <a:t>정의</a:t>
+            </a:r>
+            <a:endParaRPr lang="en-US" altLang="ko-KR" dirty="0"/>
+          </a:p>
+          <a:p>
+            <a:pPr lvl="1"/>
+            <a:r>
+              <a:rPr lang="ko-KR" altLang="en-US" dirty="0"/>
+              <a:t>자신의 크기에 맞는 위치에 원소를 저장</a:t>
+            </a:r>
+            <a:endParaRPr lang="en-US" altLang="ko-KR" dirty="0"/>
+          </a:p>
+          <a:p>
+            <a:r>
+              <a:rPr lang="ko-KR" altLang="en-US" dirty="0"/>
+              <a:t>입력</a:t>
+            </a:r>
+            <a:r>
+              <a:rPr lang="en-US" altLang="ko-KR" dirty="0"/>
+              <a:t>: tuple (</a:t>
+            </a:r>
+            <a:r>
+              <a:rPr lang="ko-KR" altLang="en-US" dirty="0"/>
+              <a:t>수정 불가</a:t>
+            </a:r>
+            <a:r>
+              <a:rPr lang="en-US" altLang="ko-KR" dirty="0"/>
+              <a:t>)</a:t>
+            </a:r>
+          </a:p>
+          <a:p>
+            <a:r>
+              <a:rPr lang="ko-KR" altLang="en-US" dirty="0"/>
+              <a:t>출력</a:t>
+            </a:r>
+            <a:r>
+              <a:rPr lang="en-US" altLang="ko-KR" dirty="0"/>
+              <a:t>: list </a:t>
+            </a:r>
+          </a:p>
+          <a:p>
+            <a:pPr lvl="1"/>
+            <a:r>
+              <a:rPr lang="ko-KR" altLang="en-US" dirty="0"/>
+              <a:t>값 추가</a:t>
+            </a:r>
+            <a:endParaRPr lang="en-US" altLang="ko-KR" dirty="0"/>
+          </a:p>
+          <a:p>
+            <a:pPr lvl="2"/>
+            <a:r>
+              <a:rPr lang="en-US" altLang="ko-KR" dirty="0"/>
+              <a:t>.append(value) # </a:t>
+            </a:r>
+            <a:r>
+              <a:rPr lang="ko-KR" altLang="en-US" dirty="0"/>
+              <a:t>마지막에 원소 추가</a:t>
+            </a:r>
+            <a:endParaRPr lang="en-US" altLang="ko-KR" dirty="0"/>
+          </a:p>
+          <a:p>
+            <a:pPr lvl="2"/>
+            <a:r>
+              <a:rPr lang="en-US" altLang="ko-KR" dirty="0"/>
+              <a:t>.insert(pos, value) # </a:t>
+            </a:r>
+            <a:r>
+              <a:rPr lang="ko-KR" altLang="en-US" dirty="0"/>
+              <a:t>위치에 값을 추가</a:t>
+            </a:r>
+          </a:p>
+        </p:txBody>
+      </p:sp>
+    </p:spTree>
+    <p:extLst>
+      <p:ext uri="{BB962C8B-B14F-4D97-AF65-F5344CB8AC3E}">
+        <p14:creationId xmlns:p14="http://schemas.microsoft.com/office/powerpoint/2010/main" val="2610073076"/>
+      </p:ext>
+    </p:extLst>
+  </p:cSld>
+  <p:clrMapOvr>
+    <a:masterClrMapping/>
+  </p:clrMapOvr>
+</p:sld>
+</file>
+
+<file path=ppt/slides/slide14.xml><?xml version="1.0" encoding="utf-8"?>
+<p:sld xmlns:a="http://schemas.openxmlformats.org/drawingml/2006/main" xmlns:r="http://schemas.openxmlformats.org/officeDocument/2006/relationships" xmlns:p="http://schemas.openxmlformats.org/presentationml/2006/main">
+  <p:cSld>
+    <p:spTree>
+      <p:nvGrpSpPr>
+        <p:cNvPr id="1" name=""/>
+        <p:cNvGrpSpPr/>
+        <p:nvPr/>
+      </p:nvGrpSpPr>
+      <p:grpSpPr>
+        <a:xfrm>
+          <a:off x="0" y="0"/>
+          <a:ext cx="0" cy="0"/>
+          <a:chOff x="0" y="0"/>
+          <a:chExt cx="0" cy="0"/>
+        </a:xfrm>
+      </p:grpSpPr>
+      <p:sp>
+        <p:nvSpPr>
           <p:cNvPr id="2" name="제목 1"/>
           <p:cNvSpPr>
             <a:spLocks noGrp="1"/>
@@ -7788,68 +8257,418 @@
           <a:p>
             <a:r>
               <a:rPr lang="en-US" altLang="ko-KR" dirty="0"/>
-              <a:t>3.4 </a:t>
+              <a:t>3.1.5 </a:t>
             </a:r>
             <a:r>
               <a:rPr lang="ko-KR" altLang="en-US" dirty="0"/>
-              <a:t>함수</a:t>
-            </a:r>
-            <a:endParaRPr lang="en-US" altLang="ko-KR" dirty="0"/>
+              <a:t>실습문제</a:t>
+            </a:r>
+            <a:r>
+              <a:rPr lang="en-US" altLang="ko-KR" dirty="0"/>
+              <a:t>1</a:t>
+            </a:r>
           </a:p>
           <a:p>
             <a:pPr lvl="1"/>
             <a:r>
-              <a:rPr lang="ko-KR" altLang="en-US" dirty="0"/>
-              <a:t>코드의 재사용</a:t>
-            </a:r>
-            <a:endParaRPr lang="en-US" altLang="ko-KR" dirty="0"/>
-          </a:p>
-          <a:p>
-            <a:pPr lvl="1"/>
-            <a:endParaRPr lang="en-US" altLang="ko-KR" dirty="0">
-              <a:solidFill>
-                <a:srgbClr val="FF0000"/>
-              </a:solidFill>
-            </a:endParaRPr>
-          </a:p>
-        </p:txBody>
-      </p:sp>
-      <p:pic>
-        <p:nvPicPr>
-          <p:cNvPr id="5" name="그림 4">
+              <a:rPr lang="en-US" altLang="ko-KR" dirty="0"/>
+              <a:t>sort</a:t>
+            </a:r>
+          </a:p>
+        </p:txBody>
+      </p:sp>
+      <p:sp>
+        <p:nvSpPr>
+          <p:cNvPr id="4" name="내용 개체 틀 8">
             <a:extLst>
               <a:ext uri="{FF2B5EF4-FFF2-40B4-BE49-F238E27FC236}">
-                <a16:creationId xmlns:a16="http://schemas.microsoft.com/office/drawing/2014/main" id="{7180C0C4-BF05-55EF-FB03-2B6A0199DDED}"/>
+                <a16:creationId xmlns:a16="http://schemas.microsoft.com/office/drawing/2014/main" id="{916DA302-2503-142B-840F-6FB9472DDD89}"/>
               </a:ext>
             </a:extLst>
           </p:cNvPr>
-          <p:cNvPicPr>
-            <a:picLocks noChangeAspect="1"/>
-          </p:cNvPicPr>
+          <p:cNvSpPr txBox="1">
+            <a:spLocks/>
+          </p:cNvSpPr>
           <p:nvPr/>
-        </p:nvPicPr>
-        <p:blipFill>
-          <a:blip r:embed="rId2"/>
-          <a:stretch>
-            <a:fillRect/>
-          </a:stretch>
-        </p:blipFill>
+        </p:nvSpPr>
         <p:spPr>
           <a:xfrm>
-            <a:off x="1865114" y="2137420"/>
-            <a:ext cx="3381847" cy="1314633"/>
+            <a:off x="685800" y="2209428"/>
+            <a:ext cx="4462264" cy="2770005"/>
           </a:xfrm>
           <a:prstGeom prst="rect">
             <a:avLst/>
           </a:prstGeom>
         </p:spPr>
-      </p:pic>
+        <p:txBody>
+          <a:bodyPr/>
+          <a:lstStyle>
+            <a:lvl1pPr marL="285739" indent="-285739" algn="l" rtl="0" eaLnBrk="1" fontAlgn="base" latinLnBrk="1" hangingPunct="1">
+              <a:spcBef>
+                <a:spcPct val="20000"/>
+              </a:spcBef>
+              <a:spcAft>
+                <a:spcPct val="0"/>
+              </a:spcAft>
+              <a:buClr>
+                <a:srgbClr val="0000FF"/>
+              </a:buClr>
+              <a:buSzPct val="90000"/>
+              <a:buFont typeface="Wingdings" pitchFamily="2" charset="2"/>
+              <a:buChar char="n"/>
+              <a:defRPr kumimoji="1" sz="2333" b="1">
+                <a:solidFill>
+                  <a:schemeClr val="tx1"/>
+                </a:solidFill>
+                <a:latin typeface="+mn-lt"/>
+                <a:ea typeface="맑은 고딕" pitchFamily="50" charset="-127"/>
+                <a:cs typeface="+mn-cs"/>
+              </a:defRPr>
+            </a:lvl1pPr>
+            <a:lvl2pPr marL="619100" indent="-238115" algn="l" rtl="0" eaLnBrk="1" fontAlgn="base" latinLnBrk="1" hangingPunct="1">
+              <a:spcBef>
+                <a:spcPct val="20000"/>
+              </a:spcBef>
+              <a:spcAft>
+                <a:spcPct val="0"/>
+              </a:spcAft>
+              <a:buClr>
+                <a:schemeClr val="hlink"/>
+              </a:buClr>
+              <a:buSzPct val="75000"/>
+              <a:buFont typeface="Wingdings" pitchFamily="2" charset="2"/>
+              <a:buChar char="u"/>
+              <a:defRPr kumimoji="1" sz="2167" b="1">
+                <a:solidFill>
+                  <a:schemeClr val="tx1"/>
+                </a:solidFill>
+                <a:latin typeface="+mn-lt"/>
+                <a:ea typeface="맑은 고딕" pitchFamily="50" charset="-127"/>
+              </a:defRPr>
+            </a:lvl2pPr>
+            <a:lvl3pPr marL="952462" indent="-190492" algn="l" rtl="0" eaLnBrk="1" fontAlgn="base" latinLnBrk="1" hangingPunct="1">
+              <a:spcBef>
+                <a:spcPct val="20000"/>
+              </a:spcBef>
+              <a:spcAft>
+                <a:spcPct val="0"/>
+              </a:spcAft>
+              <a:buClr>
+                <a:srgbClr val="3399FF"/>
+              </a:buClr>
+              <a:buSzPct val="55000"/>
+              <a:buFont typeface="Wingdings" pitchFamily="2" charset="2"/>
+              <a:buChar char="l"/>
+              <a:defRPr kumimoji="1" sz="2000" b="1">
+                <a:solidFill>
+                  <a:schemeClr val="tx1"/>
+                </a:solidFill>
+                <a:latin typeface="+mn-lt"/>
+                <a:ea typeface="맑은 고딕" pitchFamily="50" charset="-127"/>
+              </a:defRPr>
+            </a:lvl3pPr>
+            <a:lvl4pPr marL="1333447" indent="-190492" algn="l" rtl="0" eaLnBrk="1" fontAlgn="base" latinLnBrk="1" hangingPunct="1">
+              <a:spcBef>
+                <a:spcPct val="20000"/>
+              </a:spcBef>
+              <a:spcAft>
+                <a:spcPct val="0"/>
+              </a:spcAft>
+              <a:buClr>
+                <a:srgbClr val="009900"/>
+              </a:buClr>
+              <a:buFont typeface="Wingdings" pitchFamily="2" charset="2"/>
+              <a:buChar char="§"/>
+              <a:defRPr kumimoji="1" sz="1833" b="1">
+                <a:solidFill>
+                  <a:schemeClr val="tx1"/>
+                </a:solidFill>
+                <a:latin typeface="+mn-lt"/>
+                <a:ea typeface="맑은 고딕" pitchFamily="50" charset="-127"/>
+              </a:defRPr>
+            </a:lvl4pPr>
+            <a:lvl5pPr marL="1714431" indent="-190492" algn="l" rtl="0" eaLnBrk="1" fontAlgn="base" latinLnBrk="1" hangingPunct="1">
+              <a:spcBef>
+                <a:spcPct val="20000"/>
+              </a:spcBef>
+              <a:spcAft>
+                <a:spcPct val="0"/>
+              </a:spcAft>
+              <a:buClr>
+                <a:schemeClr val="tx1"/>
+              </a:buClr>
+              <a:buFont typeface="Wingdings" pitchFamily="2" charset="2"/>
+              <a:buChar char="§"/>
+              <a:defRPr kumimoji="1" sz="1667" b="1">
+                <a:solidFill>
+                  <a:schemeClr val="tx1"/>
+                </a:solidFill>
+                <a:latin typeface="+mn-lt"/>
+                <a:ea typeface="맑은 고딕" pitchFamily="50" charset="-127"/>
+              </a:defRPr>
+            </a:lvl5pPr>
+            <a:lvl6pPr marL="2095416" indent="-190492" algn="l" rtl="0" eaLnBrk="1" fontAlgn="base" latinLnBrk="1" hangingPunct="1">
+              <a:spcBef>
+                <a:spcPct val="20000"/>
+              </a:spcBef>
+              <a:spcAft>
+                <a:spcPct val="0"/>
+              </a:spcAft>
+              <a:buClr>
+                <a:schemeClr val="tx1"/>
+              </a:buClr>
+              <a:buFont typeface="Wingdings" pitchFamily="2" charset="2"/>
+              <a:buChar char="§"/>
+              <a:defRPr kumimoji="1" sz="1667" b="1">
+                <a:solidFill>
+                  <a:schemeClr val="tx1"/>
+                </a:solidFill>
+                <a:latin typeface="+mn-lt"/>
+                <a:ea typeface="+mn-ea"/>
+              </a:defRPr>
+            </a:lvl6pPr>
+            <a:lvl7pPr marL="2476401" indent="-190492" algn="l" rtl="0" eaLnBrk="1" fontAlgn="base" latinLnBrk="1" hangingPunct="1">
+              <a:spcBef>
+                <a:spcPct val="20000"/>
+              </a:spcBef>
+              <a:spcAft>
+                <a:spcPct val="0"/>
+              </a:spcAft>
+              <a:buClr>
+                <a:schemeClr val="tx1"/>
+              </a:buClr>
+              <a:buFont typeface="Wingdings" pitchFamily="2" charset="2"/>
+              <a:buChar char="§"/>
+              <a:defRPr kumimoji="1" sz="1667" b="1">
+                <a:solidFill>
+                  <a:schemeClr val="tx1"/>
+                </a:solidFill>
+                <a:latin typeface="+mn-lt"/>
+                <a:ea typeface="+mn-ea"/>
+              </a:defRPr>
+            </a:lvl7pPr>
+            <a:lvl8pPr marL="2857386" indent="-190492" algn="l" rtl="0" eaLnBrk="1" fontAlgn="base" latinLnBrk="1" hangingPunct="1">
+              <a:spcBef>
+                <a:spcPct val="20000"/>
+              </a:spcBef>
+              <a:spcAft>
+                <a:spcPct val="0"/>
+              </a:spcAft>
+              <a:buClr>
+                <a:schemeClr val="tx1"/>
+              </a:buClr>
+              <a:buFont typeface="Wingdings" pitchFamily="2" charset="2"/>
+              <a:buChar char="§"/>
+              <a:defRPr kumimoji="1" sz="1667" b="1">
+                <a:solidFill>
+                  <a:schemeClr val="tx1"/>
+                </a:solidFill>
+                <a:latin typeface="+mn-lt"/>
+                <a:ea typeface="+mn-ea"/>
+              </a:defRPr>
+            </a:lvl8pPr>
+            <a:lvl9pPr marL="3238370" indent="-190492" algn="l" rtl="0" eaLnBrk="1" fontAlgn="base" latinLnBrk="1" hangingPunct="1">
+              <a:spcBef>
+                <a:spcPct val="20000"/>
+              </a:spcBef>
+              <a:spcAft>
+                <a:spcPct val="0"/>
+              </a:spcAft>
+              <a:buClr>
+                <a:schemeClr val="tx1"/>
+              </a:buClr>
+              <a:buFont typeface="Wingdings" pitchFamily="2" charset="2"/>
+              <a:buChar char="§"/>
+              <a:defRPr kumimoji="1" sz="1667" b="1">
+                <a:solidFill>
+                  <a:schemeClr val="tx1"/>
+                </a:solidFill>
+                <a:latin typeface="+mn-lt"/>
+                <a:ea typeface="+mn-ea"/>
+              </a:defRPr>
+            </a:lvl9pPr>
+          </a:lstStyle>
+          <a:p>
+            <a:r>
+              <a:rPr lang="ko-KR" altLang="en-US" kern="0" dirty="0"/>
+              <a:t>기본 소스 코드</a:t>
+            </a:r>
+            <a:r>
+              <a:rPr lang="en-US" altLang="ko-KR" kern="0" dirty="0"/>
+              <a:t>1</a:t>
+            </a:r>
+          </a:p>
+          <a:p>
+            <a:endParaRPr lang="en-US" altLang="ko-KR" kern="0" dirty="0"/>
+          </a:p>
+          <a:p>
+            <a:endParaRPr lang="en-US" altLang="ko-KR" kern="0" dirty="0"/>
+          </a:p>
+          <a:p>
+            <a:endParaRPr lang="en-US" altLang="ko-KR" kern="0" dirty="0"/>
+          </a:p>
+          <a:p>
+            <a:pPr marL="380985" lvl="1" indent="0">
+              <a:buNone/>
+            </a:pPr>
+            <a:endParaRPr lang="en-US" altLang="ko-KR" i="1" kern="0" dirty="0"/>
+          </a:p>
+        </p:txBody>
+      </p:sp>
+      <p:sp>
+        <p:nvSpPr>
+          <p:cNvPr id="6" name="직사각형 5">
+            <a:extLst>
+              <a:ext uri="{FF2B5EF4-FFF2-40B4-BE49-F238E27FC236}">
+                <a16:creationId xmlns:a16="http://schemas.microsoft.com/office/drawing/2014/main" id="{7224EBA5-FABE-C021-45D2-3A221A5E3B85}"/>
+              </a:ext>
+            </a:extLst>
+          </p:cNvPr>
+          <p:cNvSpPr/>
+          <p:nvPr/>
+        </p:nvSpPr>
+        <p:spPr>
+          <a:xfrm>
+            <a:off x="890861" y="2641476"/>
+            <a:ext cx="3681139" cy="2062103"/>
+          </a:xfrm>
+          <a:prstGeom prst="rect">
+            <a:avLst/>
+          </a:prstGeom>
+        </p:spPr>
+        <p:txBody>
+          <a:bodyPr wrap="square">
+            <a:spAutoFit/>
+          </a:bodyPr>
+          <a:lstStyle/>
+          <a:p>
+            <a:r>
+              <a:rPr lang="pl-PL" altLang="ko-KR" sz="1600" b="0" dirty="0">
+                <a:effectLst/>
+                <a:latin typeface="ubuntu mono derivative powerline" panose="020B0509030602030204" pitchFamily="49" charset="0"/>
+              </a:rPr>
+              <a:t>tp = (8, 41, 21, 3, 35, 5, 25, 54)</a:t>
+            </a:r>
+            <a:endParaRPr lang="en-US" altLang="ko-KR" sz="1600" b="0" dirty="0">
+              <a:effectLst/>
+              <a:latin typeface="ubuntu mono derivative powerline" panose="020B0509030602030204" pitchFamily="49" charset="0"/>
+            </a:endParaRPr>
+          </a:p>
+          <a:p>
+            <a:r>
+              <a:rPr lang="it-IT" altLang="ko-KR" sz="1600" b="0" dirty="0">
+                <a:effectLst/>
+                <a:latin typeface="ubuntu mono derivative powerline" panose="020B0509030602030204" pitchFamily="49" charset="0"/>
+              </a:rPr>
+              <a:t>li = </a:t>
+            </a:r>
+            <a:r>
+              <a:rPr lang="it-IT" altLang="ko-KR" sz="1600" b="0" dirty="0">
+                <a:solidFill>
+                  <a:srgbClr val="00B050"/>
+                </a:solidFill>
+                <a:effectLst/>
+                <a:latin typeface="ubuntu mono derivative powerline" panose="020B0509030602030204" pitchFamily="49" charset="0"/>
+              </a:rPr>
+              <a:t>list</a:t>
+            </a:r>
+            <a:r>
+              <a:rPr lang="it-IT" altLang="ko-KR" sz="1600" b="0" dirty="0">
+                <a:effectLst/>
+                <a:latin typeface="ubuntu mono derivative powerline" panose="020B0509030602030204" pitchFamily="49" charset="0"/>
+              </a:rPr>
+              <a:t>(tp)</a:t>
+            </a:r>
+          </a:p>
+          <a:p>
+            <a:r>
+              <a:rPr lang="it-IT" altLang="ko-KR" sz="1600" b="0" dirty="0">
+                <a:solidFill>
+                  <a:srgbClr val="0000FF"/>
+                </a:solidFill>
+                <a:effectLst/>
+                <a:latin typeface="ubuntu mono derivative powerline" panose="020B0509030602030204" pitchFamily="49" charset="0"/>
+              </a:rPr>
+              <a:t>print</a:t>
+            </a:r>
+            <a:r>
+              <a:rPr lang="it-IT" altLang="ko-KR" sz="1600" b="0" dirty="0">
+                <a:effectLst/>
+                <a:latin typeface="ubuntu mono derivative powerline" panose="020B0509030602030204" pitchFamily="49" charset="0"/>
+              </a:rPr>
+              <a:t>(li)</a:t>
+            </a:r>
+          </a:p>
+          <a:p>
+            <a:endParaRPr lang="it-IT" altLang="ko-KR" sz="1600" dirty="0">
+              <a:latin typeface="ubuntu mono derivative powerline" panose="020B0509030602030204" pitchFamily="49" charset="0"/>
+            </a:endParaRPr>
+          </a:p>
+          <a:p>
+            <a:endParaRPr lang="it-IT" altLang="ko-KR" sz="1600" b="0" dirty="0">
+              <a:effectLst/>
+              <a:latin typeface="ubuntu mono derivative powerline" panose="020B0509030602030204" pitchFamily="49" charset="0"/>
+            </a:endParaRPr>
+          </a:p>
+          <a:p>
+            <a:r>
+              <a:rPr lang="it-IT" altLang="ko-KR" sz="1600" b="0" dirty="0">
+                <a:effectLst/>
+                <a:latin typeface="ubuntu mono derivative powerline" panose="020B0509030602030204" pitchFamily="49" charset="0"/>
+              </a:rPr>
+              <a:t>li.</a:t>
+            </a:r>
+            <a:r>
+              <a:rPr lang="it-IT" altLang="ko-KR" sz="1600" b="0" dirty="0">
+                <a:solidFill>
+                  <a:srgbClr val="0000FF"/>
+                </a:solidFill>
+                <a:effectLst/>
+                <a:latin typeface="ubuntu mono derivative powerline" panose="020B0509030602030204" pitchFamily="49" charset="0"/>
+              </a:rPr>
+              <a:t>sort</a:t>
+            </a:r>
+            <a:r>
+              <a:rPr lang="it-IT" altLang="ko-KR" sz="1600" b="0" dirty="0">
+                <a:effectLst/>
+                <a:latin typeface="ubuntu mono derivative powerline" panose="020B0509030602030204" pitchFamily="49" charset="0"/>
+              </a:rPr>
+              <a:t>()</a:t>
+            </a:r>
+          </a:p>
+          <a:p>
+            <a:r>
+              <a:rPr lang="it-IT" altLang="ko-KR" sz="1600" b="0" dirty="0">
+                <a:solidFill>
+                  <a:srgbClr val="0000FF"/>
+                </a:solidFill>
+                <a:effectLst/>
+                <a:latin typeface="ubuntu mono derivative powerline" panose="020B0509030602030204" pitchFamily="49" charset="0"/>
+              </a:rPr>
+              <a:t>print</a:t>
+            </a:r>
+            <a:r>
+              <a:rPr lang="it-IT" altLang="ko-KR" sz="1600" b="0" dirty="0">
+                <a:effectLst/>
+                <a:latin typeface="ubuntu mono derivative powerline" panose="020B0509030602030204" pitchFamily="49" charset="0"/>
+              </a:rPr>
+              <a:t>(li)</a:t>
+            </a:r>
+          </a:p>
+          <a:p>
+            <a:endParaRPr lang="pl-PL" altLang="ko-KR" sz="1600" b="0" dirty="0">
+              <a:effectLst/>
+              <a:latin typeface="ubuntu mono derivative powerline" panose="020B0509030602030204" pitchFamily="49" charset="0"/>
+            </a:endParaRPr>
+          </a:p>
+        </p:txBody>
+      </p:sp>
       <p:pic>
         <p:nvPicPr>
-          <p:cNvPr id="7" name="그림 6">
+          <p:cNvPr id="8" name="그림 7">
             <a:extLst>
               <a:ext uri="{FF2B5EF4-FFF2-40B4-BE49-F238E27FC236}">
-                <a16:creationId xmlns:a16="http://schemas.microsoft.com/office/drawing/2014/main" id="{ADCD3AF7-E02F-BA9E-0B41-86084DEBB6A9}"/>
+                <a16:creationId xmlns:a16="http://schemas.microsoft.com/office/drawing/2014/main" id="{61D1B957-87F8-ABDE-70D8-0636D9EBDE14}"/>
               </a:ext>
             </a:extLst>
           </p:cNvPr>
@@ -7866,8 +8685,8 @@
         </p:blipFill>
         <p:spPr>
           <a:xfrm>
-            <a:off x="6300192" y="1937366"/>
-            <a:ext cx="628738" cy="1714739"/>
+            <a:off x="971600" y="3475351"/>
+            <a:ext cx="2038635" cy="238158"/>
           </a:xfrm>
           <a:prstGeom prst="rect">
             <a:avLst/>
@@ -7876,10 +8695,10 @@
       </p:pic>
       <p:pic>
         <p:nvPicPr>
-          <p:cNvPr id="9" name="그림 8">
+          <p:cNvPr id="10" name="그림 9">
             <a:extLst>
               <a:ext uri="{FF2B5EF4-FFF2-40B4-BE49-F238E27FC236}">
-                <a16:creationId xmlns:a16="http://schemas.microsoft.com/office/drawing/2014/main" id="{DA4279F6-C979-3235-D377-1FF78AE1F0A9}"/>
+                <a16:creationId xmlns:a16="http://schemas.microsoft.com/office/drawing/2014/main" id="{C0DF058D-AC02-41B7-5049-F15C725A4B3C}"/>
               </a:ext>
             </a:extLst>
           </p:cNvPr>
@@ -7896,8 +8715,1650 @@
         </p:blipFill>
         <p:spPr>
           <a:xfrm>
-            <a:off x="1331640" y="4297660"/>
-            <a:ext cx="4448796" cy="733527"/>
+            <a:off x="971600" y="4444019"/>
+            <a:ext cx="2029108" cy="228632"/>
+          </a:xfrm>
+          <a:prstGeom prst="rect">
+            <a:avLst/>
+          </a:prstGeom>
+        </p:spPr>
+      </p:pic>
+      <p:sp>
+        <p:nvSpPr>
+          <p:cNvPr id="14" name="내용 개체 틀 8">
+            <a:extLst>
+              <a:ext uri="{FF2B5EF4-FFF2-40B4-BE49-F238E27FC236}">
+                <a16:creationId xmlns:a16="http://schemas.microsoft.com/office/drawing/2014/main" id="{E534ED75-09F6-AC0C-C4A9-1D1E49420AE2}"/>
+              </a:ext>
+            </a:extLst>
+          </p:cNvPr>
+          <p:cNvSpPr txBox="1">
+            <a:spLocks/>
+          </p:cNvSpPr>
+          <p:nvPr/>
+        </p:nvSpPr>
+        <p:spPr>
+          <a:xfrm>
+            <a:off x="4681736" y="2209428"/>
+            <a:ext cx="4462264" cy="2770005"/>
+          </a:xfrm>
+          <a:prstGeom prst="rect">
+            <a:avLst/>
+          </a:prstGeom>
+        </p:spPr>
+        <p:txBody>
+          <a:bodyPr/>
+          <a:lstStyle>
+            <a:lvl1pPr marL="285739" indent="-285739" algn="l" rtl="0" eaLnBrk="1" fontAlgn="base" latinLnBrk="1" hangingPunct="1">
+              <a:spcBef>
+                <a:spcPct val="20000"/>
+              </a:spcBef>
+              <a:spcAft>
+                <a:spcPct val="0"/>
+              </a:spcAft>
+              <a:buClr>
+                <a:srgbClr val="0000FF"/>
+              </a:buClr>
+              <a:buSzPct val="90000"/>
+              <a:buFont typeface="Wingdings" pitchFamily="2" charset="2"/>
+              <a:buChar char="n"/>
+              <a:defRPr kumimoji="1" sz="2333" b="1">
+                <a:solidFill>
+                  <a:schemeClr val="tx1"/>
+                </a:solidFill>
+                <a:latin typeface="+mn-lt"/>
+                <a:ea typeface="맑은 고딕" pitchFamily="50" charset="-127"/>
+                <a:cs typeface="+mn-cs"/>
+              </a:defRPr>
+            </a:lvl1pPr>
+            <a:lvl2pPr marL="619100" indent="-238115" algn="l" rtl="0" eaLnBrk="1" fontAlgn="base" latinLnBrk="1" hangingPunct="1">
+              <a:spcBef>
+                <a:spcPct val="20000"/>
+              </a:spcBef>
+              <a:spcAft>
+                <a:spcPct val="0"/>
+              </a:spcAft>
+              <a:buClr>
+                <a:schemeClr val="hlink"/>
+              </a:buClr>
+              <a:buSzPct val="75000"/>
+              <a:buFont typeface="Wingdings" pitchFamily="2" charset="2"/>
+              <a:buChar char="u"/>
+              <a:defRPr kumimoji="1" sz="2167" b="1">
+                <a:solidFill>
+                  <a:schemeClr val="tx1"/>
+                </a:solidFill>
+                <a:latin typeface="+mn-lt"/>
+                <a:ea typeface="맑은 고딕" pitchFamily="50" charset="-127"/>
+              </a:defRPr>
+            </a:lvl2pPr>
+            <a:lvl3pPr marL="952462" indent="-190492" algn="l" rtl="0" eaLnBrk="1" fontAlgn="base" latinLnBrk="1" hangingPunct="1">
+              <a:spcBef>
+                <a:spcPct val="20000"/>
+              </a:spcBef>
+              <a:spcAft>
+                <a:spcPct val="0"/>
+              </a:spcAft>
+              <a:buClr>
+                <a:srgbClr val="3399FF"/>
+              </a:buClr>
+              <a:buSzPct val="55000"/>
+              <a:buFont typeface="Wingdings" pitchFamily="2" charset="2"/>
+              <a:buChar char="l"/>
+              <a:defRPr kumimoji="1" sz="2000" b="1">
+                <a:solidFill>
+                  <a:schemeClr val="tx1"/>
+                </a:solidFill>
+                <a:latin typeface="+mn-lt"/>
+                <a:ea typeface="맑은 고딕" pitchFamily="50" charset="-127"/>
+              </a:defRPr>
+            </a:lvl3pPr>
+            <a:lvl4pPr marL="1333447" indent="-190492" algn="l" rtl="0" eaLnBrk="1" fontAlgn="base" latinLnBrk="1" hangingPunct="1">
+              <a:spcBef>
+                <a:spcPct val="20000"/>
+              </a:spcBef>
+              <a:spcAft>
+                <a:spcPct val="0"/>
+              </a:spcAft>
+              <a:buClr>
+                <a:srgbClr val="009900"/>
+              </a:buClr>
+              <a:buFont typeface="Wingdings" pitchFamily="2" charset="2"/>
+              <a:buChar char="§"/>
+              <a:defRPr kumimoji="1" sz="1833" b="1">
+                <a:solidFill>
+                  <a:schemeClr val="tx1"/>
+                </a:solidFill>
+                <a:latin typeface="+mn-lt"/>
+                <a:ea typeface="맑은 고딕" pitchFamily="50" charset="-127"/>
+              </a:defRPr>
+            </a:lvl4pPr>
+            <a:lvl5pPr marL="1714431" indent="-190492" algn="l" rtl="0" eaLnBrk="1" fontAlgn="base" latinLnBrk="1" hangingPunct="1">
+              <a:spcBef>
+                <a:spcPct val="20000"/>
+              </a:spcBef>
+              <a:spcAft>
+                <a:spcPct val="0"/>
+              </a:spcAft>
+              <a:buClr>
+                <a:schemeClr val="tx1"/>
+              </a:buClr>
+              <a:buFont typeface="Wingdings" pitchFamily="2" charset="2"/>
+              <a:buChar char="§"/>
+              <a:defRPr kumimoji="1" sz="1667" b="1">
+                <a:solidFill>
+                  <a:schemeClr val="tx1"/>
+                </a:solidFill>
+                <a:latin typeface="+mn-lt"/>
+                <a:ea typeface="맑은 고딕" pitchFamily="50" charset="-127"/>
+              </a:defRPr>
+            </a:lvl5pPr>
+            <a:lvl6pPr marL="2095416" indent="-190492" algn="l" rtl="0" eaLnBrk="1" fontAlgn="base" latinLnBrk="1" hangingPunct="1">
+              <a:spcBef>
+                <a:spcPct val="20000"/>
+              </a:spcBef>
+              <a:spcAft>
+                <a:spcPct val="0"/>
+              </a:spcAft>
+              <a:buClr>
+                <a:schemeClr val="tx1"/>
+              </a:buClr>
+              <a:buFont typeface="Wingdings" pitchFamily="2" charset="2"/>
+              <a:buChar char="§"/>
+              <a:defRPr kumimoji="1" sz="1667" b="1">
+                <a:solidFill>
+                  <a:schemeClr val="tx1"/>
+                </a:solidFill>
+                <a:latin typeface="+mn-lt"/>
+                <a:ea typeface="+mn-ea"/>
+              </a:defRPr>
+            </a:lvl6pPr>
+            <a:lvl7pPr marL="2476401" indent="-190492" algn="l" rtl="0" eaLnBrk="1" fontAlgn="base" latinLnBrk="1" hangingPunct="1">
+              <a:spcBef>
+                <a:spcPct val="20000"/>
+              </a:spcBef>
+              <a:spcAft>
+                <a:spcPct val="0"/>
+              </a:spcAft>
+              <a:buClr>
+                <a:schemeClr val="tx1"/>
+              </a:buClr>
+              <a:buFont typeface="Wingdings" pitchFamily="2" charset="2"/>
+              <a:buChar char="§"/>
+              <a:defRPr kumimoji="1" sz="1667" b="1">
+                <a:solidFill>
+                  <a:schemeClr val="tx1"/>
+                </a:solidFill>
+                <a:latin typeface="+mn-lt"/>
+                <a:ea typeface="+mn-ea"/>
+              </a:defRPr>
+            </a:lvl7pPr>
+            <a:lvl8pPr marL="2857386" indent="-190492" algn="l" rtl="0" eaLnBrk="1" fontAlgn="base" latinLnBrk="1" hangingPunct="1">
+              <a:spcBef>
+                <a:spcPct val="20000"/>
+              </a:spcBef>
+              <a:spcAft>
+                <a:spcPct val="0"/>
+              </a:spcAft>
+              <a:buClr>
+                <a:schemeClr val="tx1"/>
+              </a:buClr>
+              <a:buFont typeface="Wingdings" pitchFamily="2" charset="2"/>
+              <a:buChar char="§"/>
+              <a:defRPr kumimoji="1" sz="1667" b="1">
+                <a:solidFill>
+                  <a:schemeClr val="tx1"/>
+                </a:solidFill>
+                <a:latin typeface="+mn-lt"/>
+                <a:ea typeface="+mn-ea"/>
+              </a:defRPr>
+            </a:lvl8pPr>
+            <a:lvl9pPr marL="3238370" indent="-190492" algn="l" rtl="0" eaLnBrk="1" fontAlgn="base" latinLnBrk="1" hangingPunct="1">
+              <a:spcBef>
+                <a:spcPct val="20000"/>
+              </a:spcBef>
+              <a:spcAft>
+                <a:spcPct val="0"/>
+              </a:spcAft>
+              <a:buClr>
+                <a:schemeClr val="tx1"/>
+              </a:buClr>
+              <a:buFont typeface="Wingdings" pitchFamily="2" charset="2"/>
+              <a:buChar char="§"/>
+              <a:defRPr kumimoji="1" sz="1667" b="1">
+                <a:solidFill>
+                  <a:schemeClr val="tx1"/>
+                </a:solidFill>
+                <a:latin typeface="+mn-lt"/>
+                <a:ea typeface="+mn-ea"/>
+              </a:defRPr>
+            </a:lvl9pPr>
+          </a:lstStyle>
+          <a:p>
+            <a:r>
+              <a:rPr lang="ko-KR" altLang="en-US" kern="0" dirty="0"/>
+              <a:t>기본 소스 코드</a:t>
+            </a:r>
+            <a:r>
+              <a:rPr lang="en-US" altLang="ko-KR" kern="0" dirty="0"/>
+              <a:t>2</a:t>
+            </a:r>
+          </a:p>
+          <a:p>
+            <a:endParaRPr lang="en-US" altLang="ko-KR" kern="0" dirty="0"/>
+          </a:p>
+          <a:p>
+            <a:endParaRPr lang="en-US" altLang="ko-KR" kern="0" dirty="0"/>
+          </a:p>
+          <a:p>
+            <a:endParaRPr lang="en-US" altLang="ko-KR" kern="0" dirty="0"/>
+          </a:p>
+          <a:p>
+            <a:pPr marL="380985" lvl="1" indent="0">
+              <a:buNone/>
+            </a:pPr>
+            <a:endParaRPr lang="en-US" altLang="ko-KR" i="1" kern="0" dirty="0"/>
+          </a:p>
+        </p:txBody>
+      </p:sp>
+      <p:sp>
+        <p:nvSpPr>
+          <p:cNvPr id="16" name="직사각형 15">
+            <a:extLst>
+              <a:ext uri="{FF2B5EF4-FFF2-40B4-BE49-F238E27FC236}">
+                <a16:creationId xmlns:a16="http://schemas.microsoft.com/office/drawing/2014/main" id="{FBD443F7-1D58-CDDE-7298-B8BF2B0D2F0E}"/>
+              </a:ext>
+            </a:extLst>
+          </p:cNvPr>
+          <p:cNvSpPr/>
+          <p:nvPr/>
+        </p:nvSpPr>
+        <p:spPr>
+          <a:xfrm>
+            <a:off x="4800600" y="2635359"/>
+            <a:ext cx="4235896" cy="2446824"/>
+          </a:xfrm>
+          <a:prstGeom prst="rect">
+            <a:avLst/>
+          </a:prstGeom>
+        </p:spPr>
+        <p:txBody>
+          <a:bodyPr wrap="square">
+            <a:spAutoFit/>
+          </a:bodyPr>
+          <a:lstStyle/>
+          <a:p>
+            <a:r>
+              <a:rPr lang="en-US" altLang="ko-KR" sz="900" b="0" dirty="0">
+                <a:effectLst/>
+                <a:latin typeface="ubuntu mono derivative powerline" panose="020B0509030602030204" pitchFamily="49" charset="0"/>
+              </a:rPr>
+              <a:t>tv = (8, 41, 21, 3, 35, 5, 25, 54)</a:t>
+            </a:r>
+          </a:p>
+          <a:p>
+            <a:r>
+              <a:rPr lang="en-US" altLang="ko-KR" sz="900" b="0" dirty="0">
+                <a:effectLst/>
+                <a:latin typeface="ubuntu mono derivative powerline" panose="020B0509030602030204" pitchFamily="49" charset="0"/>
+              </a:rPr>
+              <a:t>lv = []</a:t>
+            </a:r>
+          </a:p>
+          <a:p>
+            <a:r>
+              <a:rPr lang="en-US" altLang="ko-KR" sz="900" b="0" dirty="0">
+                <a:effectLst/>
+                <a:latin typeface="ubuntu mono derivative powerline" panose="020B0509030602030204" pitchFamily="49" charset="0"/>
+              </a:rPr>
+              <a:t>for </a:t>
+            </a:r>
+            <a:r>
+              <a:rPr lang="en-US" altLang="ko-KR" sz="900" b="0" dirty="0" err="1">
+                <a:effectLst/>
+                <a:latin typeface="ubuntu mono derivative powerline" panose="020B0509030602030204" pitchFamily="49" charset="0"/>
+              </a:rPr>
+              <a:t>i</a:t>
+            </a:r>
+            <a:r>
+              <a:rPr lang="en-US" altLang="ko-KR" sz="900" b="0" dirty="0">
+                <a:effectLst/>
+                <a:latin typeface="ubuntu mono derivative powerline" panose="020B0509030602030204" pitchFamily="49" charset="0"/>
+              </a:rPr>
+              <a:t> in</a:t>
+            </a:r>
+            <a:r>
+              <a:rPr lang="en-US" altLang="ko-KR" sz="900" b="0" dirty="0">
+                <a:solidFill>
+                  <a:srgbClr val="0000FF"/>
+                </a:solidFill>
+                <a:effectLst/>
+                <a:latin typeface="ubuntu mono derivative powerline" panose="020B0509030602030204" pitchFamily="49" charset="0"/>
+              </a:rPr>
+              <a:t> range</a:t>
+            </a:r>
+            <a:r>
+              <a:rPr lang="en-US" altLang="ko-KR" sz="900" b="0" dirty="0">
+                <a:effectLst/>
+                <a:latin typeface="ubuntu mono derivative powerline" panose="020B0509030602030204" pitchFamily="49" charset="0"/>
+              </a:rPr>
+              <a:t>(</a:t>
+            </a:r>
+            <a:r>
+              <a:rPr lang="en-US" altLang="ko-KR" sz="900" b="0" dirty="0" err="1">
+                <a:solidFill>
+                  <a:srgbClr val="0000FF"/>
+                </a:solidFill>
+                <a:effectLst/>
+                <a:latin typeface="ubuntu mono derivative powerline" panose="020B0509030602030204" pitchFamily="49" charset="0"/>
+              </a:rPr>
+              <a:t>len</a:t>
+            </a:r>
+            <a:r>
+              <a:rPr lang="en-US" altLang="ko-KR" sz="900" b="0" dirty="0">
+                <a:effectLst/>
+                <a:latin typeface="ubuntu mono derivative powerline" panose="020B0509030602030204" pitchFamily="49" charset="0"/>
+              </a:rPr>
+              <a:t>(tv)):</a:t>
+            </a:r>
+          </a:p>
+          <a:p>
+            <a:r>
+              <a:rPr lang="en-US" altLang="ko-KR" sz="900" b="0" dirty="0">
+                <a:effectLst/>
+                <a:latin typeface="ubuntu mono derivative powerline" panose="020B0509030602030204" pitchFamily="49" charset="0"/>
+              </a:rPr>
+              <a:t>    pos = -1</a:t>
+            </a:r>
+          </a:p>
+          <a:p>
+            <a:r>
+              <a:rPr lang="en-US" altLang="ko-KR" sz="900" b="0" dirty="0">
+                <a:effectLst/>
+                <a:latin typeface="ubuntu mono derivative powerline" panose="020B0509030602030204" pitchFamily="49" charset="0"/>
+              </a:rPr>
+              <a:t>    for j in </a:t>
+            </a:r>
+            <a:r>
+              <a:rPr lang="en-US" altLang="ko-KR" sz="900" b="0" dirty="0">
+                <a:solidFill>
+                  <a:srgbClr val="0000FF"/>
+                </a:solidFill>
+                <a:effectLst/>
+                <a:latin typeface="ubuntu mono derivative powerline" panose="020B0509030602030204" pitchFamily="49" charset="0"/>
+              </a:rPr>
+              <a:t>range</a:t>
+            </a:r>
+            <a:r>
+              <a:rPr lang="en-US" altLang="ko-KR" sz="900" b="0" dirty="0">
+                <a:effectLst/>
+                <a:latin typeface="ubuntu mono derivative powerline" panose="020B0509030602030204" pitchFamily="49" charset="0"/>
+              </a:rPr>
+              <a:t>(</a:t>
+            </a:r>
+            <a:r>
+              <a:rPr lang="en-US" altLang="ko-KR" sz="900" b="0" dirty="0" err="1">
+                <a:solidFill>
+                  <a:srgbClr val="0000FF"/>
+                </a:solidFill>
+                <a:effectLst/>
+                <a:latin typeface="ubuntu mono derivative powerline" panose="020B0509030602030204" pitchFamily="49" charset="0"/>
+              </a:rPr>
+              <a:t>len</a:t>
+            </a:r>
+            <a:r>
+              <a:rPr lang="en-US" altLang="ko-KR" sz="900" b="0" dirty="0">
+                <a:effectLst/>
+                <a:latin typeface="ubuntu mono derivative powerline" panose="020B0509030602030204" pitchFamily="49" charset="0"/>
+              </a:rPr>
+              <a:t>(lv)):</a:t>
+            </a:r>
+          </a:p>
+          <a:p>
+            <a:r>
+              <a:rPr lang="en-US" altLang="ko-KR" sz="900" b="0" dirty="0">
+                <a:effectLst/>
+                <a:latin typeface="ubuntu mono derivative powerline" panose="020B0509030602030204" pitchFamily="49" charset="0"/>
+              </a:rPr>
+              <a:t>        </a:t>
+            </a:r>
+            <a:r>
+              <a:rPr lang="en-US" altLang="ko-KR" sz="900" b="0" dirty="0">
+                <a:solidFill>
+                  <a:srgbClr val="00B050"/>
+                </a:solidFill>
+                <a:effectLst/>
+                <a:latin typeface="ubuntu mono derivative powerline" panose="020B0509030602030204" pitchFamily="49" charset="0"/>
+              </a:rPr>
+              <a:t># if tv[</a:t>
+            </a:r>
+            <a:r>
+              <a:rPr lang="en-US" altLang="ko-KR" sz="900" b="0" dirty="0" err="1">
+                <a:solidFill>
+                  <a:srgbClr val="00B050"/>
+                </a:solidFill>
+                <a:effectLst/>
+                <a:latin typeface="ubuntu mono derivative powerline" panose="020B0509030602030204" pitchFamily="49" charset="0"/>
+              </a:rPr>
+              <a:t>i</a:t>
+            </a:r>
+            <a:r>
+              <a:rPr lang="en-US" altLang="ko-KR" sz="900" b="0" dirty="0">
+                <a:solidFill>
+                  <a:srgbClr val="00B050"/>
+                </a:solidFill>
+                <a:effectLst/>
+                <a:latin typeface="ubuntu mono derivative powerline" panose="020B0509030602030204" pitchFamily="49" charset="0"/>
+              </a:rPr>
+              <a:t>] &gt; lv[j]:</a:t>
+            </a:r>
+            <a:r>
+              <a:rPr lang="en-US" altLang="ko-KR" sz="900" b="0" dirty="0">
+                <a:effectLst/>
+                <a:latin typeface="ubuntu mono derivative powerline" panose="020B0509030602030204" pitchFamily="49" charset="0"/>
+              </a:rPr>
+              <a:t> </a:t>
+            </a:r>
+            <a:r>
+              <a:rPr lang="en-US" altLang="ko-KR" sz="900" b="0" dirty="0">
+                <a:solidFill>
+                  <a:srgbClr val="00B050"/>
+                </a:solidFill>
+                <a:effectLst/>
+                <a:latin typeface="ubuntu mono derivative powerline" panose="020B0509030602030204" pitchFamily="49" charset="0"/>
+              </a:rPr>
+              <a:t># descending order, </a:t>
+            </a:r>
+            <a:r>
+              <a:rPr lang="ko-KR" altLang="en-US" sz="900" b="0" dirty="0">
+                <a:solidFill>
+                  <a:srgbClr val="00B050"/>
+                </a:solidFill>
+                <a:effectLst/>
+                <a:latin typeface="ubuntu mono derivative powerline" panose="020B0509030602030204" pitchFamily="49" charset="0"/>
+              </a:rPr>
+              <a:t>내림차순</a:t>
+            </a:r>
+          </a:p>
+          <a:p>
+            <a:r>
+              <a:rPr lang="ko-KR" altLang="en-US" sz="900" b="0" dirty="0">
+                <a:effectLst/>
+                <a:latin typeface="ubuntu mono derivative powerline" panose="020B0509030602030204" pitchFamily="49" charset="0"/>
+              </a:rPr>
+              <a:t>        </a:t>
+            </a:r>
+            <a:r>
+              <a:rPr lang="en-US" altLang="ko-KR" sz="900" b="0" dirty="0">
+                <a:effectLst/>
+                <a:latin typeface="ubuntu mono derivative powerline" panose="020B0509030602030204" pitchFamily="49" charset="0"/>
+              </a:rPr>
+              <a:t>if tv[</a:t>
+            </a:r>
+            <a:r>
+              <a:rPr lang="en-US" altLang="ko-KR" sz="900" b="0" dirty="0" err="1">
+                <a:effectLst/>
+                <a:latin typeface="ubuntu mono derivative powerline" panose="020B0509030602030204" pitchFamily="49" charset="0"/>
+              </a:rPr>
+              <a:t>i</a:t>
+            </a:r>
+            <a:r>
+              <a:rPr lang="en-US" altLang="ko-KR" sz="900" b="0" dirty="0">
+                <a:effectLst/>
+                <a:latin typeface="ubuntu mono derivative powerline" panose="020B0509030602030204" pitchFamily="49" charset="0"/>
+              </a:rPr>
+              <a:t>] &lt;= lv[j]: </a:t>
+            </a:r>
+            <a:r>
+              <a:rPr lang="en-US" altLang="ko-KR" sz="900" b="0" dirty="0">
+                <a:solidFill>
+                  <a:srgbClr val="00B050"/>
+                </a:solidFill>
+                <a:effectLst/>
+                <a:latin typeface="ubuntu mono derivative powerline" panose="020B0509030602030204" pitchFamily="49" charset="0"/>
+              </a:rPr>
+              <a:t># ascending order, </a:t>
+            </a:r>
+            <a:r>
+              <a:rPr lang="ko-KR" altLang="en-US" sz="900" b="0" dirty="0">
+                <a:solidFill>
+                  <a:srgbClr val="00B050"/>
+                </a:solidFill>
+                <a:effectLst/>
+                <a:latin typeface="ubuntu mono derivative powerline" panose="020B0509030602030204" pitchFamily="49" charset="0"/>
+              </a:rPr>
+              <a:t>오름차순</a:t>
+            </a:r>
+          </a:p>
+          <a:p>
+            <a:r>
+              <a:rPr lang="ko-KR" altLang="en-US" sz="900" b="0" dirty="0">
+                <a:effectLst/>
+                <a:latin typeface="ubuntu mono derivative powerline" panose="020B0509030602030204" pitchFamily="49" charset="0"/>
+              </a:rPr>
+              <a:t>            </a:t>
+            </a:r>
+            <a:r>
+              <a:rPr lang="en-US" altLang="ko-KR" sz="900" b="0" dirty="0">
+                <a:effectLst/>
+                <a:latin typeface="ubuntu mono derivative powerline" panose="020B0509030602030204" pitchFamily="49" charset="0"/>
+              </a:rPr>
+              <a:t>pos = j</a:t>
+            </a:r>
+          </a:p>
+          <a:p>
+            <a:r>
+              <a:rPr lang="en-US" altLang="ko-KR" sz="900" b="0" dirty="0">
+                <a:effectLst/>
+                <a:latin typeface="ubuntu mono derivative powerline" panose="020B0509030602030204" pitchFamily="49" charset="0"/>
+              </a:rPr>
+              <a:t>            break</a:t>
+            </a:r>
+          </a:p>
+          <a:p>
+            <a:r>
+              <a:rPr lang="en-US" altLang="ko-KR" sz="900" b="0" dirty="0">
+                <a:effectLst/>
+                <a:latin typeface="ubuntu mono derivative powerline" panose="020B0509030602030204" pitchFamily="49" charset="0"/>
+              </a:rPr>
+              <a:t>    if pos == -1: </a:t>
+            </a:r>
+            <a:r>
+              <a:rPr lang="en-US" altLang="ko-KR" sz="900" b="0" dirty="0">
+                <a:solidFill>
+                  <a:srgbClr val="00B050"/>
+                </a:solidFill>
+                <a:effectLst/>
+                <a:latin typeface="ubuntu mono derivative powerline" panose="020B0509030602030204" pitchFamily="49" charset="0"/>
+              </a:rPr>
+              <a:t># </a:t>
+            </a:r>
+            <a:r>
+              <a:rPr lang="en-US" altLang="ko-KR" sz="900" b="0" dirty="0" err="1">
+                <a:solidFill>
+                  <a:srgbClr val="00B050"/>
+                </a:solidFill>
+                <a:effectLst/>
+                <a:latin typeface="ubuntu mono derivative powerline" panose="020B0509030602030204" pitchFamily="49" charset="0"/>
+              </a:rPr>
+              <a:t>len</a:t>
+            </a:r>
+            <a:r>
+              <a:rPr lang="en-US" altLang="ko-KR" sz="900" b="0" dirty="0">
+                <a:solidFill>
+                  <a:srgbClr val="00B050"/>
+                </a:solidFill>
+                <a:effectLst/>
+                <a:latin typeface="ubuntu mono derivative powerline" panose="020B0509030602030204" pitchFamily="49" charset="0"/>
+              </a:rPr>
+              <a:t>(lv) == 0, for loop j</a:t>
+            </a:r>
+            <a:r>
+              <a:rPr lang="ko-KR" altLang="en-US" sz="900" b="0" dirty="0">
+                <a:solidFill>
+                  <a:srgbClr val="00B050"/>
+                </a:solidFill>
+                <a:effectLst/>
+                <a:latin typeface="ubuntu mono derivative powerline" panose="020B0509030602030204" pitchFamily="49" charset="0"/>
+              </a:rPr>
+              <a:t>에서 </a:t>
+            </a:r>
+            <a:r>
+              <a:rPr lang="en-US" altLang="ko-KR" sz="900" b="0" dirty="0">
+                <a:solidFill>
+                  <a:srgbClr val="00B050"/>
+                </a:solidFill>
+                <a:effectLst/>
+                <a:latin typeface="ubuntu mono derivative powerline" panose="020B0509030602030204" pitchFamily="49" charset="0"/>
+              </a:rPr>
+              <a:t>pos</a:t>
+            </a:r>
+            <a:r>
+              <a:rPr lang="ko-KR" altLang="en-US" sz="900" b="0" dirty="0">
+                <a:solidFill>
+                  <a:srgbClr val="00B050"/>
+                </a:solidFill>
+                <a:effectLst/>
+                <a:latin typeface="ubuntu mono derivative powerline" panose="020B0509030602030204" pitchFamily="49" charset="0"/>
+              </a:rPr>
+              <a:t>을 못 찾았는 경우</a:t>
+            </a:r>
+          </a:p>
+          <a:p>
+            <a:r>
+              <a:rPr lang="ko-KR" altLang="en-US" sz="900" b="0" dirty="0">
+                <a:effectLst/>
+                <a:latin typeface="ubuntu mono derivative powerline" panose="020B0509030602030204" pitchFamily="49" charset="0"/>
+              </a:rPr>
+              <a:t>        </a:t>
+            </a:r>
+            <a:r>
+              <a:rPr lang="en-US" altLang="ko-KR" sz="900" b="0" dirty="0" err="1">
+                <a:effectLst/>
+                <a:latin typeface="ubuntu mono derivative powerline" panose="020B0509030602030204" pitchFamily="49" charset="0"/>
+              </a:rPr>
+              <a:t>lv.</a:t>
+            </a:r>
+            <a:r>
+              <a:rPr lang="en-US" altLang="ko-KR" sz="900" b="0" dirty="0" err="1">
+                <a:solidFill>
+                  <a:srgbClr val="0000FF"/>
+                </a:solidFill>
+                <a:effectLst/>
+                <a:latin typeface="ubuntu mono derivative powerline" panose="020B0509030602030204" pitchFamily="49" charset="0"/>
+              </a:rPr>
+              <a:t>append</a:t>
+            </a:r>
+            <a:r>
+              <a:rPr lang="en-US" altLang="ko-KR" sz="900" b="0" dirty="0">
+                <a:effectLst/>
+                <a:latin typeface="ubuntu mono derivative powerline" panose="020B0509030602030204" pitchFamily="49" charset="0"/>
+              </a:rPr>
+              <a:t>(tv[</a:t>
+            </a:r>
+            <a:r>
+              <a:rPr lang="en-US" altLang="ko-KR" sz="900" b="0" dirty="0" err="1">
+                <a:effectLst/>
+                <a:latin typeface="ubuntu mono derivative powerline" panose="020B0509030602030204" pitchFamily="49" charset="0"/>
+              </a:rPr>
+              <a:t>i</a:t>
+            </a:r>
+            <a:r>
+              <a:rPr lang="en-US" altLang="ko-KR" sz="900" b="0" dirty="0">
+                <a:effectLst/>
+                <a:latin typeface="ubuntu mono derivative powerline" panose="020B0509030602030204" pitchFamily="49" charset="0"/>
+              </a:rPr>
+              <a:t>])</a:t>
+            </a:r>
+          </a:p>
+          <a:p>
+            <a:r>
+              <a:rPr lang="en-US" altLang="ko-KR" sz="900" b="0" dirty="0">
+                <a:effectLst/>
+                <a:latin typeface="ubuntu mono derivative powerline" panose="020B0509030602030204" pitchFamily="49" charset="0"/>
+              </a:rPr>
+              <a:t>    else:</a:t>
+            </a:r>
+          </a:p>
+          <a:p>
+            <a:r>
+              <a:rPr lang="en-US" altLang="ko-KR" sz="900" b="0" dirty="0">
+                <a:effectLst/>
+                <a:latin typeface="ubuntu mono derivative powerline" panose="020B0509030602030204" pitchFamily="49" charset="0"/>
+              </a:rPr>
+              <a:t>        </a:t>
+            </a:r>
+            <a:r>
+              <a:rPr lang="en-US" altLang="ko-KR" sz="900" b="0" dirty="0" err="1">
+                <a:effectLst/>
+                <a:latin typeface="ubuntu mono derivative powerline" panose="020B0509030602030204" pitchFamily="49" charset="0"/>
+              </a:rPr>
+              <a:t>lv.</a:t>
+            </a:r>
+            <a:r>
+              <a:rPr lang="en-US" altLang="ko-KR" sz="900" b="0" dirty="0" err="1">
+                <a:solidFill>
+                  <a:srgbClr val="0000FF"/>
+                </a:solidFill>
+                <a:effectLst/>
+                <a:latin typeface="ubuntu mono derivative powerline" panose="020B0509030602030204" pitchFamily="49" charset="0"/>
+              </a:rPr>
+              <a:t>insert</a:t>
+            </a:r>
+            <a:r>
+              <a:rPr lang="en-US" altLang="ko-KR" sz="900" b="0" dirty="0">
+                <a:effectLst/>
+                <a:latin typeface="ubuntu mono derivative powerline" panose="020B0509030602030204" pitchFamily="49" charset="0"/>
+              </a:rPr>
+              <a:t>(pos, tv[</a:t>
+            </a:r>
+            <a:r>
+              <a:rPr lang="en-US" altLang="ko-KR" sz="900" b="0" dirty="0" err="1">
+                <a:effectLst/>
+                <a:latin typeface="ubuntu mono derivative powerline" panose="020B0509030602030204" pitchFamily="49" charset="0"/>
+              </a:rPr>
+              <a:t>i</a:t>
+            </a:r>
+            <a:r>
+              <a:rPr lang="en-US" altLang="ko-KR" sz="900" b="0" dirty="0">
+                <a:effectLst/>
+                <a:latin typeface="ubuntu mono derivative powerline" panose="020B0509030602030204" pitchFamily="49" charset="0"/>
+              </a:rPr>
+              <a:t>])</a:t>
+            </a:r>
+          </a:p>
+          <a:p>
+            <a:r>
+              <a:rPr lang="en-US" altLang="ko-KR" sz="900" b="0" dirty="0">
+                <a:solidFill>
+                  <a:srgbClr val="0000FF"/>
+                </a:solidFill>
+                <a:effectLst/>
+                <a:latin typeface="ubuntu mono derivative powerline" panose="020B0509030602030204" pitchFamily="49" charset="0"/>
+              </a:rPr>
+              <a:t>print</a:t>
+            </a:r>
+            <a:r>
+              <a:rPr lang="en-US" altLang="ko-KR" sz="900" b="0">
+                <a:effectLst/>
+                <a:latin typeface="ubuntu mono derivative powerline" panose="020B0509030602030204" pitchFamily="49" charset="0"/>
+              </a:rPr>
+              <a:t>(tv)</a:t>
+            </a:r>
+            <a:endParaRPr lang="en-US" altLang="ko-KR" sz="900" b="0" dirty="0">
+              <a:effectLst/>
+              <a:latin typeface="ubuntu mono derivative powerline" panose="020B0509030602030204" pitchFamily="49" charset="0"/>
+            </a:endParaRPr>
+          </a:p>
+          <a:p>
+            <a:endParaRPr lang="en-US" altLang="ko-KR" sz="900" dirty="0">
+              <a:latin typeface="ubuntu mono derivative powerline" panose="020B0509030602030204" pitchFamily="49" charset="0"/>
+            </a:endParaRPr>
+          </a:p>
+          <a:p>
+            <a:endParaRPr lang="en-US" altLang="ko-KR" sz="900" b="0" dirty="0">
+              <a:effectLst/>
+              <a:latin typeface="ubuntu mono derivative powerline" panose="020B0509030602030204" pitchFamily="49" charset="0"/>
+            </a:endParaRPr>
+          </a:p>
+          <a:p>
+            <a:r>
+              <a:rPr lang="en-US" altLang="ko-KR" sz="900" b="0" dirty="0">
+                <a:solidFill>
+                  <a:srgbClr val="0000FF"/>
+                </a:solidFill>
+                <a:effectLst/>
+                <a:latin typeface="ubuntu mono derivative powerline" panose="020B0509030602030204" pitchFamily="49" charset="0"/>
+              </a:rPr>
+              <a:t>print</a:t>
+            </a:r>
+            <a:r>
+              <a:rPr lang="en-US" altLang="ko-KR" sz="900" b="0" dirty="0">
+                <a:effectLst/>
+                <a:latin typeface="ubuntu mono derivative powerline" panose="020B0509030602030204" pitchFamily="49" charset="0"/>
+              </a:rPr>
+              <a:t>(lv)</a:t>
+            </a:r>
+          </a:p>
+        </p:txBody>
+      </p:sp>
+      <p:pic>
+        <p:nvPicPr>
+          <p:cNvPr id="18" name="그림 17">
+            <a:extLst>
+              <a:ext uri="{FF2B5EF4-FFF2-40B4-BE49-F238E27FC236}">
+                <a16:creationId xmlns:a16="http://schemas.microsoft.com/office/drawing/2014/main" id="{5B6FE0AC-8400-A9E9-BCB8-C65CB1EC7BD0}"/>
+              </a:ext>
+            </a:extLst>
+          </p:cNvPr>
+          <p:cNvPicPr>
+            <a:picLocks noChangeAspect="1"/>
+          </p:cNvPicPr>
+          <p:nvPr/>
+        </p:nvPicPr>
+        <p:blipFill>
+          <a:blip r:embed="rId3"/>
+          <a:stretch>
+            <a:fillRect/>
+          </a:stretch>
+        </p:blipFill>
+        <p:spPr>
+          <a:xfrm>
+            <a:off x="4860032" y="4647479"/>
+            <a:ext cx="1641983" cy="191820"/>
+          </a:xfrm>
+          <a:prstGeom prst="rect">
+            <a:avLst/>
+          </a:prstGeom>
+        </p:spPr>
+      </p:pic>
+      <p:pic>
+        <p:nvPicPr>
+          <p:cNvPr id="20" name="그림 19">
+            <a:extLst>
+              <a:ext uri="{FF2B5EF4-FFF2-40B4-BE49-F238E27FC236}">
+                <a16:creationId xmlns:a16="http://schemas.microsoft.com/office/drawing/2014/main" id="{7E231409-DEE6-2E13-A630-65FA33E1BCDC}"/>
+              </a:ext>
+            </a:extLst>
+          </p:cNvPr>
+          <p:cNvPicPr>
+            <a:picLocks noChangeAspect="1"/>
+          </p:cNvPicPr>
+          <p:nvPr/>
+        </p:nvPicPr>
+        <p:blipFill>
+          <a:blip r:embed="rId4"/>
+          <a:stretch>
+            <a:fillRect/>
+          </a:stretch>
+        </p:blipFill>
+        <p:spPr>
+          <a:xfrm>
+            <a:off x="4860032" y="5061119"/>
+            <a:ext cx="1641983" cy="185012"/>
+          </a:xfrm>
+          <a:prstGeom prst="rect">
+            <a:avLst/>
+          </a:prstGeom>
+        </p:spPr>
+      </p:pic>
+    </p:spTree>
+    <p:extLst>
+      <p:ext uri="{BB962C8B-B14F-4D97-AF65-F5344CB8AC3E}">
+        <p14:creationId xmlns:p14="http://schemas.microsoft.com/office/powerpoint/2010/main" val="66844371"/>
+      </p:ext>
+    </p:extLst>
+  </p:cSld>
+  <p:clrMapOvr>
+    <a:masterClrMapping/>
+  </p:clrMapOvr>
+</p:sld>
+</file>
+
+<file path=ppt/slides/slide15.xml><?xml version="1.0" encoding="utf-8"?>
+<p:sld xmlns:a="http://schemas.openxmlformats.org/drawingml/2006/main" xmlns:r="http://schemas.openxmlformats.org/officeDocument/2006/relationships" xmlns:p="http://schemas.openxmlformats.org/presentationml/2006/main">
+  <p:cSld>
+    <p:spTree>
+      <p:nvGrpSpPr>
+        <p:cNvPr id="1" name=""/>
+        <p:cNvGrpSpPr/>
+        <p:nvPr/>
+      </p:nvGrpSpPr>
+      <p:grpSpPr>
+        <a:xfrm>
+          <a:off x="0" y="0"/>
+          <a:ext cx="0" cy="0"/>
+          <a:chOff x="0" y="0"/>
+          <a:chExt cx="0" cy="0"/>
+        </a:xfrm>
+      </p:grpSpPr>
+      <p:sp>
+        <p:nvSpPr>
+          <p:cNvPr id="2" name="제목 1"/>
+          <p:cNvSpPr>
+            <a:spLocks noGrp="1"/>
+          </p:cNvSpPr>
+          <p:nvPr>
+            <p:ph type="title"/>
+          </p:nvPr>
+        </p:nvSpPr>
+        <p:spPr/>
+        <p:txBody>
+          <a:bodyPr/>
+          <a:lstStyle/>
+          <a:p>
+            <a:r>
+              <a:rPr lang="en-US" altLang="ko-KR" dirty="0"/>
+              <a:t>3.1 </a:t>
+            </a:r>
+            <a:r>
+              <a:rPr lang="ko-KR" altLang="en-US" dirty="0" err="1"/>
+              <a:t>파이썬의</a:t>
+            </a:r>
+            <a:r>
+              <a:rPr lang="ko-KR" altLang="en-US" dirty="0"/>
+              <a:t> 자료구조</a:t>
+            </a:r>
+          </a:p>
+        </p:txBody>
+      </p:sp>
+      <p:sp>
+        <p:nvSpPr>
+          <p:cNvPr id="3" name="내용 개체 틀 2"/>
+          <p:cNvSpPr>
+            <a:spLocks noGrp="1"/>
+          </p:cNvSpPr>
+          <p:nvPr>
+            <p:ph idx="1"/>
+          </p:nvPr>
+        </p:nvSpPr>
+        <p:spPr/>
+        <p:txBody>
+          <a:bodyPr>
+            <a:normAutofit/>
+          </a:bodyPr>
+          <a:lstStyle/>
+          <a:p>
+            <a:r>
+              <a:rPr lang="en-US" altLang="ko-KR" dirty="0"/>
+              <a:t>3.1.5 </a:t>
+            </a:r>
+            <a:r>
+              <a:rPr lang="ko-KR" altLang="en-US" dirty="0"/>
+              <a:t>실습문제</a:t>
+            </a:r>
+            <a:r>
+              <a:rPr lang="en-US" altLang="ko-KR" dirty="0"/>
+              <a:t>2</a:t>
+            </a:r>
+          </a:p>
+          <a:p>
+            <a:pPr lvl="1"/>
+            <a:r>
+              <a:rPr lang="en-US" altLang="ko-KR" dirty="0"/>
+              <a:t>reverse</a:t>
+            </a:r>
+          </a:p>
+        </p:txBody>
+      </p:sp>
+      <p:sp>
+        <p:nvSpPr>
+          <p:cNvPr id="4" name="내용 개체 틀 8">
+            <a:extLst>
+              <a:ext uri="{FF2B5EF4-FFF2-40B4-BE49-F238E27FC236}">
+                <a16:creationId xmlns:a16="http://schemas.microsoft.com/office/drawing/2014/main" id="{916DA302-2503-142B-840F-6FB9472DDD89}"/>
+              </a:ext>
+            </a:extLst>
+          </p:cNvPr>
+          <p:cNvSpPr txBox="1">
+            <a:spLocks/>
+          </p:cNvSpPr>
+          <p:nvPr/>
+        </p:nvSpPr>
+        <p:spPr>
+          <a:xfrm>
+            <a:off x="685800" y="2209428"/>
+            <a:ext cx="4462264" cy="2770005"/>
+          </a:xfrm>
+          <a:prstGeom prst="rect">
+            <a:avLst/>
+          </a:prstGeom>
+        </p:spPr>
+        <p:txBody>
+          <a:bodyPr/>
+          <a:lstStyle>
+            <a:lvl1pPr marL="285739" indent="-285739" algn="l" rtl="0" eaLnBrk="1" fontAlgn="base" latinLnBrk="1" hangingPunct="1">
+              <a:spcBef>
+                <a:spcPct val="20000"/>
+              </a:spcBef>
+              <a:spcAft>
+                <a:spcPct val="0"/>
+              </a:spcAft>
+              <a:buClr>
+                <a:srgbClr val="0000FF"/>
+              </a:buClr>
+              <a:buSzPct val="90000"/>
+              <a:buFont typeface="Wingdings" pitchFamily="2" charset="2"/>
+              <a:buChar char="n"/>
+              <a:defRPr kumimoji="1" sz="2333" b="1">
+                <a:solidFill>
+                  <a:schemeClr val="tx1"/>
+                </a:solidFill>
+                <a:latin typeface="+mn-lt"/>
+                <a:ea typeface="맑은 고딕" pitchFamily="50" charset="-127"/>
+                <a:cs typeface="+mn-cs"/>
+              </a:defRPr>
+            </a:lvl1pPr>
+            <a:lvl2pPr marL="619100" indent="-238115" algn="l" rtl="0" eaLnBrk="1" fontAlgn="base" latinLnBrk="1" hangingPunct="1">
+              <a:spcBef>
+                <a:spcPct val="20000"/>
+              </a:spcBef>
+              <a:spcAft>
+                <a:spcPct val="0"/>
+              </a:spcAft>
+              <a:buClr>
+                <a:schemeClr val="hlink"/>
+              </a:buClr>
+              <a:buSzPct val="75000"/>
+              <a:buFont typeface="Wingdings" pitchFamily="2" charset="2"/>
+              <a:buChar char="u"/>
+              <a:defRPr kumimoji="1" sz="2167" b="1">
+                <a:solidFill>
+                  <a:schemeClr val="tx1"/>
+                </a:solidFill>
+                <a:latin typeface="+mn-lt"/>
+                <a:ea typeface="맑은 고딕" pitchFamily="50" charset="-127"/>
+              </a:defRPr>
+            </a:lvl2pPr>
+            <a:lvl3pPr marL="952462" indent="-190492" algn="l" rtl="0" eaLnBrk="1" fontAlgn="base" latinLnBrk="1" hangingPunct="1">
+              <a:spcBef>
+                <a:spcPct val="20000"/>
+              </a:spcBef>
+              <a:spcAft>
+                <a:spcPct val="0"/>
+              </a:spcAft>
+              <a:buClr>
+                <a:srgbClr val="3399FF"/>
+              </a:buClr>
+              <a:buSzPct val="55000"/>
+              <a:buFont typeface="Wingdings" pitchFamily="2" charset="2"/>
+              <a:buChar char="l"/>
+              <a:defRPr kumimoji="1" sz="2000" b="1">
+                <a:solidFill>
+                  <a:schemeClr val="tx1"/>
+                </a:solidFill>
+                <a:latin typeface="+mn-lt"/>
+                <a:ea typeface="맑은 고딕" pitchFamily="50" charset="-127"/>
+              </a:defRPr>
+            </a:lvl3pPr>
+            <a:lvl4pPr marL="1333447" indent="-190492" algn="l" rtl="0" eaLnBrk="1" fontAlgn="base" latinLnBrk="1" hangingPunct="1">
+              <a:spcBef>
+                <a:spcPct val="20000"/>
+              </a:spcBef>
+              <a:spcAft>
+                <a:spcPct val="0"/>
+              </a:spcAft>
+              <a:buClr>
+                <a:srgbClr val="009900"/>
+              </a:buClr>
+              <a:buFont typeface="Wingdings" pitchFamily="2" charset="2"/>
+              <a:buChar char="§"/>
+              <a:defRPr kumimoji="1" sz="1833" b="1">
+                <a:solidFill>
+                  <a:schemeClr val="tx1"/>
+                </a:solidFill>
+                <a:latin typeface="+mn-lt"/>
+                <a:ea typeface="맑은 고딕" pitchFamily="50" charset="-127"/>
+              </a:defRPr>
+            </a:lvl4pPr>
+            <a:lvl5pPr marL="1714431" indent="-190492" algn="l" rtl="0" eaLnBrk="1" fontAlgn="base" latinLnBrk="1" hangingPunct="1">
+              <a:spcBef>
+                <a:spcPct val="20000"/>
+              </a:spcBef>
+              <a:spcAft>
+                <a:spcPct val="0"/>
+              </a:spcAft>
+              <a:buClr>
+                <a:schemeClr val="tx1"/>
+              </a:buClr>
+              <a:buFont typeface="Wingdings" pitchFamily="2" charset="2"/>
+              <a:buChar char="§"/>
+              <a:defRPr kumimoji="1" sz="1667" b="1">
+                <a:solidFill>
+                  <a:schemeClr val="tx1"/>
+                </a:solidFill>
+                <a:latin typeface="+mn-lt"/>
+                <a:ea typeface="맑은 고딕" pitchFamily="50" charset="-127"/>
+              </a:defRPr>
+            </a:lvl5pPr>
+            <a:lvl6pPr marL="2095416" indent="-190492" algn="l" rtl="0" eaLnBrk="1" fontAlgn="base" latinLnBrk="1" hangingPunct="1">
+              <a:spcBef>
+                <a:spcPct val="20000"/>
+              </a:spcBef>
+              <a:spcAft>
+                <a:spcPct val="0"/>
+              </a:spcAft>
+              <a:buClr>
+                <a:schemeClr val="tx1"/>
+              </a:buClr>
+              <a:buFont typeface="Wingdings" pitchFamily="2" charset="2"/>
+              <a:buChar char="§"/>
+              <a:defRPr kumimoji="1" sz="1667" b="1">
+                <a:solidFill>
+                  <a:schemeClr val="tx1"/>
+                </a:solidFill>
+                <a:latin typeface="+mn-lt"/>
+                <a:ea typeface="+mn-ea"/>
+              </a:defRPr>
+            </a:lvl6pPr>
+            <a:lvl7pPr marL="2476401" indent="-190492" algn="l" rtl="0" eaLnBrk="1" fontAlgn="base" latinLnBrk="1" hangingPunct="1">
+              <a:spcBef>
+                <a:spcPct val="20000"/>
+              </a:spcBef>
+              <a:spcAft>
+                <a:spcPct val="0"/>
+              </a:spcAft>
+              <a:buClr>
+                <a:schemeClr val="tx1"/>
+              </a:buClr>
+              <a:buFont typeface="Wingdings" pitchFamily="2" charset="2"/>
+              <a:buChar char="§"/>
+              <a:defRPr kumimoji="1" sz="1667" b="1">
+                <a:solidFill>
+                  <a:schemeClr val="tx1"/>
+                </a:solidFill>
+                <a:latin typeface="+mn-lt"/>
+                <a:ea typeface="+mn-ea"/>
+              </a:defRPr>
+            </a:lvl7pPr>
+            <a:lvl8pPr marL="2857386" indent="-190492" algn="l" rtl="0" eaLnBrk="1" fontAlgn="base" latinLnBrk="1" hangingPunct="1">
+              <a:spcBef>
+                <a:spcPct val="20000"/>
+              </a:spcBef>
+              <a:spcAft>
+                <a:spcPct val="0"/>
+              </a:spcAft>
+              <a:buClr>
+                <a:schemeClr val="tx1"/>
+              </a:buClr>
+              <a:buFont typeface="Wingdings" pitchFamily="2" charset="2"/>
+              <a:buChar char="§"/>
+              <a:defRPr kumimoji="1" sz="1667" b="1">
+                <a:solidFill>
+                  <a:schemeClr val="tx1"/>
+                </a:solidFill>
+                <a:latin typeface="+mn-lt"/>
+                <a:ea typeface="+mn-ea"/>
+              </a:defRPr>
+            </a:lvl8pPr>
+            <a:lvl9pPr marL="3238370" indent="-190492" algn="l" rtl="0" eaLnBrk="1" fontAlgn="base" latinLnBrk="1" hangingPunct="1">
+              <a:spcBef>
+                <a:spcPct val="20000"/>
+              </a:spcBef>
+              <a:spcAft>
+                <a:spcPct val="0"/>
+              </a:spcAft>
+              <a:buClr>
+                <a:schemeClr val="tx1"/>
+              </a:buClr>
+              <a:buFont typeface="Wingdings" pitchFamily="2" charset="2"/>
+              <a:buChar char="§"/>
+              <a:defRPr kumimoji="1" sz="1667" b="1">
+                <a:solidFill>
+                  <a:schemeClr val="tx1"/>
+                </a:solidFill>
+                <a:latin typeface="+mn-lt"/>
+                <a:ea typeface="+mn-ea"/>
+              </a:defRPr>
+            </a:lvl9pPr>
+          </a:lstStyle>
+          <a:p>
+            <a:r>
+              <a:rPr lang="ko-KR" altLang="en-US" kern="0" dirty="0"/>
+              <a:t>기본 소스 코드</a:t>
+            </a:r>
+            <a:r>
+              <a:rPr lang="en-US" altLang="ko-KR" kern="0" dirty="0"/>
+              <a:t>1</a:t>
+            </a:r>
+          </a:p>
+          <a:p>
+            <a:endParaRPr lang="en-US" altLang="ko-KR" kern="0" dirty="0"/>
+          </a:p>
+          <a:p>
+            <a:endParaRPr lang="en-US" altLang="ko-KR" kern="0" dirty="0"/>
+          </a:p>
+          <a:p>
+            <a:endParaRPr lang="en-US" altLang="ko-KR" kern="0" dirty="0"/>
+          </a:p>
+          <a:p>
+            <a:pPr marL="380985" lvl="1" indent="0">
+              <a:buNone/>
+            </a:pPr>
+            <a:endParaRPr lang="en-US" altLang="ko-KR" i="1" kern="0" dirty="0"/>
+          </a:p>
+        </p:txBody>
+      </p:sp>
+      <p:sp>
+        <p:nvSpPr>
+          <p:cNvPr id="6" name="직사각형 5">
+            <a:extLst>
+              <a:ext uri="{FF2B5EF4-FFF2-40B4-BE49-F238E27FC236}">
+                <a16:creationId xmlns:a16="http://schemas.microsoft.com/office/drawing/2014/main" id="{7224EBA5-FABE-C021-45D2-3A221A5E3B85}"/>
+              </a:ext>
+            </a:extLst>
+          </p:cNvPr>
+          <p:cNvSpPr/>
+          <p:nvPr/>
+        </p:nvSpPr>
+        <p:spPr>
+          <a:xfrm>
+            <a:off x="890861" y="2641476"/>
+            <a:ext cx="3681139" cy="1077218"/>
+          </a:xfrm>
+          <a:prstGeom prst="rect">
+            <a:avLst/>
+          </a:prstGeom>
+        </p:spPr>
+        <p:txBody>
+          <a:bodyPr wrap="square">
+            <a:spAutoFit/>
+          </a:bodyPr>
+          <a:lstStyle/>
+          <a:p>
+            <a:r>
+              <a:rPr lang="en-US" altLang="ko-KR" sz="1600" b="0" dirty="0">
+                <a:effectLst/>
+                <a:latin typeface="ubuntu mono derivative powerline" panose="020B0509030602030204" pitchFamily="49" charset="0"/>
+              </a:rPr>
+              <a:t>tv = (8, 41, 21, 3, 35, 5, 25, 54)</a:t>
+            </a:r>
+          </a:p>
+          <a:p>
+            <a:r>
+              <a:rPr lang="en-US" altLang="ko-KR" sz="1600" b="0" dirty="0">
+                <a:effectLst/>
+                <a:latin typeface="ubuntu mono derivative powerline" panose="020B0509030602030204" pitchFamily="49" charset="0"/>
+              </a:rPr>
+              <a:t>lv = </a:t>
+            </a:r>
+            <a:r>
+              <a:rPr lang="en-US" altLang="ko-KR" sz="1600" b="0" dirty="0">
+                <a:solidFill>
+                  <a:srgbClr val="00B050"/>
+                </a:solidFill>
+                <a:effectLst/>
+                <a:latin typeface="ubuntu mono derivative powerline" panose="020B0509030602030204" pitchFamily="49" charset="0"/>
+              </a:rPr>
+              <a:t>list</a:t>
+            </a:r>
+            <a:r>
+              <a:rPr lang="en-US" altLang="ko-KR" sz="1600" b="0" dirty="0">
+                <a:effectLst/>
+                <a:latin typeface="ubuntu mono derivative powerline" panose="020B0509030602030204" pitchFamily="49" charset="0"/>
+              </a:rPr>
+              <a:t>(tv)</a:t>
+            </a:r>
+          </a:p>
+          <a:p>
+            <a:r>
+              <a:rPr lang="en-US" altLang="ko-KR" sz="1600" b="0" dirty="0" err="1">
+                <a:effectLst/>
+                <a:latin typeface="ubuntu mono derivative powerline" panose="020B0509030602030204" pitchFamily="49" charset="0"/>
+              </a:rPr>
+              <a:t>lv.</a:t>
+            </a:r>
+            <a:r>
+              <a:rPr lang="en-US" altLang="ko-KR" sz="1600" b="0" dirty="0" err="1">
+                <a:solidFill>
+                  <a:srgbClr val="0000FF"/>
+                </a:solidFill>
+                <a:effectLst/>
+                <a:latin typeface="ubuntu mono derivative powerline" panose="020B0509030602030204" pitchFamily="49" charset="0"/>
+              </a:rPr>
+              <a:t>reverse</a:t>
+            </a:r>
+            <a:r>
+              <a:rPr lang="en-US" altLang="ko-KR" sz="1600" b="0" dirty="0">
+                <a:effectLst/>
+                <a:latin typeface="ubuntu mono derivative powerline" panose="020B0509030602030204" pitchFamily="49" charset="0"/>
+              </a:rPr>
+              <a:t>()</a:t>
+            </a:r>
+          </a:p>
+          <a:p>
+            <a:r>
+              <a:rPr lang="en-US" altLang="ko-KR" sz="1600" b="0" dirty="0">
+                <a:solidFill>
+                  <a:srgbClr val="0000FF"/>
+                </a:solidFill>
+                <a:effectLst/>
+                <a:latin typeface="ubuntu mono derivative powerline" panose="020B0509030602030204" pitchFamily="49" charset="0"/>
+              </a:rPr>
+              <a:t>print</a:t>
+            </a:r>
+            <a:r>
+              <a:rPr lang="en-US" altLang="ko-KR" sz="1600" b="0" dirty="0">
+                <a:effectLst/>
+                <a:latin typeface="ubuntu mono derivative powerline" panose="020B0509030602030204" pitchFamily="49" charset="0"/>
+              </a:rPr>
+              <a:t>(lv)</a:t>
+            </a:r>
+          </a:p>
+        </p:txBody>
+      </p:sp>
+      <p:sp>
+        <p:nvSpPr>
+          <p:cNvPr id="14" name="내용 개체 틀 8">
+            <a:extLst>
+              <a:ext uri="{FF2B5EF4-FFF2-40B4-BE49-F238E27FC236}">
+                <a16:creationId xmlns:a16="http://schemas.microsoft.com/office/drawing/2014/main" id="{E534ED75-09F6-AC0C-C4A9-1D1E49420AE2}"/>
+              </a:ext>
+            </a:extLst>
+          </p:cNvPr>
+          <p:cNvSpPr txBox="1">
+            <a:spLocks/>
+          </p:cNvSpPr>
+          <p:nvPr/>
+        </p:nvSpPr>
+        <p:spPr>
+          <a:xfrm>
+            <a:off x="4738937" y="1215417"/>
+            <a:ext cx="4462264" cy="1714092"/>
+          </a:xfrm>
+          <a:prstGeom prst="rect">
+            <a:avLst/>
+          </a:prstGeom>
+        </p:spPr>
+        <p:txBody>
+          <a:bodyPr/>
+          <a:lstStyle>
+            <a:lvl1pPr marL="285739" indent="-285739" algn="l" rtl="0" eaLnBrk="1" fontAlgn="base" latinLnBrk="1" hangingPunct="1">
+              <a:spcBef>
+                <a:spcPct val="20000"/>
+              </a:spcBef>
+              <a:spcAft>
+                <a:spcPct val="0"/>
+              </a:spcAft>
+              <a:buClr>
+                <a:srgbClr val="0000FF"/>
+              </a:buClr>
+              <a:buSzPct val="90000"/>
+              <a:buFont typeface="Wingdings" pitchFamily="2" charset="2"/>
+              <a:buChar char="n"/>
+              <a:defRPr kumimoji="1" sz="2333" b="1">
+                <a:solidFill>
+                  <a:schemeClr val="tx1"/>
+                </a:solidFill>
+                <a:latin typeface="+mn-lt"/>
+                <a:ea typeface="맑은 고딕" pitchFamily="50" charset="-127"/>
+                <a:cs typeface="+mn-cs"/>
+              </a:defRPr>
+            </a:lvl1pPr>
+            <a:lvl2pPr marL="619100" indent="-238115" algn="l" rtl="0" eaLnBrk="1" fontAlgn="base" latinLnBrk="1" hangingPunct="1">
+              <a:spcBef>
+                <a:spcPct val="20000"/>
+              </a:spcBef>
+              <a:spcAft>
+                <a:spcPct val="0"/>
+              </a:spcAft>
+              <a:buClr>
+                <a:schemeClr val="hlink"/>
+              </a:buClr>
+              <a:buSzPct val="75000"/>
+              <a:buFont typeface="Wingdings" pitchFamily="2" charset="2"/>
+              <a:buChar char="u"/>
+              <a:defRPr kumimoji="1" sz="2167" b="1">
+                <a:solidFill>
+                  <a:schemeClr val="tx1"/>
+                </a:solidFill>
+                <a:latin typeface="+mn-lt"/>
+                <a:ea typeface="맑은 고딕" pitchFamily="50" charset="-127"/>
+              </a:defRPr>
+            </a:lvl2pPr>
+            <a:lvl3pPr marL="952462" indent="-190492" algn="l" rtl="0" eaLnBrk="1" fontAlgn="base" latinLnBrk="1" hangingPunct="1">
+              <a:spcBef>
+                <a:spcPct val="20000"/>
+              </a:spcBef>
+              <a:spcAft>
+                <a:spcPct val="0"/>
+              </a:spcAft>
+              <a:buClr>
+                <a:srgbClr val="3399FF"/>
+              </a:buClr>
+              <a:buSzPct val="55000"/>
+              <a:buFont typeface="Wingdings" pitchFamily="2" charset="2"/>
+              <a:buChar char="l"/>
+              <a:defRPr kumimoji="1" sz="2000" b="1">
+                <a:solidFill>
+                  <a:schemeClr val="tx1"/>
+                </a:solidFill>
+                <a:latin typeface="+mn-lt"/>
+                <a:ea typeface="맑은 고딕" pitchFamily="50" charset="-127"/>
+              </a:defRPr>
+            </a:lvl3pPr>
+            <a:lvl4pPr marL="1333447" indent="-190492" algn="l" rtl="0" eaLnBrk="1" fontAlgn="base" latinLnBrk="1" hangingPunct="1">
+              <a:spcBef>
+                <a:spcPct val="20000"/>
+              </a:spcBef>
+              <a:spcAft>
+                <a:spcPct val="0"/>
+              </a:spcAft>
+              <a:buClr>
+                <a:srgbClr val="009900"/>
+              </a:buClr>
+              <a:buFont typeface="Wingdings" pitchFamily="2" charset="2"/>
+              <a:buChar char="§"/>
+              <a:defRPr kumimoji="1" sz="1833" b="1">
+                <a:solidFill>
+                  <a:schemeClr val="tx1"/>
+                </a:solidFill>
+                <a:latin typeface="+mn-lt"/>
+                <a:ea typeface="맑은 고딕" pitchFamily="50" charset="-127"/>
+              </a:defRPr>
+            </a:lvl4pPr>
+            <a:lvl5pPr marL="1714431" indent="-190492" algn="l" rtl="0" eaLnBrk="1" fontAlgn="base" latinLnBrk="1" hangingPunct="1">
+              <a:spcBef>
+                <a:spcPct val="20000"/>
+              </a:spcBef>
+              <a:spcAft>
+                <a:spcPct val="0"/>
+              </a:spcAft>
+              <a:buClr>
+                <a:schemeClr val="tx1"/>
+              </a:buClr>
+              <a:buFont typeface="Wingdings" pitchFamily="2" charset="2"/>
+              <a:buChar char="§"/>
+              <a:defRPr kumimoji="1" sz="1667" b="1">
+                <a:solidFill>
+                  <a:schemeClr val="tx1"/>
+                </a:solidFill>
+                <a:latin typeface="+mn-lt"/>
+                <a:ea typeface="맑은 고딕" pitchFamily="50" charset="-127"/>
+              </a:defRPr>
+            </a:lvl5pPr>
+            <a:lvl6pPr marL="2095416" indent="-190492" algn="l" rtl="0" eaLnBrk="1" fontAlgn="base" latinLnBrk="1" hangingPunct="1">
+              <a:spcBef>
+                <a:spcPct val="20000"/>
+              </a:spcBef>
+              <a:spcAft>
+                <a:spcPct val="0"/>
+              </a:spcAft>
+              <a:buClr>
+                <a:schemeClr val="tx1"/>
+              </a:buClr>
+              <a:buFont typeface="Wingdings" pitchFamily="2" charset="2"/>
+              <a:buChar char="§"/>
+              <a:defRPr kumimoji="1" sz="1667" b="1">
+                <a:solidFill>
+                  <a:schemeClr val="tx1"/>
+                </a:solidFill>
+                <a:latin typeface="+mn-lt"/>
+                <a:ea typeface="+mn-ea"/>
+              </a:defRPr>
+            </a:lvl6pPr>
+            <a:lvl7pPr marL="2476401" indent="-190492" algn="l" rtl="0" eaLnBrk="1" fontAlgn="base" latinLnBrk="1" hangingPunct="1">
+              <a:spcBef>
+                <a:spcPct val="20000"/>
+              </a:spcBef>
+              <a:spcAft>
+                <a:spcPct val="0"/>
+              </a:spcAft>
+              <a:buClr>
+                <a:schemeClr val="tx1"/>
+              </a:buClr>
+              <a:buFont typeface="Wingdings" pitchFamily="2" charset="2"/>
+              <a:buChar char="§"/>
+              <a:defRPr kumimoji="1" sz="1667" b="1">
+                <a:solidFill>
+                  <a:schemeClr val="tx1"/>
+                </a:solidFill>
+                <a:latin typeface="+mn-lt"/>
+                <a:ea typeface="+mn-ea"/>
+              </a:defRPr>
+            </a:lvl7pPr>
+            <a:lvl8pPr marL="2857386" indent="-190492" algn="l" rtl="0" eaLnBrk="1" fontAlgn="base" latinLnBrk="1" hangingPunct="1">
+              <a:spcBef>
+                <a:spcPct val="20000"/>
+              </a:spcBef>
+              <a:spcAft>
+                <a:spcPct val="0"/>
+              </a:spcAft>
+              <a:buClr>
+                <a:schemeClr val="tx1"/>
+              </a:buClr>
+              <a:buFont typeface="Wingdings" pitchFamily="2" charset="2"/>
+              <a:buChar char="§"/>
+              <a:defRPr kumimoji="1" sz="1667" b="1">
+                <a:solidFill>
+                  <a:schemeClr val="tx1"/>
+                </a:solidFill>
+                <a:latin typeface="+mn-lt"/>
+                <a:ea typeface="+mn-ea"/>
+              </a:defRPr>
+            </a:lvl8pPr>
+            <a:lvl9pPr marL="3238370" indent="-190492" algn="l" rtl="0" eaLnBrk="1" fontAlgn="base" latinLnBrk="1" hangingPunct="1">
+              <a:spcBef>
+                <a:spcPct val="20000"/>
+              </a:spcBef>
+              <a:spcAft>
+                <a:spcPct val="0"/>
+              </a:spcAft>
+              <a:buClr>
+                <a:schemeClr val="tx1"/>
+              </a:buClr>
+              <a:buFont typeface="Wingdings" pitchFamily="2" charset="2"/>
+              <a:buChar char="§"/>
+              <a:defRPr kumimoji="1" sz="1667" b="1">
+                <a:solidFill>
+                  <a:schemeClr val="tx1"/>
+                </a:solidFill>
+                <a:latin typeface="+mn-lt"/>
+                <a:ea typeface="+mn-ea"/>
+              </a:defRPr>
+            </a:lvl9pPr>
+          </a:lstStyle>
+          <a:p>
+            <a:r>
+              <a:rPr lang="ko-KR" altLang="en-US" kern="0" dirty="0"/>
+              <a:t>기본 소스 코드</a:t>
+            </a:r>
+            <a:r>
+              <a:rPr lang="en-US" altLang="ko-KR" kern="0" dirty="0"/>
+              <a:t>2</a:t>
+            </a:r>
+          </a:p>
+          <a:p>
+            <a:endParaRPr lang="en-US" altLang="ko-KR" kern="0" dirty="0"/>
+          </a:p>
+          <a:p>
+            <a:endParaRPr lang="en-US" altLang="ko-KR" kern="0" dirty="0"/>
+          </a:p>
+          <a:p>
+            <a:endParaRPr lang="en-US" altLang="ko-KR" kern="0" dirty="0"/>
+          </a:p>
+          <a:p>
+            <a:pPr marL="380985" lvl="1" indent="0">
+              <a:buNone/>
+            </a:pPr>
+            <a:endParaRPr lang="en-US" altLang="ko-KR" i="1" kern="0" dirty="0"/>
+          </a:p>
+        </p:txBody>
+      </p:sp>
+      <p:sp>
+        <p:nvSpPr>
+          <p:cNvPr id="16" name="직사각형 15">
+            <a:extLst>
+              <a:ext uri="{FF2B5EF4-FFF2-40B4-BE49-F238E27FC236}">
+                <a16:creationId xmlns:a16="http://schemas.microsoft.com/office/drawing/2014/main" id="{FBD443F7-1D58-CDDE-7298-B8BF2B0D2F0E}"/>
+              </a:ext>
+            </a:extLst>
+          </p:cNvPr>
+          <p:cNvSpPr/>
+          <p:nvPr/>
+        </p:nvSpPr>
+        <p:spPr>
+          <a:xfrm>
+            <a:off x="4857801" y="1641347"/>
+            <a:ext cx="4235896" cy="830997"/>
+          </a:xfrm>
+          <a:prstGeom prst="rect">
+            <a:avLst/>
+          </a:prstGeom>
+        </p:spPr>
+        <p:txBody>
+          <a:bodyPr wrap="square">
+            <a:spAutoFit/>
+          </a:bodyPr>
+          <a:lstStyle/>
+          <a:p>
+            <a:r>
+              <a:rPr lang="en-US" altLang="ko-KR" sz="1600" b="0" dirty="0">
+                <a:effectLst/>
+                <a:latin typeface="ubuntu mono derivative powerline" panose="020B0509030602030204" pitchFamily="49" charset="0"/>
+              </a:rPr>
+              <a:t>for </a:t>
+            </a:r>
+            <a:r>
+              <a:rPr lang="en-US" altLang="ko-KR" sz="1600" b="0" dirty="0" err="1">
+                <a:effectLst/>
+                <a:latin typeface="ubuntu mono derivative powerline" panose="020B0509030602030204" pitchFamily="49" charset="0"/>
+              </a:rPr>
+              <a:t>i</a:t>
+            </a:r>
+            <a:r>
+              <a:rPr lang="en-US" altLang="ko-KR" sz="1600" b="0" dirty="0">
+                <a:effectLst/>
+                <a:latin typeface="ubuntu mono derivative powerline" panose="020B0509030602030204" pitchFamily="49" charset="0"/>
+              </a:rPr>
+              <a:t> in </a:t>
+            </a:r>
+            <a:r>
+              <a:rPr lang="en-US" altLang="ko-KR" sz="1600" b="0" dirty="0">
+                <a:solidFill>
+                  <a:srgbClr val="0000FF"/>
+                </a:solidFill>
+                <a:effectLst/>
+                <a:latin typeface="ubuntu mono derivative powerline" panose="020B0509030602030204" pitchFamily="49" charset="0"/>
+              </a:rPr>
+              <a:t>range</a:t>
+            </a:r>
+            <a:r>
+              <a:rPr lang="en-US" altLang="ko-KR" sz="1600" b="0" dirty="0">
+                <a:effectLst/>
+                <a:latin typeface="ubuntu mono derivative powerline" panose="020B0509030602030204" pitchFamily="49" charset="0"/>
+              </a:rPr>
+              <a:t>(n):</a:t>
+            </a:r>
+          </a:p>
+          <a:p>
+            <a:r>
+              <a:rPr lang="en-US" altLang="ko-KR" sz="1600" b="0" dirty="0">
+                <a:effectLst/>
+                <a:latin typeface="ubuntu mono derivative powerline" panose="020B0509030602030204" pitchFamily="49" charset="0"/>
+              </a:rPr>
+              <a:t>    lv[</a:t>
+            </a:r>
+            <a:r>
+              <a:rPr lang="en-US" altLang="ko-KR" sz="1600" b="0" dirty="0" err="1">
+                <a:effectLst/>
+                <a:latin typeface="ubuntu mono derivative powerline" panose="020B0509030602030204" pitchFamily="49" charset="0"/>
+              </a:rPr>
+              <a:t>i</a:t>
+            </a:r>
+            <a:r>
+              <a:rPr lang="en-US" altLang="ko-KR" sz="1600" b="0" dirty="0">
+                <a:effectLst/>
+                <a:latin typeface="ubuntu mono derivative powerline" panose="020B0509030602030204" pitchFamily="49" charset="0"/>
+              </a:rPr>
+              <a:t>] = tv[n-1-i]</a:t>
+            </a:r>
+          </a:p>
+          <a:p>
+            <a:r>
+              <a:rPr lang="en-US" altLang="ko-KR" sz="1600" b="0" dirty="0">
+                <a:solidFill>
+                  <a:srgbClr val="0000FF"/>
+                </a:solidFill>
+                <a:effectLst/>
+                <a:latin typeface="ubuntu mono derivative powerline" panose="020B0509030602030204" pitchFamily="49" charset="0"/>
+              </a:rPr>
+              <a:t>print</a:t>
+            </a:r>
+            <a:r>
+              <a:rPr lang="en-US" altLang="ko-KR" sz="1600" b="0" dirty="0">
+                <a:effectLst/>
+                <a:latin typeface="ubuntu mono derivative powerline" panose="020B0509030602030204" pitchFamily="49" charset="0"/>
+              </a:rPr>
+              <a:t>(lv)</a:t>
+            </a:r>
+          </a:p>
+        </p:txBody>
+      </p:sp>
+      <p:pic>
+        <p:nvPicPr>
+          <p:cNvPr id="7" name="그림 6">
+            <a:extLst>
+              <a:ext uri="{FF2B5EF4-FFF2-40B4-BE49-F238E27FC236}">
+                <a16:creationId xmlns:a16="http://schemas.microsoft.com/office/drawing/2014/main" id="{B6428685-4521-3E1E-F233-18FAB99C619F}"/>
+              </a:ext>
+            </a:extLst>
+          </p:cNvPr>
+          <p:cNvPicPr>
+            <a:picLocks noChangeAspect="1"/>
+          </p:cNvPicPr>
+          <p:nvPr/>
+        </p:nvPicPr>
+        <p:blipFill>
+          <a:blip r:embed="rId3"/>
+          <a:stretch>
+            <a:fillRect/>
+          </a:stretch>
+        </p:blipFill>
+        <p:spPr>
+          <a:xfrm>
+            <a:off x="971601" y="3718694"/>
+            <a:ext cx="1872208" cy="262617"/>
           </a:xfrm>
           <a:prstGeom prst="rect">
             <a:avLst/>
@@ -7909,7 +10370,3293 @@
           <p:cNvPr id="11" name="그림 10">
             <a:extLst>
               <a:ext uri="{FF2B5EF4-FFF2-40B4-BE49-F238E27FC236}">
-                <a16:creationId xmlns:a16="http://schemas.microsoft.com/office/drawing/2014/main" id="{048F760B-BC14-2094-0CD0-10577AFA5ADD}"/>
+                <a16:creationId xmlns:a16="http://schemas.microsoft.com/office/drawing/2014/main" id="{A44AEC7D-5918-FC62-B624-19667C301AB2}"/>
+              </a:ext>
+            </a:extLst>
+          </p:cNvPr>
+          <p:cNvPicPr>
+            <a:picLocks noChangeAspect="1"/>
+          </p:cNvPicPr>
+          <p:nvPr/>
+        </p:nvPicPr>
+        <p:blipFill>
+          <a:blip r:embed="rId3"/>
+          <a:stretch>
+            <a:fillRect/>
+          </a:stretch>
+        </p:blipFill>
+        <p:spPr>
+          <a:xfrm>
+            <a:off x="4946137" y="2480497"/>
+            <a:ext cx="1872208" cy="262617"/>
+          </a:xfrm>
+          <a:prstGeom prst="rect">
+            <a:avLst/>
+          </a:prstGeom>
+        </p:spPr>
+      </p:pic>
+      <p:sp>
+        <p:nvSpPr>
+          <p:cNvPr id="13" name="내용 개체 틀 8">
+            <a:extLst>
+              <a:ext uri="{FF2B5EF4-FFF2-40B4-BE49-F238E27FC236}">
+                <a16:creationId xmlns:a16="http://schemas.microsoft.com/office/drawing/2014/main" id="{0EE84A8F-CCC0-59E8-A641-E9D4E4517F57}"/>
+              </a:ext>
+            </a:extLst>
+          </p:cNvPr>
+          <p:cNvSpPr txBox="1">
+            <a:spLocks/>
+          </p:cNvSpPr>
+          <p:nvPr/>
+        </p:nvSpPr>
+        <p:spPr>
+          <a:xfrm>
+            <a:off x="4738937" y="2950015"/>
+            <a:ext cx="4462264" cy="1714092"/>
+          </a:xfrm>
+          <a:prstGeom prst="rect">
+            <a:avLst/>
+          </a:prstGeom>
+        </p:spPr>
+        <p:txBody>
+          <a:bodyPr/>
+          <a:lstStyle>
+            <a:lvl1pPr marL="285739" indent="-285739" algn="l" rtl="0" eaLnBrk="1" fontAlgn="base" latinLnBrk="1" hangingPunct="1">
+              <a:spcBef>
+                <a:spcPct val="20000"/>
+              </a:spcBef>
+              <a:spcAft>
+                <a:spcPct val="0"/>
+              </a:spcAft>
+              <a:buClr>
+                <a:srgbClr val="0000FF"/>
+              </a:buClr>
+              <a:buSzPct val="90000"/>
+              <a:buFont typeface="Wingdings" pitchFamily="2" charset="2"/>
+              <a:buChar char="n"/>
+              <a:defRPr kumimoji="1" sz="2333" b="1">
+                <a:solidFill>
+                  <a:schemeClr val="tx1"/>
+                </a:solidFill>
+                <a:latin typeface="+mn-lt"/>
+                <a:ea typeface="맑은 고딕" pitchFamily="50" charset="-127"/>
+                <a:cs typeface="+mn-cs"/>
+              </a:defRPr>
+            </a:lvl1pPr>
+            <a:lvl2pPr marL="619100" indent="-238115" algn="l" rtl="0" eaLnBrk="1" fontAlgn="base" latinLnBrk="1" hangingPunct="1">
+              <a:spcBef>
+                <a:spcPct val="20000"/>
+              </a:spcBef>
+              <a:spcAft>
+                <a:spcPct val="0"/>
+              </a:spcAft>
+              <a:buClr>
+                <a:schemeClr val="hlink"/>
+              </a:buClr>
+              <a:buSzPct val="75000"/>
+              <a:buFont typeface="Wingdings" pitchFamily="2" charset="2"/>
+              <a:buChar char="u"/>
+              <a:defRPr kumimoji="1" sz="2167" b="1">
+                <a:solidFill>
+                  <a:schemeClr val="tx1"/>
+                </a:solidFill>
+                <a:latin typeface="+mn-lt"/>
+                <a:ea typeface="맑은 고딕" pitchFamily="50" charset="-127"/>
+              </a:defRPr>
+            </a:lvl2pPr>
+            <a:lvl3pPr marL="952462" indent="-190492" algn="l" rtl="0" eaLnBrk="1" fontAlgn="base" latinLnBrk="1" hangingPunct="1">
+              <a:spcBef>
+                <a:spcPct val="20000"/>
+              </a:spcBef>
+              <a:spcAft>
+                <a:spcPct val="0"/>
+              </a:spcAft>
+              <a:buClr>
+                <a:srgbClr val="3399FF"/>
+              </a:buClr>
+              <a:buSzPct val="55000"/>
+              <a:buFont typeface="Wingdings" pitchFamily="2" charset="2"/>
+              <a:buChar char="l"/>
+              <a:defRPr kumimoji="1" sz="2000" b="1">
+                <a:solidFill>
+                  <a:schemeClr val="tx1"/>
+                </a:solidFill>
+                <a:latin typeface="+mn-lt"/>
+                <a:ea typeface="맑은 고딕" pitchFamily="50" charset="-127"/>
+              </a:defRPr>
+            </a:lvl3pPr>
+            <a:lvl4pPr marL="1333447" indent="-190492" algn="l" rtl="0" eaLnBrk="1" fontAlgn="base" latinLnBrk="1" hangingPunct="1">
+              <a:spcBef>
+                <a:spcPct val="20000"/>
+              </a:spcBef>
+              <a:spcAft>
+                <a:spcPct val="0"/>
+              </a:spcAft>
+              <a:buClr>
+                <a:srgbClr val="009900"/>
+              </a:buClr>
+              <a:buFont typeface="Wingdings" pitchFamily="2" charset="2"/>
+              <a:buChar char="§"/>
+              <a:defRPr kumimoji="1" sz="1833" b="1">
+                <a:solidFill>
+                  <a:schemeClr val="tx1"/>
+                </a:solidFill>
+                <a:latin typeface="+mn-lt"/>
+                <a:ea typeface="맑은 고딕" pitchFamily="50" charset="-127"/>
+              </a:defRPr>
+            </a:lvl4pPr>
+            <a:lvl5pPr marL="1714431" indent="-190492" algn="l" rtl="0" eaLnBrk="1" fontAlgn="base" latinLnBrk="1" hangingPunct="1">
+              <a:spcBef>
+                <a:spcPct val="20000"/>
+              </a:spcBef>
+              <a:spcAft>
+                <a:spcPct val="0"/>
+              </a:spcAft>
+              <a:buClr>
+                <a:schemeClr val="tx1"/>
+              </a:buClr>
+              <a:buFont typeface="Wingdings" pitchFamily="2" charset="2"/>
+              <a:buChar char="§"/>
+              <a:defRPr kumimoji="1" sz="1667" b="1">
+                <a:solidFill>
+                  <a:schemeClr val="tx1"/>
+                </a:solidFill>
+                <a:latin typeface="+mn-lt"/>
+                <a:ea typeface="맑은 고딕" pitchFamily="50" charset="-127"/>
+              </a:defRPr>
+            </a:lvl5pPr>
+            <a:lvl6pPr marL="2095416" indent="-190492" algn="l" rtl="0" eaLnBrk="1" fontAlgn="base" latinLnBrk="1" hangingPunct="1">
+              <a:spcBef>
+                <a:spcPct val="20000"/>
+              </a:spcBef>
+              <a:spcAft>
+                <a:spcPct val="0"/>
+              </a:spcAft>
+              <a:buClr>
+                <a:schemeClr val="tx1"/>
+              </a:buClr>
+              <a:buFont typeface="Wingdings" pitchFamily="2" charset="2"/>
+              <a:buChar char="§"/>
+              <a:defRPr kumimoji="1" sz="1667" b="1">
+                <a:solidFill>
+                  <a:schemeClr val="tx1"/>
+                </a:solidFill>
+                <a:latin typeface="+mn-lt"/>
+                <a:ea typeface="+mn-ea"/>
+              </a:defRPr>
+            </a:lvl6pPr>
+            <a:lvl7pPr marL="2476401" indent="-190492" algn="l" rtl="0" eaLnBrk="1" fontAlgn="base" latinLnBrk="1" hangingPunct="1">
+              <a:spcBef>
+                <a:spcPct val="20000"/>
+              </a:spcBef>
+              <a:spcAft>
+                <a:spcPct val="0"/>
+              </a:spcAft>
+              <a:buClr>
+                <a:schemeClr val="tx1"/>
+              </a:buClr>
+              <a:buFont typeface="Wingdings" pitchFamily="2" charset="2"/>
+              <a:buChar char="§"/>
+              <a:defRPr kumimoji="1" sz="1667" b="1">
+                <a:solidFill>
+                  <a:schemeClr val="tx1"/>
+                </a:solidFill>
+                <a:latin typeface="+mn-lt"/>
+                <a:ea typeface="+mn-ea"/>
+              </a:defRPr>
+            </a:lvl7pPr>
+            <a:lvl8pPr marL="2857386" indent="-190492" algn="l" rtl="0" eaLnBrk="1" fontAlgn="base" latinLnBrk="1" hangingPunct="1">
+              <a:spcBef>
+                <a:spcPct val="20000"/>
+              </a:spcBef>
+              <a:spcAft>
+                <a:spcPct val="0"/>
+              </a:spcAft>
+              <a:buClr>
+                <a:schemeClr val="tx1"/>
+              </a:buClr>
+              <a:buFont typeface="Wingdings" pitchFamily="2" charset="2"/>
+              <a:buChar char="§"/>
+              <a:defRPr kumimoji="1" sz="1667" b="1">
+                <a:solidFill>
+                  <a:schemeClr val="tx1"/>
+                </a:solidFill>
+                <a:latin typeface="+mn-lt"/>
+                <a:ea typeface="+mn-ea"/>
+              </a:defRPr>
+            </a:lvl8pPr>
+            <a:lvl9pPr marL="3238370" indent="-190492" algn="l" rtl="0" eaLnBrk="1" fontAlgn="base" latinLnBrk="1" hangingPunct="1">
+              <a:spcBef>
+                <a:spcPct val="20000"/>
+              </a:spcBef>
+              <a:spcAft>
+                <a:spcPct val="0"/>
+              </a:spcAft>
+              <a:buClr>
+                <a:schemeClr val="tx1"/>
+              </a:buClr>
+              <a:buFont typeface="Wingdings" pitchFamily="2" charset="2"/>
+              <a:buChar char="§"/>
+              <a:defRPr kumimoji="1" sz="1667" b="1">
+                <a:solidFill>
+                  <a:schemeClr val="tx1"/>
+                </a:solidFill>
+                <a:latin typeface="+mn-lt"/>
+                <a:ea typeface="+mn-ea"/>
+              </a:defRPr>
+            </a:lvl9pPr>
+          </a:lstStyle>
+          <a:p>
+            <a:r>
+              <a:rPr lang="ko-KR" altLang="en-US" kern="0" dirty="0"/>
+              <a:t>기본 소스 코드</a:t>
+            </a:r>
+            <a:r>
+              <a:rPr lang="en-US" altLang="ko-KR" kern="0" dirty="0"/>
+              <a:t>3</a:t>
+            </a:r>
+          </a:p>
+          <a:p>
+            <a:endParaRPr lang="en-US" altLang="ko-KR" kern="0" dirty="0"/>
+          </a:p>
+          <a:p>
+            <a:endParaRPr lang="en-US" altLang="ko-KR" kern="0" dirty="0"/>
+          </a:p>
+          <a:p>
+            <a:endParaRPr lang="en-US" altLang="ko-KR" kern="0" dirty="0"/>
+          </a:p>
+          <a:p>
+            <a:pPr marL="380985" lvl="1" indent="0">
+              <a:buNone/>
+            </a:pPr>
+            <a:endParaRPr lang="en-US" altLang="ko-KR" i="1" kern="0" dirty="0"/>
+          </a:p>
+        </p:txBody>
+      </p:sp>
+      <p:sp>
+        <p:nvSpPr>
+          <p:cNvPr id="17" name="직사각형 16">
+            <a:extLst>
+              <a:ext uri="{FF2B5EF4-FFF2-40B4-BE49-F238E27FC236}">
+                <a16:creationId xmlns:a16="http://schemas.microsoft.com/office/drawing/2014/main" id="{37B6A976-0770-5D54-2288-410BC6D6EB0A}"/>
+              </a:ext>
+            </a:extLst>
+          </p:cNvPr>
+          <p:cNvSpPr/>
+          <p:nvPr/>
+        </p:nvSpPr>
+        <p:spPr>
+          <a:xfrm>
+            <a:off x="4913784" y="3303195"/>
+            <a:ext cx="4235896" cy="1077218"/>
+          </a:xfrm>
+          <a:prstGeom prst="rect">
+            <a:avLst/>
+          </a:prstGeom>
+        </p:spPr>
+        <p:txBody>
+          <a:bodyPr wrap="square">
+            <a:spAutoFit/>
+          </a:bodyPr>
+          <a:lstStyle/>
+          <a:p>
+            <a:r>
+              <a:rPr lang="en-US" altLang="ko-KR" sz="1600" b="0" dirty="0">
+                <a:effectLst/>
+                <a:latin typeface="ubuntu mono derivative powerline" panose="020B0509030602030204" pitchFamily="49" charset="0"/>
+              </a:rPr>
+              <a:t>lv = []</a:t>
+            </a:r>
+          </a:p>
+          <a:p>
+            <a:r>
+              <a:rPr lang="en-US" altLang="ko-KR" sz="1600" b="0" dirty="0">
+                <a:effectLst/>
+                <a:latin typeface="ubuntu mono derivative powerline" panose="020B0509030602030204" pitchFamily="49" charset="0"/>
+              </a:rPr>
+              <a:t>for </a:t>
+            </a:r>
+            <a:r>
+              <a:rPr lang="en-US" altLang="ko-KR" sz="1600" b="0" dirty="0" err="1">
+                <a:effectLst/>
+                <a:latin typeface="ubuntu mono derivative powerline" panose="020B0509030602030204" pitchFamily="49" charset="0"/>
+              </a:rPr>
+              <a:t>i</a:t>
+            </a:r>
+            <a:r>
+              <a:rPr lang="en-US" altLang="ko-KR" sz="1600" b="0" dirty="0">
+                <a:effectLst/>
+                <a:latin typeface="ubuntu mono derivative powerline" panose="020B0509030602030204" pitchFamily="49" charset="0"/>
+              </a:rPr>
+              <a:t> in </a:t>
+            </a:r>
+            <a:r>
+              <a:rPr lang="en-US" altLang="ko-KR" sz="1600" b="0" dirty="0">
+                <a:solidFill>
+                  <a:srgbClr val="0000FF"/>
+                </a:solidFill>
+                <a:effectLst/>
+                <a:latin typeface="ubuntu mono derivative powerline" panose="020B0509030602030204" pitchFamily="49" charset="0"/>
+              </a:rPr>
+              <a:t>range</a:t>
+            </a:r>
+            <a:r>
+              <a:rPr lang="en-US" altLang="ko-KR" sz="1600" b="0" dirty="0">
+                <a:effectLst/>
+                <a:latin typeface="ubuntu mono derivative powerline" panose="020B0509030602030204" pitchFamily="49" charset="0"/>
+              </a:rPr>
+              <a:t>(n):</a:t>
+            </a:r>
+          </a:p>
+          <a:p>
+            <a:r>
+              <a:rPr lang="en-US" altLang="ko-KR" sz="1600" b="0" dirty="0">
+                <a:effectLst/>
+                <a:latin typeface="ubuntu mono derivative powerline" panose="020B0509030602030204" pitchFamily="49" charset="0"/>
+              </a:rPr>
+              <a:t>    </a:t>
+            </a:r>
+            <a:r>
+              <a:rPr lang="en-US" altLang="ko-KR" sz="1600" b="0" dirty="0" err="1">
+                <a:effectLst/>
+                <a:latin typeface="ubuntu mono derivative powerline" panose="020B0509030602030204" pitchFamily="49" charset="0"/>
+              </a:rPr>
+              <a:t>lv.</a:t>
+            </a:r>
+            <a:r>
+              <a:rPr lang="en-US" altLang="ko-KR" sz="1600" b="0" dirty="0" err="1">
+                <a:solidFill>
+                  <a:srgbClr val="0000FF"/>
+                </a:solidFill>
+                <a:effectLst/>
+                <a:latin typeface="ubuntu mono derivative powerline" panose="020B0509030602030204" pitchFamily="49" charset="0"/>
+              </a:rPr>
+              <a:t>append</a:t>
+            </a:r>
+            <a:r>
+              <a:rPr lang="en-US" altLang="ko-KR" sz="1600" b="0" dirty="0">
+                <a:effectLst/>
+                <a:latin typeface="ubuntu mono derivative powerline" panose="020B0509030602030204" pitchFamily="49" charset="0"/>
+              </a:rPr>
+              <a:t>(tv[n-1-i])</a:t>
+            </a:r>
+          </a:p>
+          <a:p>
+            <a:r>
+              <a:rPr lang="en-US" altLang="ko-KR" sz="1600" b="0" dirty="0">
+                <a:solidFill>
+                  <a:srgbClr val="0000FF"/>
+                </a:solidFill>
+                <a:effectLst/>
+                <a:latin typeface="ubuntu mono derivative powerline" panose="020B0509030602030204" pitchFamily="49" charset="0"/>
+              </a:rPr>
+              <a:t>print</a:t>
+            </a:r>
+            <a:r>
+              <a:rPr lang="en-US" altLang="ko-KR" sz="1600" b="0" dirty="0">
+                <a:effectLst/>
+                <a:latin typeface="ubuntu mono derivative powerline" panose="020B0509030602030204" pitchFamily="49" charset="0"/>
+              </a:rPr>
+              <a:t>(lv)</a:t>
+            </a:r>
+          </a:p>
+        </p:txBody>
+      </p:sp>
+      <p:pic>
+        <p:nvPicPr>
+          <p:cNvPr id="21" name="그림 20">
+            <a:extLst>
+              <a:ext uri="{FF2B5EF4-FFF2-40B4-BE49-F238E27FC236}">
+                <a16:creationId xmlns:a16="http://schemas.microsoft.com/office/drawing/2014/main" id="{0DA891D3-8617-8CFD-CBE6-4BE8ACC1A909}"/>
+              </a:ext>
+            </a:extLst>
+          </p:cNvPr>
+          <p:cNvPicPr>
+            <a:picLocks noChangeAspect="1"/>
+          </p:cNvPicPr>
+          <p:nvPr/>
+        </p:nvPicPr>
+        <p:blipFill>
+          <a:blip r:embed="rId3"/>
+          <a:stretch>
+            <a:fillRect/>
+          </a:stretch>
+        </p:blipFill>
+        <p:spPr>
+          <a:xfrm>
+            <a:off x="4958484" y="4401490"/>
+            <a:ext cx="1872208" cy="262617"/>
+          </a:xfrm>
+          <a:prstGeom prst="rect">
+            <a:avLst/>
+          </a:prstGeom>
+        </p:spPr>
+      </p:pic>
+    </p:spTree>
+    <p:extLst>
+      <p:ext uri="{BB962C8B-B14F-4D97-AF65-F5344CB8AC3E}">
+        <p14:creationId xmlns:p14="http://schemas.microsoft.com/office/powerpoint/2010/main" val="3021079376"/>
+      </p:ext>
+    </p:extLst>
+  </p:cSld>
+  <p:clrMapOvr>
+    <a:masterClrMapping/>
+  </p:clrMapOvr>
+</p:sld>
+</file>
+
+<file path=ppt/slides/slide16.xml><?xml version="1.0" encoding="utf-8"?>
+<p:sld xmlns:a="http://schemas.openxmlformats.org/drawingml/2006/main" xmlns:r="http://schemas.openxmlformats.org/officeDocument/2006/relationships" xmlns:p="http://schemas.openxmlformats.org/presentationml/2006/main">
+  <p:cSld>
+    <p:spTree>
+      <p:nvGrpSpPr>
+        <p:cNvPr id="1" name=""/>
+        <p:cNvGrpSpPr/>
+        <p:nvPr/>
+      </p:nvGrpSpPr>
+      <p:grpSpPr>
+        <a:xfrm>
+          <a:off x="0" y="0"/>
+          <a:ext cx="0" cy="0"/>
+          <a:chOff x="0" y="0"/>
+          <a:chExt cx="0" cy="0"/>
+        </a:xfrm>
+      </p:grpSpPr>
+      <p:sp>
+        <p:nvSpPr>
+          <p:cNvPr id="2" name="제목 1"/>
+          <p:cNvSpPr>
+            <a:spLocks noGrp="1"/>
+          </p:cNvSpPr>
+          <p:nvPr>
+            <p:ph type="title"/>
+          </p:nvPr>
+        </p:nvSpPr>
+        <p:spPr/>
+        <p:txBody>
+          <a:bodyPr/>
+          <a:lstStyle/>
+          <a:p>
+            <a:r>
+              <a:rPr lang="en-US" altLang="ko-KR" dirty="0"/>
+              <a:t>3.1 </a:t>
+            </a:r>
+            <a:r>
+              <a:rPr lang="ko-KR" altLang="en-US" dirty="0" err="1"/>
+              <a:t>파이썬의</a:t>
+            </a:r>
+            <a:r>
+              <a:rPr lang="ko-KR" altLang="en-US" dirty="0"/>
+              <a:t> 자료구조</a:t>
+            </a:r>
+          </a:p>
+        </p:txBody>
+      </p:sp>
+      <p:sp>
+        <p:nvSpPr>
+          <p:cNvPr id="3" name="내용 개체 틀 2"/>
+          <p:cNvSpPr>
+            <a:spLocks noGrp="1"/>
+          </p:cNvSpPr>
+          <p:nvPr>
+            <p:ph idx="1"/>
+          </p:nvPr>
+        </p:nvSpPr>
+        <p:spPr/>
+        <p:txBody>
+          <a:bodyPr>
+            <a:normAutofit/>
+          </a:bodyPr>
+          <a:lstStyle/>
+          <a:p>
+            <a:r>
+              <a:rPr lang="en-US" altLang="ko-KR" dirty="0"/>
+              <a:t>3.1.5 </a:t>
+            </a:r>
+            <a:r>
+              <a:rPr lang="ko-KR" altLang="en-US" dirty="0"/>
+              <a:t>실습문제</a:t>
+            </a:r>
+            <a:r>
+              <a:rPr lang="en-US" altLang="ko-KR" dirty="0"/>
+              <a:t>2</a:t>
+            </a:r>
+          </a:p>
+          <a:p>
+            <a:pPr lvl="1"/>
+            <a:r>
+              <a:rPr lang="en-US" altLang="ko-KR" dirty="0"/>
+              <a:t>reverse</a:t>
+            </a:r>
+          </a:p>
+        </p:txBody>
+      </p:sp>
+      <p:sp>
+        <p:nvSpPr>
+          <p:cNvPr id="4" name="내용 개체 틀 8">
+            <a:extLst>
+              <a:ext uri="{FF2B5EF4-FFF2-40B4-BE49-F238E27FC236}">
+                <a16:creationId xmlns:a16="http://schemas.microsoft.com/office/drawing/2014/main" id="{916DA302-2503-142B-840F-6FB9472DDD89}"/>
+              </a:ext>
+            </a:extLst>
+          </p:cNvPr>
+          <p:cNvSpPr txBox="1">
+            <a:spLocks/>
+          </p:cNvSpPr>
+          <p:nvPr/>
+        </p:nvSpPr>
+        <p:spPr>
+          <a:xfrm>
+            <a:off x="685800" y="2527672"/>
+            <a:ext cx="4462264" cy="2770005"/>
+          </a:xfrm>
+          <a:prstGeom prst="rect">
+            <a:avLst/>
+          </a:prstGeom>
+        </p:spPr>
+        <p:txBody>
+          <a:bodyPr/>
+          <a:lstStyle>
+            <a:lvl1pPr marL="285739" indent="-285739" algn="l" rtl="0" eaLnBrk="1" fontAlgn="base" latinLnBrk="1" hangingPunct="1">
+              <a:spcBef>
+                <a:spcPct val="20000"/>
+              </a:spcBef>
+              <a:spcAft>
+                <a:spcPct val="0"/>
+              </a:spcAft>
+              <a:buClr>
+                <a:srgbClr val="0000FF"/>
+              </a:buClr>
+              <a:buSzPct val="90000"/>
+              <a:buFont typeface="Wingdings" pitchFamily="2" charset="2"/>
+              <a:buChar char="n"/>
+              <a:defRPr kumimoji="1" sz="2333" b="1">
+                <a:solidFill>
+                  <a:schemeClr val="tx1"/>
+                </a:solidFill>
+                <a:latin typeface="+mn-lt"/>
+                <a:ea typeface="맑은 고딕" pitchFamily="50" charset="-127"/>
+                <a:cs typeface="+mn-cs"/>
+              </a:defRPr>
+            </a:lvl1pPr>
+            <a:lvl2pPr marL="619100" indent="-238115" algn="l" rtl="0" eaLnBrk="1" fontAlgn="base" latinLnBrk="1" hangingPunct="1">
+              <a:spcBef>
+                <a:spcPct val="20000"/>
+              </a:spcBef>
+              <a:spcAft>
+                <a:spcPct val="0"/>
+              </a:spcAft>
+              <a:buClr>
+                <a:schemeClr val="hlink"/>
+              </a:buClr>
+              <a:buSzPct val="75000"/>
+              <a:buFont typeface="Wingdings" pitchFamily="2" charset="2"/>
+              <a:buChar char="u"/>
+              <a:defRPr kumimoji="1" sz="2167" b="1">
+                <a:solidFill>
+                  <a:schemeClr val="tx1"/>
+                </a:solidFill>
+                <a:latin typeface="+mn-lt"/>
+                <a:ea typeface="맑은 고딕" pitchFamily="50" charset="-127"/>
+              </a:defRPr>
+            </a:lvl2pPr>
+            <a:lvl3pPr marL="952462" indent="-190492" algn="l" rtl="0" eaLnBrk="1" fontAlgn="base" latinLnBrk="1" hangingPunct="1">
+              <a:spcBef>
+                <a:spcPct val="20000"/>
+              </a:spcBef>
+              <a:spcAft>
+                <a:spcPct val="0"/>
+              </a:spcAft>
+              <a:buClr>
+                <a:srgbClr val="3399FF"/>
+              </a:buClr>
+              <a:buSzPct val="55000"/>
+              <a:buFont typeface="Wingdings" pitchFamily="2" charset="2"/>
+              <a:buChar char="l"/>
+              <a:defRPr kumimoji="1" sz="2000" b="1">
+                <a:solidFill>
+                  <a:schemeClr val="tx1"/>
+                </a:solidFill>
+                <a:latin typeface="+mn-lt"/>
+                <a:ea typeface="맑은 고딕" pitchFamily="50" charset="-127"/>
+              </a:defRPr>
+            </a:lvl3pPr>
+            <a:lvl4pPr marL="1333447" indent="-190492" algn="l" rtl="0" eaLnBrk="1" fontAlgn="base" latinLnBrk="1" hangingPunct="1">
+              <a:spcBef>
+                <a:spcPct val="20000"/>
+              </a:spcBef>
+              <a:spcAft>
+                <a:spcPct val="0"/>
+              </a:spcAft>
+              <a:buClr>
+                <a:srgbClr val="009900"/>
+              </a:buClr>
+              <a:buFont typeface="Wingdings" pitchFamily="2" charset="2"/>
+              <a:buChar char="§"/>
+              <a:defRPr kumimoji="1" sz="1833" b="1">
+                <a:solidFill>
+                  <a:schemeClr val="tx1"/>
+                </a:solidFill>
+                <a:latin typeface="+mn-lt"/>
+                <a:ea typeface="맑은 고딕" pitchFamily="50" charset="-127"/>
+              </a:defRPr>
+            </a:lvl4pPr>
+            <a:lvl5pPr marL="1714431" indent="-190492" algn="l" rtl="0" eaLnBrk="1" fontAlgn="base" latinLnBrk="1" hangingPunct="1">
+              <a:spcBef>
+                <a:spcPct val="20000"/>
+              </a:spcBef>
+              <a:spcAft>
+                <a:spcPct val="0"/>
+              </a:spcAft>
+              <a:buClr>
+                <a:schemeClr val="tx1"/>
+              </a:buClr>
+              <a:buFont typeface="Wingdings" pitchFamily="2" charset="2"/>
+              <a:buChar char="§"/>
+              <a:defRPr kumimoji="1" sz="1667" b="1">
+                <a:solidFill>
+                  <a:schemeClr val="tx1"/>
+                </a:solidFill>
+                <a:latin typeface="+mn-lt"/>
+                <a:ea typeface="맑은 고딕" pitchFamily="50" charset="-127"/>
+              </a:defRPr>
+            </a:lvl5pPr>
+            <a:lvl6pPr marL="2095416" indent="-190492" algn="l" rtl="0" eaLnBrk="1" fontAlgn="base" latinLnBrk="1" hangingPunct="1">
+              <a:spcBef>
+                <a:spcPct val="20000"/>
+              </a:spcBef>
+              <a:spcAft>
+                <a:spcPct val="0"/>
+              </a:spcAft>
+              <a:buClr>
+                <a:schemeClr val="tx1"/>
+              </a:buClr>
+              <a:buFont typeface="Wingdings" pitchFamily="2" charset="2"/>
+              <a:buChar char="§"/>
+              <a:defRPr kumimoji="1" sz="1667" b="1">
+                <a:solidFill>
+                  <a:schemeClr val="tx1"/>
+                </a:solidFill>
+                <a:latin typeface="+mn-lt"/>
+                <a:ea typeface="+mn-ea"/>
+              </a:defRPr>
+            </a:lvl6pPr>
+            <a:lvl7pPr marL="2476401" indent="-190492" algn="l" rtl="0" eaLnBrk="1" fontAlgn="base" latinLnBrk="1" hangingPunct="1">
+              <a:spcBef>
+                <a:spcPct val="20000"/>
+              </a:spcBef>
+              <a:spcAft>
+                <a:spcPct val="0"/>
+              </a:spcAft>
+              <a:buClr>
+                <a:schemeClr val="tx1"/>
+              </a:buClr>
+              <a:buFont typeface="Wingdings" pitchFamily="2" charset="2"/>
+              <a:buChar char="§"/>
+              <a:defRPr kumimoji="1" sz="1667" b="1">
+                <a:solidFill>
+                  <a:schemeClr val="tx1"/>
+                </a:solidFill>
+                <a:latin typeface="+mn-lt"/>
+                <a:ea typeface="+mn-ea"/>
+              </a:defRPr>
+            </a:lvl7pPr>
+            <a:lvl8pPr marL="2857386" indent="-190492" algn="l" rtl="0" eaLnBrk="1" fontAlgn="base" latinLnBrk="1" hangingPunct="1">
+              <a:spcBef>
+                <a:spcPct val="20000"/>
+              </a:spcBef>
+              <a:spcAft>
+                <a:spcPct val="0"/>
+              </a:spcAft>
+              <a:buClr>
+                <a:schemeClr val="tx1"/>
+              </a:buClr>
+              <a:buFont typeface="Wingdings" pitchFamily="2" charset="2"/>
+              <a:buChar char="§"/>
+              <a:defRPr kumimoji="1" sz="1667" b="1">
+                <a:solidFill>
+                  <a:schemeClr val="tx1"/>
+                </a:solidFill>
+                <a:latin typeface="+mn-lt"/>
+                <a:ea typeface="+mn-ea"/>
+              </a:defRPr>
+            </a:lvl8pPr>
+            <a:lvl9pPr marL="3238370" indent="-190492" algn="l" rtl="0" eaLnBrk="1" fontAlgn="base" latinLnBrk="1" hangingPunct="1">
+              <a:spcBef>
+                <a:spcPct val="20000"/>
+              </a:spcBef>
+              <a:spcAft>
+                <a:spcPct val="0"/>
+              </a:spcAft>
+              <a:buClr>
+                <a:schemeClr val="tx1"/>
+              </a:buClr>
+              <a:buFont typeface="Wingdings" pitchFamily="2" charset="2"/>
+              <a:buChar char="§"/>
+              <a:defRPr kumimoji="1" sz="1667" b="1">
+                <a:solidFill>
+                  <a:schemeClr val="tx1"/>
+                </a:solidFill>
+                <a:latin typeface="+mn-lt"/>
+                <a:ea typeface="+mn-ea"/>
+              </a:defRPr>
+            </a:lvl9pPr>
+          </a:lstStyle>
+          <a:p>
+            <a:r>
+              <a:rPr lang="ko-KR" altLang="en-US" kern="0" dirty="0"/>
+              <a:t>기본 소스 코드</a:t>
+            </a:r>
+            <a:r>
+              <a:rPr lang="en-US" altLang="ko-KR" kern="0" dirty="0"/>
+              <a:t>1</a:t>
+            </a:r>
+          </a:p>
+          <a:p>
+            <a:endParaRPr lang="en-US" altLang="ko-KR" kern="0" dirty="0"/>
+          </a:p>
+          <a:p>
+            <a:endParaRPr lang="en-US" altLang="ko-KR" kern="0" dirty="0"/>
+          </a:p>
+          <a:p>
+            <a:endParaRPr lang="en-US" altLang="ko-KR" kern="0" dirty="0"/>
+          </a:p>
+          <a:p>
+            <a:pPr marL="380985" lvl="1" indent="0">
+              <a:buNone/>
+            </a:pPr>
+            <a:endParaRPr lang="en-US" altLang="ko-KR" i="1" kern="0" dirty="0"/>
+          </a:p>
+        </p:txBody>
+      </p:sp>
+      <p:sp>
+        <p:nvSpPr>
+          <p:cNvPr id="6" name="직사각형 5">
+            <a:extLst>
+              <a:ext uri="{FF2B5EF4-FFF2-40B4-BE49-F238E27FC236}">
+                <a16:creationId xmlns:a16="http://schemas.microsoft.com/office/drawing/2014/main" id="{7224EBA5-FABE-C021-45D2-3A221A5E3B85}"/>
+              </a:ext>
+            </a:extLst>
+          </p:cNvPr>
+          <p:cNvSpPr/>
+          <p:nvPr/>
+        </p:nvSpPr>
+        <p:spPr>
+          <a:xfrm>
+            <a:off x="890860" y="2897766"/>
+            <a:ext cx="3681139" cy="338554"/>
+          </a:xfrm>
+          <a:prstGeom prst="rect">
+            <a:avLst/>
+          </a:prstGeom>
+        </p:spPr>
+        <p:txBody>
+          <a:bodyPr wrap="square">
+            <a:spAutoFit/>
+          </a:bodyPr>
+          <a:lstStyle/>
+          <a:p>
+            <a:r>
+              <a:rPr lang="en-US" altLang="ko-KR" sz="1600" b="0" dirty="0">
+                <a:solidFill>
+                  <a:srgbClr val="00B050"/>
+                </a:solidFill>
+                <a:effectLst/>
+                <a:latin typeface="ubuntu mono derivative powerline" panose="020B0509030602030204" pitchFamily="49" charset="0"/>
+              </a:rPr>
+              <a:t>list</a:t>
+            </a:r>
+            <a:r>
+              <a:rPr lang="en-US" altLang="ko-KR" sz="1600" b="0" dirty="0">
+                <a:effectLst/>
+                <a:latin typeface="ubuntu mono derivative powerline" panose="020B0509030602030204" pitchFamily="49" charset="0"/>
+              </a:rPr>
+              <a:t>(</a:t>
+            </a:r>
+            <a:r>
+              <a:rPr lang="en-US" altLang="ko-KR" sz="1600" b="0" dirty="0">
+                <a:solidFill>
+                  <a:srgbClr val="0000FF"/>
+                </a:solidFill>
+                <a:effectLst/>
+                <a:latin typeface="ubuntu mono derivative powerline" panose="020B0509030602030204" pitchFamily="49" charset="0"/>
+              </a:rPr>
+              <a:t>reversed</a:t>
+            </a:r>
+            <a:r>
+              <a:rPr lang="en-US" altLang="ko-KR" sz="1600" b="0" dirty="0">
+                <a:effectLst/>
+                <a:latin typeface="ubuntu mono derivative powerline" panose="020B0509030602030204" pitchFamily="49" charset="0"/>
+              </a:rPr>
+              <a:t>(</a:t>
+            </a:r>
+            <a:r>
+              <a:rPr lang="en-US" altLang="ko-KR" sz="1600" b="0" dirty="0">
+                <a:solidFill>
+                  <a:srgbClr val="0000FF"/>
+                </a:solidFill>
+                <a:effectLst/>
+                <a:latin typeface="ubuntu mono derivative powerline" panose="020B0509030602030204" pitchFamily="49" charset="0"/>
+              </a:rPr>
+              <a:t>range</a:t>
+            </a:r>
+            <a:r>
+              <a:rPr lang="en-US" altLang="ko-KR" sz="1600" b="0" dirty="0">
+                <a:effectLst/>
+                <a:latin typeface="ubuntu mono derivative powerline" panose="020B0509030602030204" pitchFamily="49" charset="0"/>
+              </a:rPr>
+              <a:t>(8)))</a:t>
+            </a:r>
+          </a:p>
+        </p:txBody>
+      </p:sp>
+      <p:sp>
+        <p:nvSpPr>
+          <p:cNvPr id="14" name="내용 개체 틀 8">
+            <a:extLst>
+              <a:ext uri="{FF2B5EF4-FFF2-40B4-BE49-F238E27FC236}">
+                <a16:creationId xmlns:a16="http://schemas.microsoft.com/office/drawing/2014/main" id="{E534ED75-09F6-AC0C-C4A9-1D1E49420AE2}"/>
+              </a:ext>
+            </a:extLst>
+          </p:cNvPr>
+          <p:cNvSpPr txBox="1">
+            <a:spLocks/>
+          </p:cNvSpPr>
+          <p:nvPr/>
+        </p:nvSpPr>
+        <p:spPr>
+          <a:xfrm>
+            <a:off x="688489" y="3901829"/>
+            <a:ext cx="4462264" cy="1714092"/>
+          </a:xfrm>
+          <a:prstGeom prst="rect">
+            <a:avLst/>
+          </a:prstGeom>
+        </p:spPr>
+        <p:txBody>
+          <a:bodyPr/>
+          <a:lstStyle>
+            <a:lvl1pPr marL="285739" indent="-285739" algn="l" rtl="0" eaLnBrk="1" fontAlgn="base" latinLnBrk="1" hangingPunct="1">
+              <a:spcBef>
+                <a:spcPct val="20000"/>
+              </a:spcBef>
+              <a:spcAft>
+                <a:spcPct val="0"/>
+              </a:spcAft>
+              <a:buClr>
+                <a:srgbClr val="0000FF"/>
+              </a:buClr>
+              <a:buSzPct val="90000"/>
+              <a:buFont typeface="Wingdings" pitchFamily="2" charset="2"/>
+              <a:buChar char="n"/>
+              <a:defRPr kumimoji="1" sz="2333" b="1">
+                <a:solidFill>
+                  <a:schemeClr val="tx1"/>
+                </a:solidFill>
+                <a:latin typeface="+mn-lt"/>
+                <a:ea typeface="맑은 고딕" pitchFamily="50" charset="-127"/>
+                <a:cs typeface="+mn-cs"/>
+              </a:defRPr>
+            </a:lvl1pPr>
+            <a:lvl2pPr marL="619100" indent="-238115" algn="l" rtl="0" eaLnBrk="1" fontAlgn="base" latinLnBrk="1" hangingPunct="1">
+              <a:spcBef>
+                <a:spcPct val="20000"/>
+              </a:spcBef>
+              <a:spcAft>
+                <a:spcPct val="0"/>
+              </a:spcAft>
+              <a:buClr>
+                <a:schemeClr val="hlink"/>
+              </a:buClr>
+              <a:buSzPct val="75000"/>
+              <a:buFont typeface="Wingdings" pitchFamily="2" charset="2"/>
+              <a:buChar char="u"/>
+              <a:defRPr kumimoji="1" sz="2167" b="1">
+                <a:solidFill>
+                  <a:schemeClr val="tx1"/>
+                </a:solidFill>
+                <a:latin typeface="+mn-lt"/>
+                <a:ea typeface="맑은 고딕" pitchFamily="50" charset="-127"/>
+              </a:defRPr>
+            </a:lvl2pPr>
+            <a:lvl3pPr marL="952462" indent="-190492" algn="l" rtl="0" eaLnBrk="1" fontAlgn="base" latinLnBrk="1" hangingPunct="1">
+              <a:spcBef>
+                <a:spcPct val="20000"/>
+              </a:spcBef>
+              <a:spcAft>
+                <a:spcPct val="0"/>
+              </a:spcAft>
+              <a:buClr>
+                <a:srgbClr val="3399FF"/>
+              </a:buClr>
+              <a:buSzPct val="55000"/>
+              <a:buFont typeface="Wingdings" pitchFamily="2" charset="2"/>
+              <a:buChar char="l"/>
+              <a:defRPr kumimoji="1" sz="2000" b="1">
+                <a:solidFill>
+                  <a:schemeClr val="tx1"/>
+                </a:solidFill>
+                <a:latin typeface="+mn-lt"/>
+                <a:ea typeface="맑은 고딕" pitchFamily="50" charset="-127"/>
+              </a:defRPr>
+            </a:lvl3pPr>
+            <a:lvl4pPr marL="1333447" indent="-190492" algn="l" rtl="0" eaLnBrk="1" fontAlgn="base" latinLnBrk="1" hangingPunct="1">
+              <a:spcBef>
+                <a:spcPct val="20000"/>
+              </a:spcBef>
+              <a:spcAft>
+                <a:spcPct val="0"/>
+              </a:spcAft>
+              <a:buClr>
+                <a:srgbClr val="009900"/>
+              </a:buClr>
+              <a:buFont typeface="Wingdings" pitchFamily="2" charset="2"/>
+              <a:buChar char="§"/>
+              <a:defRPr kumimoji="1" sz="1833" b="1">
+                <a:solidFill>
+                  <a:schemeClr val="tx1"/>
+                </a:solidFill>
+                <a:latin typeface="+mn-lt"/>
+                <a:ea typeface="맑은 고딕" pitchFamily="50" charset="-127"/>
+              </a:defRPr>
+            </a:lvl4pPr>
+            <a:lvl5pPr marL="1714431" indent="-190492" algn="l" rtl="0" eaLnBrk="1" fontAlgn="base" latinLnBrk="1" hangingPunct="1">
+              <a:spcBef>
+                <a:spcPct val="20000"/>
+              </a:spcBef>
+              <a:spcAft>
+                <a:spcPct val="0"/>
+              </a:spcAft>
+              <a:buClr>
+                <a:schemeClr val="tx1"/>
+              </a:buClr>
+              <a:buFont typeface="Wingdings" pitchFamily="2" charset="2"/>
+              <a:buChar char="§"/>
+              <a:defRPr kumimoji="1" sz="1667" b="1">
+                <a:solidFill>
+                  <a:schemeClr val="tx1"/>
+                </a:solidFill>
+                <a:latin typeface="+mn-lt"/>
+                <a:ea typeface="맑은 고딕" pitchFamily="50" charset="-127"/>
+              </a:defRPr>
+            </a:lvl5pPr>
+            <a:lvl6pPr marL="2095416" indent="-190492" algn="l" rtl="0" eaLnBrk="1" fontAlgn="base" latinLnBrk="1" hangingPunct="1">
+              <a:spcBef>
+                <a:spcPct val="20000"/>
+              </a:spcBef>
+              <a:spcAft>
+                <a:spcPct val="0"/>
+              </a:spcAft>
+              <a:buClr>
+                <a:schemeClr val="tx1"/>
+              </a:buClr>
+              <a:buFont typeface="Wingdings" pitchFamily="2" charset="2"/>
+              <a:buChar char="§"/>
+              <a:defRPr kumimoji="1" sz="1667" b="1">
+                <a:solidFill>
+                  <a:schemeClr val="tx1"/>
+                </a:solidFill>
+                <a:latin typeface="+mn-lt"/>
+                <a:ea typeface="+mn-ea"/>
+              </a:defRPr>
+            </a:lvl6pPr>
+            <a:lvl7pPr marL="2476401" indent="-190492" algn="l" rtl="0" eaLnBrk="1" fontAlgn="base" latinLnBrk="1" hangingPunct="1">
+              <a:spcBef>
+                <a:spcPct val="20000"/>
+              </a:spcBef>
+              <a:spcAft>
+                <a:spcPct val="0"/>
+              </a:spcAft>
+              <a:buClr>
+                <a:schemeClr val="tx1"/>
+              </a:buClr>
+              <a:buFont typeface="Wingdings" pitchFamily="2" charset="2"/>
+              <a:buChar char="§"/>
+              <a:defRPr kumimoji="1" sz="1667" b="1">
+                <a:solidFill>
+                  <a:schemeClr val="tx1"/>
+                </a:solidFill>
+                <a:latin typeface="+mn-lt"/>
+                <a:ea typeface="+mn-ea"/>
+              </a:defRPr>
+            </a:lvl7pPr>
+            <a:lvl8pPr marL="2857386" indent="-190492" algn="l" rtl="0" eaLnBrk="1" fontAlgn="base" latinLnBrk="1" hangingPunct="1">
+              <a:spcBef>
+                <a:spcPct val="20000"/>
+              </a:spcBef>
+              <a:spcAft>
+                <a:spcPct val="0"/>
+              </a:spcAft>
+              <a:buClr>
+                <a:schemeClr val="tx1"/>
+              </a:buClr>
+              <a:buFont typeface="Wingdings" pitchFamily="2" charset="2"/>
+              <a:buChar char="§"/>
+              <a:defRPr kumimoji="1" sz="1667" b="1">
+                <a:solidFill>
+                  <a:schemeClr val="tx1"/>
+                </a:solidFill>
+                <a:latin typeface="+mn-lt"/>
+                <a:ea typeface="+mn-ea"/>
+              </a:defRPr>
+            </a:lvl8pPr>
+            <a:lvl9pPr marL="3238370" indent="-190492" algn="l" rtl="0" eaLnBrk="1" fontAlgn="base" latinLnBrk="1" hangingPunct="1">
+              <a:spcBef>
+                <a:spcPct val="20000"/>
+              </a:spcBef>
+              <a:spcAft>
+                <a:spcPct val="0"/>
+              </a:spcAft>
+              <a:buClr>
+                <a:schemeClr val="tx1"/>
+              </a:buClr>
+              <a:buFont typeface="Wingdings" pitchFamily="2" charset="2"/>
+              <a:buChar char="§"/>
+              <a:defRPr kumimoji="1" sz="1667" b="1">
+                <a:solidFill>
+                  <a:schemeClr val="tx1"/>
+                </a:solidFill>
+                <a:latin typeface="+mn-lt"/>
+                <a:ea typeface="+mn-ea"/>
+              </a:defRPr>
+            </a:lvl9pPr>
+          </a:lstStyle>
+          <a:p>
+            <a:r>
+              <a:rPr lang="ko-KR" altLang="en-US" kern="0" dirty="0"/>
+              <a:t>기본 소스 코드</a:t>
+            </a:r>
+            <a:r>
+              <a:rPr lang="en-US" altLang="ko-KR" kern="0" dirty="0"/>
+              <a:t>2</a:t>
+            </a:r>
+          </a:p>
+          <a:p>
+            <a:endParaRPr lang="en-US" altLang="ko-KR" kern="0" dirty="0"/>
+          </a:p>
+          <a:p>
+            <a:endParaRPr lang="en-US" altLang="ko-KR" kern="0" dirty="0"/>
+          </a:p>
+          <a:p>
+            <a:endParaRPr lang="en-US" altLang="ko-KR" kern="0" dirty="0"/>
+          </a:p>
+          <a:p>
+            <a:pPr marL="380985" lvl="1" indent="0">
+              <a:buNone/>
+            </a:pPr>
+            <a:endParaRPr lang="en-US" altLang="ko-KR" i="1" kern="0" dirty="0"/>
+          </a:p>
+        </p:txBody>
+      </p:sp>
+      <p:sp>
+        <p:nvSpPr>
+          <p:cNvPr id="13" name="내용 개체 틀 8">
+            <a:extLst>
+              <a:ext uri="{FF2B5EF4-FFF2-40B4-BE49-F238E27FC236}">
+                <a16:creationId xmlns:a16="http://schemas.microsoft.com/office/drawing/2014/main" id="{0EE84A8F-CCC0-59E8-A641-E9D4E4517F57}"/>
+              </a:ext>
+            </a:extLst>
+          </p:cNvPr>
+          <p:cNvSpPr txBox="1">
+            <a:spLocks/>
+          </p:cNvSpPr>
+          <p:nvPr/>
+        </p:nvSpPr>
+        <p:spPr>
+          <a:xfrm>
+            <a:off x="4543061" y="1183674"/>
+            <a:ext cx="4462264" cy="1714092"/>
+          </a:xfrm>
+          <a:prstGeom prst="rect">
+            <a:avLst/>
+          </a:prstGeom>
+        </p:spPr>
+        <p:txBody>
+          <a:bodyPr/>
+          <a:lstStyle>
+            <a:lvl1pPr marL="285739" indent="-285739" algn="l" rtl="0" eaLnBrk="1" fontAlgn="base" latinLnBrk="1" hangingPunct="1">
+              <a:spcBef>
+                <a:spcPct val="20000"/>
+              </a:spcBef>
+              <a:spcAft>
+                <a:spcPct val="0"/>
+              </a:spcAft>
+              <a:buClr>
+                <a:srgbClr val="0000FF"/>
+              </a:buClr>
+              <a:buSzPct val="90000"/>
+              <a:buFont typeface="Wingdings" pitchFamily="2" charset="2"/>
+              <a:buChar char="n"/>
+              <a:defRPr kumimoji="1" sz="2333" b="1">
+                <a:solidFill>
+                  <a:schemeClr val="tx1"/>
+                </a:solidFill>
+                <a:latin typeface="+mn-lt"/>
+                <a:ea typeface="맑은 고딕" pitchFamily="50" charset="-127"/>
+                <a:cs typeface="+mn-cs"/>
+              </a:defRPr>
+            </a:lvl1pPr>
+            <a:lvl2pPr marL="619100" indent="-238115" algn="l" rtl="0" eaLnBrk="1" fontAlgn="base" latinLnBrk="1" hangingPunct="1">
+              <a:spcBef>
+                <a:spcPct val="20000"/>
+              </a:spcBef>
+              <a:spcAft>
+                <a:spcPct val="0"/>
+              </a:spcAft>
+              <a:buClr>
+                <a:schemeClr val="hlink"/>
+              </a:buClr>
+              <a:buSzPct val="75000"/>
+              <a:buFont typeface="Wingdings" pitchFamily="2" charset="2"/>
+              <a:buChar char="u"/>
+              <a:defRPr kumimoji="1" sz="2167" b="1">
+                <a:solidFill>
+                  <a:schemeClr val="tx1"/>
+                </a:solidFill>
+                <a:latin typeface="+mn-lt"/>
+                <a:ea typeface="맑은 고딕" pitchFamily="50" charset="-127"/>
+              </a:defRPr>
+            </a:lvl2pPr>
+            <a:lvl3pPr marL="952462" indent="-190492" algn="l" rtl="0" eaLnBrk="1" fontAlgn="base" latinLnBrk="1" hangingPunct="1">
+              <a:spcBef>
+                <a:spcPct val="20000"/>
+              </a:spcBef>
+              <a:spcAft>
+                <a:spcPct val="0"/>
+              </a:spcAft>
+              <a:buClr>
+                <a:srgbClr val="3399FF"/>
+              </a:buClr>
+              <a:buSzPct val="55000"/>
+              <a:buFont typeface="Wingdings" pitchFamily="2" charset="2"/>
+              <a:buChar char="l"/>
+              <a:defRPr kumimoji="1" sz="2000" b="1">
+                <a:solidFill>
+                  <a:schemeClr val="tx1"/>
+                </a:solidFill>
+                <a:latin typeface="+mn-lt"/>
+                <a:ea typeface="맑은 고딕" pitchFamily="50" charset="-127"/>
+              </a:defRPr>
+            </a:lvl3pPr>
+            <a:lvl4pPr marL="1333447" indent="-190492" algn="l" rtl="0" eaLnBrk="1" fontAlgn="base" latinLnBrk="1" hangingPunct="1">
+              <a:spcBef>
+                <a:spcPct val="20000"/>
+              </a:spcBef>
+              <a:spcAft>
+                <a:spcPct val="0"/>
+              </a:spcAft>
+              <a:buClr>
+                <a:srgbClr val="009900"/>
+              </a:buClr>
+              <a:buFont typeface="Wingdings" pitchFamily="2" charset="2"/>
+              <a:buChar char="§"/>
+              <a:defRPr kumimoji="1" sz="1833" b="1">
+                <a:solidFill>
+                  <a:schemeClr val="tx1"/>
+                </a:solidFill>
+                <a:latin typeface="+mn-lt"/>
+                <a:ea typeface="맑은 고딕" pitchFamily="50" charset="-127"/>
+              </a:defRPr>
+            </a:lvl4pPr>
+            <a:lvl5pPr marL="1714431" indent="-190492" algn="l" rtl="0" eaLnBrk="1" fontAlgn="base" latinLnBrk="1" hangingPunct="1">
+              <a:spcBef>
+                <a:spcPct val="20000"/>
+              </a:spcBef>
+              <a:spcAft>
+                <a:spcPct val="0"/>
+              </a:spcAft>
+              <a:buClr>
+                <a:schemeClr val="tx1"/>
+              </a:buClr>
+              <a:buFont typeface="Wingdings" pitchFamily="2" charset="2"/>
+              <a:buChar char="§"/>
+              <a:defRPr kumimoji="1" sz="1667" b="1">
+                <a:solidFill>
+                  <a:schemeClr val="tx1"/>
+                </a:solidFill>
+                <a:latin typeface="+mn-lt"/>
+                <a:ea typeface="맑은 고딕" pitchFamily="50" charset="-127"/>
+              </a:defRPr>
+            </a:lvl5pPr>
+            <a:lvl6pPr marL="2095416" indent="-190492" algn="l" rtl="0" eaLnBrk="1" fontAlgn="base" latinLnBrk="1" hangingPunct="1">
+              <a:spcBef>
+                <a:spcPct val="20000"/>
+              </a:spcBef>
+              <a:spcAft>
+                <a:spcPct val="0"/>
+              </a:spcAft>
+              <a:buClr>
+                <a:schemeClr val="tx1"/>
+              </a:buClr>
+              <a:buFont typeface="Wingdings" pitchFamily="2" charset="2"/>
+              <a:buChar char="§"/>
+              <a:defRPr kumimoji="1" sz="1667" b="1">
+                <a:solidFill>
+                  <a:schemeClr val="tx1"/>
+                </a:solidFill>
+                <a:latin typeface="+mn-lt"/>
+                <a:ea typeface="+mn-ea"/>
+              </a:defRPr>
+            </a:lvl6pPr>
+            <a:lvl7pPr marL="2476401" indent="-190492" algn="l" rtl="0" eaLnBrk="1" fontAlgn="base" latinLnBrk="1" hangingPunct="1">
+              <a:spcBef>
+                <a:spcPct val="20000"/>
+              </a:spcBef>
+              <a:spcAft>
+                <a:spcPct val="0"/>
+              </a:spcAft>
+              <a:buClr>
+                <a:schemeClr val="tx1"/>
+              </a:buClr>
+              <a:buFont typeface="Wingdings" pitchFamily="2" charset="2"/>
+              <a:buChar char="§"/>
+              <a:defRPr kumimoji="1" sz="1667" b="1">
+                <a:solidFill>
+                  <a:schemeClr val="tx1"/>
+                </a:solidFill>
+                <a:latin typeface="+mn-lt"/>
+                <a:ea typeface="+mn-ea"/>
+              </a:defRPr>
+            </a:lvl7pPr>
+            <a:lvl8pPr marL="2857386" indent="-190492" algn="l" rtl="0" eaLnBrk="1" fontAlgn="base" latinLnBrk="1" hangingPunct="1">
+              <a:spcBef>
+                <a:spcPct val="20000"/>
+              </a:spcBef>
+              <a:spcAft>
+                <a:spcPct val="0"/>
+              </a:spcAft>
+              <a:buClr>
+                <a:schemeClr val="tx1"/>
+              </a:buClr>
+              <a:buFont typeface="Wingdings" pitchFamily="2" charset="2"/>
+              <a:buChar char="§"/>
+              <a:defRPr kumimoji="1" sz="1667" b="1">
+                <a:solidFill>
+                  <a:schemeClr val="tx1"/>
+                </a:solidFill>
+                <a:latin typeface="+mn-lt"/>
+                <a:ea typeface="+mn-ea"/>
+              </a:defRPr>
+            </a:lvl8pPr>
+            <a:lvl9pPr marL="3238370" indent="-190492" algn="l" rtl="0" eaLnBrk="1" fontAlgn="base" latinLnBrk="1" hangingPunct="1">
+              <a:spcBef>
+                <a:spcPct val="20000"/>
+              </a:spcBef>
+              <a:spcAft>
+                <a:spcPct val="0"/>
+              </a:spcAft>
+              <a:buClr>
+                <a:schemeClr val="tx1"/>
+              </a:buClr>
+              <a:buFont typeface="Wingdings" pitchFamily="2" charset="2"/>
+              <a:buChar char="§"/>
+              <a:defRPr kumimoji="1" sz="1667" b="1">
+                <a:solidFill>
+                  <a:schemeClr val="tx1"/>
+                </a:solidFill>
+                <a:latin typeface="+mn-lt"/>
+                <a:ea typeface="+mn-ea"/>
+              </a:defRPr>
+            </a:lvl9pPr>
+          </a:lstStyle>
+          <a:p>
+            <a:r>
+              <a:rPr lang="ko-KR" altLang="en-US" kern="0" dirty="0"/>
+              <a:t>기본 소스 코드</a:t>
+            </a:r>
+            <a:r>
+              <a:rPr lang="en-US" altLang="ko-KR" kern="0" dirty="0"/>
+              <a:t>3</a:t>
+            </a:r>
+          </a:p>
+          <a:p>
+            <a:endParaRPr lang="en-US" altLang="ko-KR" kern="0" dirty="0"/>
+          </a:p>
+          <a:p>
+            <a:endParaRPr lang="en-US" altLang="ko-KR" kern="0" dirty="0"/>
+          </a:p>
+          <a:p>
+            <a:endParaRPr lang="en-US" altLang="ko-KR" kern="0" dirty="0"/>
+          </a:p>
+          <a:p>
+            <a:pPr marL="380985" lvl="1" indent="0">
+              <a:buNone/>
+            </a:pPr>
+            <a:endParaRPr lang="en-US" altLang="ko-KR" i="1" kern="0" dirty="0"/>
+          </a:p>
+        </p:txBody>
+      </p:sp>
+      <p:sp>
+        <p:nvSpPr>
+          <p:cNvPr id="17" name="직사각형 16">
+            <a:extLst>
+              <a:ext uri="{FF2B5EF4-FFF2-40B4-BE49-F238E27FC236}">
+                <a16:creationId xmlns:a16="http://schemas.microsoft.com/office/drawing/2014/main" id="{37B6A976-0770-5D54-2288-410BC6D6EB0A}"/>
+              </a:ext>
+            </a:extLst>
+          </p:cNvPr>
+          <p:cNvSpPr/>
+          <p:nvPr/>
+        </p:nvSpPr>
+        <p:spPr>
+          <a:xfrm>
+            <a:off x="4769429" y="1527023"/>
+            <a:ext cx="4235896" cy="1077218"/>
+          </a:xfrm>
+          <a:prstGeom prst="rect">
+            <a:avLst/>
+          </a:prstGeom>
+        </p:spPr>
+        <p:txBody>
+          <a:bodyPr wrap="square">
+            <a:spAutoFit/>
+          </a:bodyPr>
+          <a:lstStyle/>
+          <a:p>
+            <a:r>
+              <a:rPr lang="en-US" altLang="ko-KR" sz="1600" b="0" dirty="0">
+                <a:effectLst/>
+                <a:latin typeface="ubuntu mono derivative powerline" panose="020B0509030602030204" pitchFamily="49" charset="0"/>
+              </a:rPr>
+              <a:t>lv = []</a:t>
+            </a:r>
+          </a:p>
+          <a:p>
+            <a:r>
+              <a:rPr lang="en-US" altLang="ko-KR" sz="1600" b="0" dirty="0">
+                <a:effectLst/>
+                <a:latin typeface="ubuntu mono derivative powerline" panose="020B0509030602030204" pitchFamily="49" charset="0"/>
+              </a:rPr>
+              <a:t>for </a:t>
+            </a:r>
+            <a:r>
+              <a:rPr lang="en-US" altLang="ko-KR" sz="1600" b="0" dirty="0" err="1">
+                <a:effectLst/>
+                <a:latin typeface="ubuntu mono derivative powerline" panose="020B0509030602030204" pitchFamily="49" charset="0"/>
+              </a:rPr>
+              <a:t>i</a:t>
+            </a:r>
+            <a:r>
+              <a:rPr lang="en-US" altLang="ko-KR" sz="1600" b="0" dirty="0">
+                <a:effectLst/>
+                <a:latin typeface="ubuntu mono derivative powerline" panose="020B0509030602030204" pitchFamily="49" charset="0"/>
+              </a:rPr>
+              <a:t> in </a:t>
+            </a:r>
+            <a:r>
+              <a:rPr lang="en-US" altLang="ko-KR" sz="1600" b="0" dirty="0">
+                <a:solidFill>
+                  <a:srgbClr val="0000FF"/>
+                </a:solidFill>
+                <a:effectLst/>
+                <a:latin typeface="ubuntu mono derivative powerline" panose="020B0509030602030204" pitchFamily="49" charset="0"/>
+              </a:rPr>
+              <a:t>reversed</a:t>
+            </a:r>
+            <a:r>
+              <a:rPr lang="en-US" altLang="ko-KR" sz="1600" b="0" dirty="0">
+                <a:effectLst/>
+                <a:latin typeface="ubuntu mono derivative powerline" panose="020B0509030602030204" pitchFamily="49" charset="0"/>
+              </a:rPr>
+              <a:t>(</a:t>
+            </a:r>
+            <a:r>
+              <a:rPr lang="en-US" altLang="ko-KR" sz="1600" b="0" dirty="0">
+                <a:solidFill>
+                  <a:srgbClr val="0000FF"/>
+                </a:solidFill>
+                <a:effectLst/>
+                <a:latin typeface="ubuntu mono derivative powerline" panose="020B0509030602030204" pitchFamily="49" charset="0"/>
+              </a:rPr>
+              <a:t>range</a:t>
+            </a:r>
+            <a:r>
+              <a:rPr lang="en-US" altLang="ko-KR" sz="1600" b="0" dirty="0">
+                <a:effectLst/>
+                <a:latin typeface="ubuntu mono derivative powerline" panose="020B0509030602030204" pitchFamily="49" charset="0"/>
+              </a:rPr>
+              <a:t>(8)):</a:t>
+            </a:r>
+          </a:p>
+          <a:p>
+            <a:r>
+              <a:rPr lang="en-US" altLang="ko-KR" sz="1600" b="0" dirty="0">
+                <a:effectLst/>
+                <a:latin typeface="ubuntu mono derivative powerline" panose="020B0509030602030204" pitchFamily="49" charset="0"/>
+              </a:rPr>
+              <a:t>    </a:t>
+            </a:r>
+            <a:r>
+              <a:rPr lang="en-US" altLang="ko-KR" sz="1600" b="0" dirty="0" err="1">
+                <a:effectLst/>
+                <a:latin typeface="ubuntu mono derivative powerline" panose="020B0509030602030204" pitchFamily="49" charset="0"/>
+              </a:rPr>
+              <a:t>lv.</a:t>
+            </a:r>
+            <a:r>
+              <a:rPr lang="en-US" altLang="ko-KR" sz="1600" b="0" dirty="0" err="1">
+                <a:solidFill>
+                  <a:srgbClr val="0000FF"/>
+                </a:solidFill>
+                <a:effectLst/>
+                <a:latin typeface="ubuntu mono derivative powerline" panose="020B0509030602030204" pitchFamily="49" charset="0"/>
+              </a:rPr>
+              <a:t>append</a:t>
+            </a:r>
+            <a:r>
+              <a:rPr lang="en-US" altLang="ko-KR" sz="1600" b="0" dirty="0">
+                <a:effectLst/>
+                <a:latin typeface="ubuntu mono derivative powerline" panose="020B0509030602030204" pitchFamily="49" charset="0"/>
+              </a:rPr>
+              <a:t>(tv[</a:t>
+            </a:r>
+            <a:r>
+              <a:rPr lang="en-US" altLang="ko-KR" sz="1600" b="0" dirty="0" err="1">
+                <a:effectLst/>
+                <a:latin typeface="ubuntu mono derivative powerline" panose="020B0509030602030204" pitchFamily="49" charset="0"/>
+              </a:rPr>
+              <a:t>i</a:t>
+            </a:r>
+            <a:r>
+              <a:rPr lang="en-US" altLang="ko-KR" sz="1600" b="0" dirty="0">
+                <a:effectLst/>
+                <a:latin typeface="ubuntu mono derivative powerline" panose="020B0509030602030204" pitchFamily="49" charset="0"/>
+              </a:rPr>
+              <a:t>])</a:t>
+            </a:r>
+          </a:p>
+          <a:p>
+            <a:r>
+              <a:rPr lang="en-US" altLang="ko-KR" sz="1600" b="0" dirty="0">
+                <a:solidFill>
+                  <a:srgbClr val="0000FF"/>
+                </a:solidFill>
+                <a:effectLst/>
+                <a:latin typeface="ubuntu mono derivative powerline" panose="020B0509030602030204" pitchFamily="49" charset="0"/>
+              </a:rPr>
+              <a:t>print</a:t>
+            </a:r>
+            <a:r>
+              <a:rPr lang="en-US" altLang="ko-KR" sz="1600" b="0" dirty="0">
+                <a:effectLst/>
+                <a:latin typeface="ubuntu mono derivative powerline" panose="020B0509030602030204" pitchFamily="49" charset="0"/>
+              </a:rPr>
+              <a:t>(lv)</a:t>
+            </a:r>
+          </a:p>
+        </p:txBody>
+      </p:sp>
+      <p:pic>
+        <p:nvPicPr>
+          <p:cNvPr id="8" name="그림 7">
+            <a:extLst>
+              <a:ext uri="{FF2B5EF4-FFF2-40B4-BE49-F238E27FC236}">
+                <a16:creationId xmlns:a16="http://schemas.microsoft.com/office/drawing/2014/main" id="{AA01B33A-EB6E-9EA2-2E44-430402B5AD51}"/>
+              </a:ext>
+            </a:extLst>
+          </p:cNvPr>
+          <p:cNvPicPr>
+            <a:picLocks noChangeAspect="1"/>
+          </p:cNvPicPr>
+          <p:nvPr/>
+        </p:nvPicPr>
+        <p:blipFill>
+          <a:blip r:embed="rId3"/>
+          <a:stretch>
+            <a:fillRect/>
+          </a:stretch>
+        </p:blipFill>
+        <p:spPr>
+          <a:xfrm>
+            <a:off x="987931" y="3298274"/>
+            <a:ext cx="1676634" cy="190527"/>
+          </a:xfrm>
+          <a:prstGeom prst="rect">
+            <a:avLst/>
+          </a:prstGeom>
+        </p:spPr>
+      </p:pic>
+      <p:sp>
+        <p:nvSpPr>
+          <p:cNvPr id="10" name="직사각형 9">
+            <a:extLst>
+              <a:ext uri="{FF2B5EF4-FFF2-40B4-BE49-F238E27FC236}">
+                <a16:creationId xmlns:a16="http://schemas.microsoft.com/office/drawing/2014/main" id="{40E8BAB2-4CB4-0149-A85D-13AF91FD0C57}"/>
+              </a:ext>
+            </a:extLst>
+          </p:cNvPr>
+          <p:cNvSpPr/>
+          <p:nvPr/>
+        </p:nvSpPr>
+        <p:spPr>
+          <a:xfrm>
+            <a:off x="914400" y="4271923"/>
+            <a:ext cx="3681139" cy="338554"/>
+          </a:xfrm>
+          <a:prstGeom prst="rect">
+            <a:avLst/>
+          </a:prstGeom>
+        </p:spPr>
+        <p:txBody>
+          <a:bodyPr wrap="square">
+            <a:spAutoFit/>
+          </a:bodyPr>
+          <a:lstStyle/>
+          <a:p>
+            <a:r>
+              <a:rPr lang="en-US" altLang="ko-KR" sz="1600" b="0" dirty="0">
+                <a:solidFill>
+                  <a:srgbClr val="00B050"/>
+                </a:solidFill>
+                <a:effectLst/>
+                <a:latin typeface="ubuntu mono derivative powerline" panose="020B0509030602030204" pitchFamily="49" charset="0"/>
+              </a:rPr>
+              <a:t>list</a:t>
+            </a:r>
+            <a:r>
+              <a:rPr lang="en-US" altLang="ko-KR" sz="1600" b="0" dirty="0">
+                <a:effectLst/>
+                <a:latin typeface="ubuntu mono derivative powerline" panose="020B0509030602030204" pitchFamily="49" charset="0"/>
+              </a:rPr>
+              <a:t>(</a:t>
+            </a:r>
+            <a:r>
+              <a:rPr lang="en-US" altLang="ko-KR" sz="1600" b="0" dirty="0">
+                <a:solidFill>
+                  <a:srgbClr val="0000FF"/>
+                </a:solidFill>
+                <a:effectLst/>
+                <a:latin typeface="ubuntu mono derivative powerline" panose="020B0509030602030204" pitchFamily="49" charset="0"/>
+              </a:rPr>
+              <a:t>range</a:t>
+            </a:r>
+            <a:r>
+              <a:rPr lang="en-US" altLang="ko-KR" sz="1600" b="0" dirty="0">
+                <a:effectLst/>
+                <a:latin typeface="ubuntu mono derivative powerline" panose="020B0509030602030204" pitchFamily="49" charset="0"/>
+              </a:rPr>
+              <a:t>(7,-1,-1))</a:t>
+            </a:r>
+          </a:p>
+        </p:txBody>
+      </p:sp>
+      <p:pic>
+        <p:nvPicPr>
+          <p:cNvPr id="15" name="그림 14">
+            <a:extLst>
+              <a:ext uri="{FF2B5EF4-FFF2-40B4-BE49-F238E27FC236}">
+                <a16:creationId xmlns:a16="http://schemas.microsoft.com/office/drawing/2014/main" id="{B9EA17D7-C1D7-EAD4-A805-D0FE18D18A74}"/>
+              </a:ext>
+            </a:extLst>
+          </p:cNvPr>
+          <p:cNvPicPr>
+            <a:picLocks noChangeAspect="1"/>
+          </p:cNvPicPr>
+          <p:nvPr/>
+        </p:nvPicPr>
+        <p:blipFill>
+          <a:blip r:embed="rId3"/>
+          <a:stretch>
+            <a:fillRect/>
+          </a:stretch>
+        </p:blipFill>
+        <p:spPr>
+          <a:xfrm>
+            <a:off x="987931" y="4672132"/>
+            <a:ext cx="1676634" cy="190527"/>
+          </a:xfrm>
+          <a:prstGeom prst="rect">
+            <a:avLst/>
+          </a:prstGeom>
+        </p:spPr>
+      </p:pic>
+      <p:pic>
+        <p:nvPicPr>
+          <p:cNvPr id="19" name="그림 18">
+            <a:extLst>
+              <a:ext uri="{FF2B5EF4-FFF2-40B4-BE49-F238E27FC236}">
+                <a16:creationId xmlns:a16="http://schemas.microsoft.com/office/drawing/2014/main" id="{4C321427-5856-4352-B198-8171BA23866E}"/>
+              </a:ext>
+            </a:extLst>
+          </p:cNvPr>
+          <p:cNvPicPr>
+            <a:picLocks noChangeAspect="1"/>
+          </p:cNvPicPr>
+          <p:nvPr/>
+        </p:nvPicPr>
+        <p:blipFill>
+          <a:blip r:embed="rId4"/>
+          <a:stretch>
+            <a:fillRect/>
+          </a:stretch>
+        </p:blipFill>
+        <p:spPr>
+          <a:xfrm>
+            <a:off x="4856682" y="2585162"/>
+            <a:ext cx="2029108" cy="209579"/>
+          </a:xfrm>
+          <a:prstGeom prst="rect">
+            <a:avLst/>
+          </a:prstGeom>
+        </p:spPr>
+      </p:pic>
+      <p:sp>
+        <p:nvSpPr>
+          <p:cNvPr id="22" name="내용 개체 틀 8">
+            <a:extLst>
+              <a:ext uri="{FF2B5EF4-FFF2-40B4-BE49-F238E27FC236}">
+                <a16:creationId xmlns:a16="http://schemas.microsoft.com/office/drawing/2014/main" id="{FDAF7A49-DB52-D4DB-ECC4-AB9D0E534226}"/>
+              </a:ext>
+            </a:extLst>
+          </p:cNvPr>
+          <p:cNvSpPr txBox="1">
+            <a:spLocks/>
+          </p:cNvSpPr>
+          <p:nvPr/>
+        </p:nvSpPr>
+        <p:spPr>
+          <a:xfrm>
+            <a:off x="4543061" y="2972551"/>
+            <a:ext cx="4462264" cy="1714092"/>
+          </a:xfrm>
+          <a:prstGeom prst="rect">
+            <a:avLst/>
+          </a:prstGeom>
+        </p:spPr>
+        <p:txBody>
+          <a:bodyPr/>
+          <a:lstStyle>
+            <a:lvl1pPr marL="285739" indent="-285739" algn="l" rtl="0" eaLnBrk="1" fontAlgn="base" latinLnBrk="1" hangingPunct="1">
+              <a:spcBef>
+                <a:spcPct val="20000"/>
+              </a:spcBef>
+              <a:spcAft>
+                <a:spcPct val="0"/>
+              </a:spcAft>
+              <a:buClr>
+                <a:srgbClr val="0000FF"/>
+              </a:buClr>
+              <a:buSzPct val="90000"/>
+              <a:buFont typeface="Wingdings" pitchFamily="2" charset="2"/>
+              <a:buChar char="n"/>
+              <a:defRPr kumimoji="1" sz="2333" b="1">
+                <a:solidFill>
+                  <a:schemeClr val="tx1"/>
+                </a:solidFill>
+                <a:latin typeface="+mn-lt"/>
+                <a:ea typeface="맑은 고딕" pitchFamily="50" charset="-127"/>
+                <a:cs typeface="+mn-cs"/>
+              </a:defRPr>
+            </a:lvl1pPr>
+            <a:lvl2pPr marL="619100" indent="-238115" algn="l" rtl="0" eaLnBrk="1" fontAlgn="base" latinLnBrk="1" hangingPunct="1">
+              <a:spcBef>
+                <a:spcPct val="20000"/>
+              </a:spcBef>
+              <a:spcAft>
+                <a:spcPct val="0"/>
+              </a:spcAft>
+              <a:buClr>
+                <a:schemeClr val="hlink"/>
+              </a:buClr>
+              <a:buSzPct val="75000"/>
+              <a:buFont typeface="Wingdings" pitchFamily="2" charset="2"/>
+              <a:buChar char="u"/>
+              <a:defRPr kumimoji="1" sz="2167" b="1">
+                <a:solidFill>
+                  <a:schemeClr val="tx1"/>
+                </a:solidFill>
+                <a:latin typeface="+mn-lt"/>
+                <a:ea typeface="맑은 고딕" pitchFamily="50" charset="-127"/>
+              </a:defRPr>
+            </a:lvl2pPr>
+            <a:lvl3pPr marL="952462" indent="-190492" algn="l" rtl="0" eaLnBrk="1" fontAlgn="base" latinLnBrk="1" hangingPunct="1">
+              <a:spcBef>
+                <a:spcPct val="20000"/>
+              </a:spcBef>
+              <a:spcAft>
+                <a:spcPct val="0"/>
+              </a:spcAft>
+              <a:buClr>
+                <a:srgbClr val="3399FF"/>
+              </a:buClr>
+              <a:buSzPct val="55000"/>
+              <a:buFont typeface="Wingdings" pitchFamily="2" charset="2"/>
+              <a:buChar char="l"/>
+              <a:defRPr kumimoji="1" sz="2000" b="1">
+                <a:solidFill>
+                  <a:schemeClr val="tx1"/>
+                </a:solidFill>
+                <a:latin typeface="+mn-lt"/>
+                <a:ea typeface="맑은 고딕" pitchFamily="50" charset="-127"/>
+              </a:defRPr>
+            </a:lvl3pPr>
+            <a:lvl4pPr marL="1333447" indent="-190492" algn="l" rtl="0" eaLnBrk="1" fontAlgn="base" latinLnBrk="1" hangingPunct="1">
+              <a:spcBef>
+                <a:spcPct val="20000"/>
+              </a:spcBef>
+              <a:spcAft>
+                <a:spcPct val="0"/>
+              </a:spcAft>
+              <a:buClr>
+                <a:srgbClr val="009900"/>
+              </a:buClr>
+              <a:buFont typeface="Wingdings" pitchFamily="2" charset="2"/>
+              <a:buChar char="§"/>
+              <a:defRPr kumimoji="1" sz="1833" b="1">
+                <a:solidFill>
+                  <a:schemeClr val="tx1"/>
+                </a:solidFill>
+                <a:latin typeface="+mn-lt"/>
+                <a:ea typeface="맑은 고딕" pitchFamily="50" charset="-127"/>
+              </a:defRPr>
+            </a:lvl4pPr>
+            <a:lvl5pPr marL="1714431" indent="-190492" algn="l" rtl="0" eaLnBrk="1" fontAlgn="base" latinLnBrk="1" hangingPunct="1">
+              <a:spcBef>
+                <a:spcPct val="20000"/>
+              </a:spcBef>
+              <a:spcAft>
+                <a:spcPct val="0"/>
+              </a:spcAft>
+              <a:buClr>
+                <a:schemeClr val="tx1"/>
+              </a:buClr>
+              <a:buFont typeface="Wingdings" pitchFamily="2" charset="2"/>
+              <a:buChar char="§"/>
+              <a:defRPr kumimoji="1" sz="1667" b="1">
+                <a:solidFill>
+                  <a:schemeClr val="tx1"/>
+                </a:solidFill>
+                <a:latin typeface="+mn-lt"/>
+                <a:ea typeface="맑은 고딕" pitchFamily="50" charset="-127"/>
+              </a:defRPr>
+            </a:lvl5pPr>
+            <a:lvl6pPr marL="2095416" indent="-190492" algn="l" rtl="0" eaLnBrk="1" fontAlgn="base" latinLnBrk="1" hangingPunct="1">
+              <a:spcBef>
+                <a:spcPct val="20000"/>
+              </a:spcBef>
+              <a:spcAft>
+                <a:spcPct val="0"/>
+              </a:spcAft>
+              <a:buClr>
+                <a:schemeClr val="tx1"/>
+              </a:buClr>
+              <a:buFont typeface="Wingdings" pitchFamily="2" charset="2"/>
+              <a:buChar char="§"/>
+              <a:defRPr kumimoji="1" sz="1667" b="1">
+                <a:solidFill>
+                  <a:schemeClr val="tx1"/>
+                </a:solidFill>
+                <a:latin typeface="+mn-lt"/>
+                <a:ea typeface="+mn-ea"/>
+              </a:defRPr>
+            </a:lvl6pPr>
+            <a:lvl7pPr marL="2476401" indent="-190492" algn="l" rtl="0" eaLnBrk="1" fontAlgn="base" latinLnBrk="1" hangingPunct="1">
+              <a:spcBef>
+                <a:spcPct val="20000"/>
+              </a:spcBef>
+              <a:spcAft>
+                <a:spcPct val="0"/>
+              </a:spcAft>
+              <a:buClr>
+                <a:schemeClr val="tx1"/>
+              </a:buClr>
+              <a:buFont typeface="Wingdings" pitchFamily="2" charset="2"/>
+              <a:buChar char="§"/>
+              <a:defRPr kumimoji="1" sz="1667" b="1">
+                <a:solidFill>
+                  <a:schemeClr val="tx1"/>
+                </a:solidFill>
+                <a:latin typeface="+mn-lt"/>
+                <a:ea typeface="+mn-ea"/>
+              </a:defRPr>
+            </a:lvl7pPr>
+            <a:lvl8pPr marL="2857386" indent="-190492" algn="l" rtl="0" eaLnBrk="1" fontAlgn="base" latinLnBrk="1" hangingPunct="1">
+              <a:spcBef>
+                <a:spcPct val="20000"/>
+              </a:spcBef>
+              <a:spcAft>
+                <a:spcPct val="0"/>
+              </a:spcAft>
+              <a:buClr>
+                <a:schemeClr val="tx1"/>
+              </a:buClr>
+              <a:buFont typeface="Wingdings" pitchFamily="2" charset="2"/>
+              <a:buChar char="§"/>
+              <a:defRPr kumimoji="1" sz="1667" b="1">
+                <a:solidFill>
+                  <a:schemeClr val="tx1"/>
+                </a:solidFill>
+                <a:latin typeface="+mn-lt"/>
+                <a:ea typeface="+mn-ea"/>
+              </a:defRPr>
+            </a:lvl8pPr>
+            <a:lvl9pPr marL="3238370" indent="-190492" algn="l" rtl="0" eaLnBrk="1" fontAlgn="base" latinLnBrk="1" hangingPunct="1">
+              <a:spcBef>
+                <a:spcPct val="20000"/>
+              </a:spcBef>
+              <a:spcAft>
+                <a:spcPct val="0"/>
+              </a:spcAft>
+              <a:buClr>
+                <a:schemeClr val="tx1"/>
+              </a:buClr>
+              <a:buFont typeface="Wingdings" pitchFamily="2" charset="2"/>
+              <a:buChar char="§"/>
+              <a:defRPr kumimoji="1" sz="1667" b="1">
+                <a:solidFill>
+                  <a:schemeClr val="tx1"/>
+                </a:solidFill>
+                <a:latin typeface="+mn-lt"/>
+                <a:ea typeface="+mn-ea"/>
+              </a:defRPr>
+            </a:lvl9pPr>
+          </a:lstStyle>
+          <a:p>
+            <a:r>
+              <a:rPr lang="ko-KR" altLang="en-US" kern="0" dirty="0"/>
+              <a:t>기본 소스 코드</a:t>
+            </a:r>
+            <a:r>
+              <a:rPr lang="en-US" altLang="ko-KR" kern="0" dirty="0"/>
+              <a:t>4</a:t>
+            </a:r>
+          </a:p>
+          <a:p>
+            <a:endParaRPr lang="en-US" altLang="ko-KR" kern="0" dirty="0"/>
+          </a:p>
+          <a:p>
+            <a:endParaRPr lang="en-US" altLang="ko-KR" kern="0" dirty="0"/>
+          </a:p>
+          <a:p>
+            <a:endParaRPr lang="en-US" altLang="ko-KR" kern="0" dirty="0"/>
+          </a:p>
+          <a:p>
+            <a:pPr marL="380985" lvl="1" indent="0">
+              <a:buNone/>
+            </a:pPr>
+            <a:endParaRPr lang="en-US" altLang="ko-KR" i="1" kern="0" dirty="0"/>
+          </a:p>
+        </p:txBody>
+      </p:sp>
+      <p:sp>
+        <p:nvSpPr>
+          <p:cNvPr id="24" name="직사각형 23">
+            <a:extLst>
+              <a:ext uri="{FF2B5EF4-FFF2-40B4-BE49-F238E27FC236}">
+                <a16:creationId xmlns:a16="http://schemas.microsoft.com/office/drawing/2014/main" id="{33BE8E78-5198-35BE-E1DD-96C684F4FB52}"/>
+              </a:ext>
+            </a:extLst>
+          </p:cNvPr>
+          <p:cNvSpPr/>
+          <p:nvPr/>
+        </p:nvSpPr>
+        <p:spPr>
+          <a:xfrm>
+            <a:off x="4766740" y="3319489"/>
+            <a:ext cx="4235896" cy="584775"/>
+          </a:xfrm>
+          <a:prstGeom prst="rect">
+            <a:avLst/>
+          </a:prstGeom>
+        </p:spPr>
+        <p:txBody>
+          <a:bodyPr wrap="square">
+            <a:spAutoFit/>
+          </a:bodyPr>
+          <a:lstStyle/>
+          <a:p>
+            <a:r>
+              <a:rPr lang="en-US" altLang="ko-KR" sz="1600" b="0" dirty="0">
+                <a:effectLst/>
+                <a:latin typeface="ubuntu mono derivative powerline" panose="020B0509030602030204" pitchFamily="49" charset="0"/>
+              </a:rPr>
+              <a:t>lv = tv[::-1]</a:t>
+            </a:r>
+          </a:p>
+          <a:p>
+            <a:r>
+              <a:rPr lang="en-US" altLang="ko-KR" sz="1600" b="0" dirty="0">
+                <a:solidFill>
+                  <a:srgbClr val="0000FF"/>
+                </a:solidFill>
+                <a:effectLst/>
+                <a:latin typeface="ubuntu mono derivative powerline" panose="020B0509030602030204" pitchFamily="49" charset="0"/>
+              </a:rPr>
+              <a:t>print</a:t>
+            </a:r>
+            <a:r>
+              <a:rPr lang="en-US" altLang="ko-KR" sz="1600" b="0" dirty="0">
+                <a:effectLst/>
+                <a:latin typeface="ubuntu mono derivative powerline" panose="020B0509030602030204" pitchFamily="49" charset="0"/>
+              </a:rPr>
+              <a:t>(lv)</a:t>
+            </a:r>
+          </a:p>
+        </p:txBody>
+      </p:sp>
+      <p:pic>
+        <p:nvPicPr>
+          <p:cNvPr id="26" name="그림 25">
+            <a:extLst>
+              <a:ext uri="{FF2B5EF4-FFF2-40B4-BE49-F238E27FC236}">
+                <a16:creationId xmlns:a16="http://schemas.microsoft.com/office/drawing/2014/main" id="{9C9EF91E-743F-80CB-991D-D338D193858E}"/>
+              </a:ext>
+            </a:extLst>
+          </p:cNvPr>
+          <p:cNvPicPr>
+            <a:picLocks noChangeAspect="1"/>
+          </p:cNvPicPr>
+          <p:nvPr/>
+        </p:nvPicPr>
+        <p:blipFill>
+          <a:blip r:embed="rId4"/>
+          <a:stretch>
+            <a:fillRect/>
+          </a:stretch>
+        </p:blipFill>
+        <p:spPr>
+          <a:xfrm>
+            <a:off x="4855580" y="3927626"/>
+            <a:ext cx="2029108" cy="209579"/>
+          </a:xfrm>
+          <a:prstGeom prst="rect">
+            <a:avLst/>
+          </a:prstGeom>
+        </p:spPr>
+      </p:pic>
+    </p:spTree>
+    <p:extLst>
+      <p:ext uri="{BB962C8B-B14F-4D97-AF65-F5344CB8AC3E}">
+        <p14:creationId xmlns:p14="http://schemas.microsoft.com/office/powerpoint/2010/main" val="404289240"/>
+      </p:ext>
+    </p:extLst>
+  </p:cSld>
+  <p:clrMapOvr>
+    <a:masterClrMapping/>
+  </p:clrMapOvr>
+</p:sld>
+</file>
+
+<file path=ppt/slides/slide17.xml><?xml version="1.0" encoding="utf-8"?>
+<p:sld xmlns:a="http://schemas.openxmlformats.org/drawingml/2006/main" xmlns:r="http://schemas.openxmlformats.org/officeDocument/2006/relationships" xmlns:p="http://schemas.openxmlformats.org/presentationml/2006/main">
+  <p:cSld>
+    <p:spTree>
+      <p:nvGrpSpPr>
+        <p:cNvPr id="1" name=""/>
+        <p:cNvGrpSpPr/>
+        <p:nvPr/>
+      </p:nvGrpSpPr>
+      <p:grpSpPr>
+        <a:xfrm>
+          <a:off x="0" y="0"/>
+          <a:ext cx="0" cy="0"/>
+          <a:chOff x="0" y="0"/>
+          <a:chExt cx="0" cy="0"/>
+        </a:xfrm>
+      </p:grpSpPr>
+      <p:sp>
+        <p:nvSpPr>
+          <p:cNvPr id="16" name="내용 개체 틀 8">
+            <a:extLst>
+              <a:ext uri="{FF2B5EF4-FFF2-40B4-BE49-F238E27FC236}">
+                <a16:creationId xmlns:a16="http://schemas.microsoft.com/office/drawing/2014/main" id="{7325C28C-8F09-B1F7-5EF0-ADB75134F241}"/>
+              </a:ext>
+            </a:extLst>
+          </p:cNvPr>
+          <p:cNvSpPr txBox="1">
+            <a:spLocks/>
+          </p:cNvSpPr>
+          <p:nvPr/>
+        </p:nvSpPr>
+        <p:spPr>
+          <a:xfrm>
+            <a:off x="690801" y="4187204"/>
+            <a:ext cx="4462264" cy="1440301"/>
+          </a:xfrm>
+          <a:prstGeom prst="rect">
+            <a:avLst/>
+          </a:prstGeom>
+        </p:spPr>
+        <p:txBody>
+          <a:bodyPr/>
+          <a:lstStyle>
+            <a:lvl1pPr marL="285739" indent="-285739" algn="l" rtl="0" eaLnBrk="1" fontAlgn="base" latinLnBrk="1" hangingPunct="1">
+              <a:spcBef>
+                <a:spcPct val="20000"/>
+              </a:spcBef>
+              <a:spcAft>
+                <a:spcPct val="0"/>
+              </a:spcAft>
+              <a:buClr>
+                <a:srgbClr val="0000FF"/>
+              </a:buClr>
+              <a:buSzPct val="90000"/>
+              <a:buFont typeface="Wingdings" pitchFamily="2" charset="2"/>
+              <a:buChar char="n"/>
+              <a:defRPr kumimoji="1" sz="2333" b="1">
+                <a:solidFill>
+                  <a:schemeClr val="tx1"/>
+                </a:solidFill>
+                <a:latin typeface="+mn-lt"/>
+                <a:ea typeface="맑은 고딕" pitchFamily="50" charset="-127"/>
+                <a:cs typeface="+mn-cs"/>
+              </a:defRPr>
+            </a:lvl1pPr>
+            <a:lvl2pPr marL="619100" indent="-238115" algn="l" rtl="0" eaLnBrk="1" fontAlgn="base" latinLnBrk="1" hangingPunct="1">
+              <a:spcBef>
+                <a:spcPct val="20000"/>
+              </a:spcBef>
+              <a:spcAft>
+                <a:spcPct val="0"/>
+              </a:spcAft>
+              <a:buClr>
+                <a:schemeClr val="hlink"/>
+              </a:buClr>
+              <a:buSzPct val="75000"/>
+              <a:buFont typeface="Wingdings" pitchFamily="2" charset="2"/>
+              <a:buChar char="u"/>
+              <a:defRPr kumimoji="1" sz="2167" b="1">
+                <a:solidFill>
+                  <a:schemeClr val="tx1"/>
+                </a:solidFill>
+                <a:latin typeface="+mn-lt"/>
+                <a:ea typeface="맑은 고딕" pitchFamily="50" charset="-127"/>
+              </a:defRPr>
+            </a:lvl2pPr>
+            <a:lvl3pPr marL="952462" indent="-190492" algn="l" rtl="0" eaLnBrk="1" fontAlgn="base" latinLnBrk="1" hangingPunct="1">
+              <a:spcBef>
+                <a:spcPct val="20000"/>
+              </a:spcBef>
+              <a:spcAft>
+                <a:spcPct val="0"/>
+              </a:spcAft>
+              <a:buClr>
+                <a:srgbClr val="3399FF"/>
+              </a:buClr>
+              <a:buSzPct val="55000"/>
+              <a:buFont typeface="Wingdings" pitchFamily="2" charset="2"/>
+              <a:buChar char="l"/>
+              <a:defRPr kumimoji="1" sz="2000" b="1">
+                <a:solidFill>
+                  <a:schemeClr val="tx1"/>
+                </a:solidFill>
+                <a:latin typeface="+mn-lt"/>
+                <a:ea typeface="맑은 고딕" pitchFamily="50" charset="-127"/>
+              </a:defRPr>
+            </a:lvl3pPr>
+            <a:lvl4pPr marL="1333447" indent="-190492" algn="l" rtl="0" eaLnBrk="1" fontAlgn="base" latinLnBrk="1" hangingPunct="1">
+              <a:spcBef>
+                <a:spcPct val="20000"/>
+              </a:spcBef>
+              <a:spcAft>
+                <a:spcPct val="0"/>
+              </a:spcAft>
+              <a:buClr>
+                <a:srgbClr val="009900"/>
+              </a:buClr>
+              <a:buFont typeface="Wingdings" pitchFamily="2" charset="2"/>
+              <a:buChar char="§"/>
+              <a:defRPr kumimoji="1" sz="1833" b="1">
+                <a:solidFill>
+                  <a:schemeClr val="tx1"/>
+                </a:solidFill>
+                <a:latin typeface="+mn-lt"/>
+                <a:ea typeface="맑은 고딕" pitchFamily="50" charset="-127"/>
+              </a:defRPr>
+            </a:lvl4pPr>
+            <a:lvl5pPr marL="1714431" indent="-190492" algn="l" rtl="0" eaLnBrk="1" fontAlgn="base" latinLnBrk="1" hangingPunct="1">
+              <a:spcBef>
+                <a:spcPct val="20000"/>
+              </a:spcBef>
+              <a:spcAft>
+                <a:spcPct val="0"/>
+              </a:spcAft>
+              <a:buClr>
+                <a:schemeClr val="tx1"/>
+              </a:buClr>
+              <a:buFont typeface="Wingdings" pitchFamily="2" charset="2"/>
+              <a:buChar char="§"/>
+              <a:defRPr kumimoji="1" sz="1667" b="1">
+                <a:solidFill>
+                  <a:schemeClr val="tx1"/>
+                </a:solidFill>
+                <a:latin typeface="+mn-lt"/>
+                <a:ea typeface="맑은 고딕" pitchFamily="50" charset="-127"/>
+              </a:defRPr>
+            </a:lvl5pPr>
+            <a:lvl6pPr marL="2095416" indent="-190492" algn="l" rtl="0" eaLnBrk="1" fontAlgn="base" latinLnBrk="1" hangingPunct="1">
+              <a:spcBef>
+                <a:spcPct val="20000"/>
+              </a:spcBef>
+              <a:spcAft>
+                <a:spcPct val="0"/>
+              </a:spcAft>
+              <a:buClr>
+                <a:schemeClr val="tx1"/>
+              </a:buClr>
+              <a:buFont typeface="Wingdings" pitchFamily="2" charset="2"/>
+              <a:buChar char="§"/>
+              <a:defRPr kumimoji="1" sz="1667" b="1">
+                <a:solidFill>
+                  <a:schemeClr val="tx1"/>
+                </a:solidFill>
+                <a:latin typeface="+mn-lt"/>
+                <a:ea typeface="+mn-ea"/>
+              </a:defRPr>
+            </a:lvl6pPr>
+            <a:lvl7pPr marL="2476401" indent="-190492" algn="l" rtl="0" eaLnBrk="1" fontAlgn="base" latinLnBrk="1" hangingPunct="1">
+              <a:spcBef>
+                <a:spcPct val="20000"/>
+              </a:spcBef>
+              <a:spcAft>
+                <a:spcPct val="0"/>
+              </a:spcAft>
+              <a:buClr>
+                <a:schemeClr val="tx1"/>
+              </a:buClr>
+              <a:buFont typeface="Wingdings" pitchFamily="2" charset="2"/>
+              <a:buChar char="§"/>
+              <a:defRPr kumimoji="1" sz="1667" b="1">
+                <a:solidFill>
+                  <a:schemeClr val="tx1"/>
+                </a:solidFill>
+                <a:latin typeface="+mn-lt"/>
+                <a:ea typeface="+mn-ea"/>
+              </a:defRPr>
+            </a:lvl7pPr>
+            <a:lvl8pPr marL="2857386" indent="-190492" algn="l" rtl="0" eaLnBrk="1" fontAlgn="base" latinLnBrk="1" hangingPunct="1">
+              <a:spcBef>
+                <a:spcPct val="20000"/>
+              </a:spcBef>
+              <a:spcAft>
+                <a:spcPct val="0"/>
+              </a:spcAft>
+              <a:buClr>
+                <a:schemeClr val="tx1"/>
+              </a:buClr>
+              <a:buFont typeface="Wingdings" pitchFamily="2" charset="2"/>
+              <a:buChar char="§"/>
+              <a:defRPr kumimoji="1" sz="1667" b="1">
+                <a:solidFill>
+                  <a:schemeClr val="tx1"/>
+                </a:solidFill>
+                <a:latin typeface="+mn-lt"/>
+                <a:ea typeface="+mn-ea"/>
+              </a:defRPr>
+            </a:lvl8pPr>
+            <a:lvl9pPr marL="3238370" indent="-190492" algn="l" rtl="0" eaLnBrk="1" fontAlgn="base" latinLnBrk="1" hangingPunct="1">
+              <a:spcBef>
+                <a:spcPct val="20000"/>
+              </a:spcBef>
+              <a:spcAft>
+                <a:spcPct val="0"/>
+              </a:spcAft>
+              <a:buClr>
+                <a:schemeClr val="tx1"/>
+              </a:buClr>
+              <a:buFont typeface="Wingdings" pitchFamily="2" charset="2"/>
+              <a:buChar char="§"/>
+              <a:defRPr kumimoji="1" sz="1667" b="1">
+                <a:solidFill>
+                  <a:schemeClr val="tx1"/>
+                </a:solidFill>
+                <a:latin typeface="+mn-lt"/>
+                <a:ea typeface="+mn-ea"/>
+              </a:defRPr>
+            </a:lvl9pPr>
+          </a:lstStyle>
+          <a:p>
+            <a:r>
+              <a:rPr lang="ko-KR" altLang="en-US" kern="0" dirty="0"/>
+              <a:t>기본 소스 코드</a:t>
+            </a:r>
+            <a:r>
+              <a:rPr lang="en-US" altLang="ko-KR" kern="0" dirty="0"/>
+              <a:t>2</a:t>
+            </a:r>
+          </a:p>
+          <a:p>
+            <a:endParaRPr lang="en-US" altLang="ko-KR" kern="0" dirty="0"/>
+          </a:p>
+          <a:p>
+            <a:endParaRPr lang="en-US" altLang="ko-KR" kern="0" dirty="0"/>
+          </a:p>
+          <a:p>
+            <a:endParaRPr lang="en-US" altLang="ko-KR" kern="0" dirty="0"/>
+          </a:p>
+          <a:p>
+            <a:pPr marL="380985" lvl="1" indent="0">
+              <a:buNone/>
+            </a:pPr>
+            <a:endParaRPr lang="en-US" altLang="ko-KR" i="1" kern="0" dirty="0"/>
+          </a:p>
+        </p:txBody>
+      </p:sp>
+      <p:sp>
+        <p:nvSpPr>
+          <p:cNvPr id="2" name="제목 1"/>
+          <p:cNvSpPr>
+            <a:spLocks noGrp="1"/>
+          </p:cNvSpPr>
+          <p:nvPr>
+            <p:ph type="title"/>
+          </p:nvPr>
+        </p:nvSpPr>
+        <p:spPr/>
+        <p:txBody>
+          <a:bodyPr/>
+          <a:lstStyle/>
+          <a:p>
+            <a:r>
+              <a:rPr lang="en-US" altLang="ko-KR" dirty="0"/>
+              <a:t>3.1 </a:t>
+            </a:r>
+            <a:r>
+              <a:rPr lang="ko-KR" altLang="en-US" dirty="0" err="1"/>
+              <a:t>파이썬의</a:t>
+            </a:r>
+            <a:r>
+              <a:rPr lang="ko-KR" altLang="en-US" dirty="0"/>
+              <a:t> 자료구조</a:t>
+            </a:r>
+          </a:p>
+        </p:txBody>
+      </p:sp>
+      <p:sp>
+        <p:nvSpPr>
+          <p:cNvPr id="3" name="내용 개체 틀 2"/>
+          <p:cNvSpPr>
+            <a:spLocks noGrp="1"/>
+          </p:cNvSpPr>
+          <p:nvPr>
+            <p:ph idx="1"/>
+          </p:nvPr>
+        </p:nvSpPr>
+        <p:spPr/>
+        <p:txBody>
+          <a:bodyPr>
+            <a:normAutofit/>
+          </a:bodyPr>
+          <a:lstStyle/>
+          <a:p>
+            <a:r>
+              <a:rPr lang="en-US" altLang="ko-KR" dirty="0"/>
+              <a:t>3.1.5 </a:t>
+            </a:r>
+            <a:r>
+              <a:rPr lang="ko-KR" altLang="en-US" dirty="0"/>
+              <a:t>실습문제</a:t>
+            </a:r>
+            <a:r>
+              <a:rPr lang="en-US" altLang="ko-KR" dirty="0"/>
+              <a:t>3</a:t>
+            </a:r>
+          </a:p>
+          <a:p>
+            <a:pPr lvl="1"/>
+            <a:r>
+              <a:rPr lang="en-US" altLang="ko-KR" dirty="0"/>
+              <a:t>string to list</a:t>
+            </a:r>
+          </a:p>
+          <a:p>
+            <a:pPr lvl="1"/>
+            <a:r>
+              <a:rPr lang="ko-KR" altLang="en-US" dirty="0"/>
+              <a:t>입력</a:t>
+            </a:r>
+            <a:r>
+              <a:rPr lang="en-US" altLang="ko-KR" dirty="0"/>
+              <a:t>:</a:t>
+            </a:r>
+          </a:p>
+          <a:p>
+            <a:pPr lvl="2"/>
+            <a:r>
+              <a:rPr lang="en-US" altLang="ko-KR" sz="1433" b="0" dirty="0">
+                <a:effectLst/>
+                <a:latin typeface="Times New Roman" panose="02020603050405020304" pitchFamily="18" charset="0"/>
+                <a:cs typeface="Times New Roman" panose="02020603050405020304" pitchFamily="18" charset="0"/>
+              </a:rPr>
+              <a:t>s="I am a student. You're a teacher!!"</a:t>
+            </a:r>
+          </a:p>
+        </p:txBody>
+      </p:sp>
+      <p:sp>
+        <p:nvSpPr>
+          <p:cNvPr id="4" name="내용 개체 틀 8">
+            <a:extLst>
+              <a:ext uri="{FF2B5EF4-FFF2-40B4-BE49-F238E27FC236}">
+                <a16:creationId xmlns:a16="http://schemas.microsoft.com/office/drawing/2014/main" id="{916DA302-2503-142B-840F-6FB9472DDD89}"/>
+              </a:ext>
+            </a:extLst>
+          </p:cNvPr>
+          <p:cNvSpPr txBox="1">
+            <a:spLocks/>
+          </p:cNvSpPr>
+          <p:nvPr/>
+        </p:nvSpPr>
+        <p:spPr>
+          <a:xfrm>
+            <a:off x="685800" y="2857500"/>
+            <a:ext cx="4462264" cy="2770005"/>
+          </a:xfrm>
+          <a:prstGeom prst="rect">
+            <a:avLst/>
+          </a:prstGeom>
+        </p:spPr>
+        <p:txBody>
+          <a:bodyPr/>
+          <a:lstStyle>
+            <a:lvl1pPr marL="285739" indent="-285739" algn="l" rtl="0" eaLnBrk="1" fontAlgn="base" latinLnBrk="1" hangingPunct="1">
+              <a:spcBef>
+                <a:spcPct val="20000"/>
+              </a:spcBef>
+              <a:spcAft>
+                <a:spcPct val="0"/>
+              </a:spcAft>
+              <a:buClr>
+                <a:srgbClr val="0000FF"/>
+              </a:buClr>
+              <a:buSzPct val="90000"/>
+              <a:buFont typeface="Wingdings" pitchFamily="2" charset="2"/>
+              <a:buChar char="n"/>
+              <a:defRPr kumimoji="1" sz="2333" b="1">
+                <a:solidFill>
+                  <a:schemeClr val="tx1"/>
+                </a:solidFill>
+                <a:latin typeface="+mn-lt"/>
+                <a:ea typeface="맑은 고딕" pitchFamily="50" charset="-127"/>
+                <a:cs typeface="+mn-cs"/>
+              </a:defRPr>
+            </a:lvl1pPr>
+            <a:lvl2pPr marL="619100" indent="-238115" algn="l" rtl="0" eaLnBrk="1" fontAlgn="base" latinLnBrk="1" hangingPunct="1">
+              <a:spcBef>
+                <a:spcPct val="20000"/>
+              </a:spcBef>
+              <a:spcAft>
+                <a:spcPct val="0"/>
+              </a:spcAft>
+              <a:buClr>
+                <a:schemeClr val="hlink"/>
+              </a:buClr>
+              <a:buSzPct val="75000"/>
+              <a:buFont typeface="Wingdings" pitchFamily="2" charset="2"/>
+              <a:buChar char="u"/>
+              <a:defRPr kumimoji="1" sz="2167" b="1">
+                <a:solidFill>
+                  <a:schemeClr val="tx1"/>
+                </a:solidFill>
+                <a:latin typeface="+mn-lt"/>
+                <a:ea typeface="맑은 고딕" pitchFamily="50" charset="-127"/>
+              </a:defRPr>
+            </a:lvl2pPr>
+            <a:lvl3pPr marL="952462" indent="-190492" algn="l" rtl="0" eaLnBrk="1" fontAlgn="base" latinLnBrk="1" hangingPunct="1">
+              <a:spcBef>
+                <a:spcPct val="20000"/>
+              </a:spcBef>
+              <a:spcAft>
+                <a:spcPct val="0"/>
+              </a:spcAft>
+              <a:buClr>
+                <a:srgbClr val="3399FF"/>
+              </a:buClr>
+              <a:buSzPct val="55000"/>
+              <a:buFont typeface="Wingdings" pitchFamily="2" charset="2"/>
+              <a:buChar char="l"/>
+              <a:defRPr kumimoji="1" sz="2000" b="1">
+                <a:solidFill>
+                  <a:schemeClr val="tx1"/>
+                </a:solidFill>
+                <a:latin typeface="+mn-lt"/>
+                <a:ea typeface="맑은 고딕" pitchFamily="50" charset="-127"/>
+              </a:defRPr>
+            </a:lvl3pPr>
+            <a:lvl4pPr marL="1333447" indent="-190492" algn="l" rtl="0" eaLnBrk="1" fontAlgn="base" latinLnBrk="1" hangingPunct="1">
+              <a:spcBef>
+                <a:spcPct val="20000"/>
+              </a:spcBef>
+              <a:spcAft>
+                <a:spcPct val="0"/>
+              </a:spcAft>
+              <a:buClr>
+                <a:srgbClr val="009900"/>
+              </a:buClr>
+              <a:buFont typeface="Wingdings" pitchFamily="2" charset="2"/>
+              <a:buChar char="§"/>
+              <a:defRPr kumimoji="1" sz="1833" b="1">
+                <a:solidFill>
+                  <a:schemeClr val="tx1"/>
+                </a:solidFill>
+                <a:latin typeface="+mn-lt"/>
+                <a:ea typeface="맑은 고딕" pitchFamily="50" charset="-127"/>
+              </a:defRPr>
+            </a:lvl4pPr>
+            <a:lvl5pPr marL="1714431" indent="-190492" algn="l" rtl="0" eaLnBrk="1" fontAlgn="base" latinLnBrk="1" hangingPunct="1">
+              <a:spcBef>
+                <a:spcPct val="20000"/>
+              </a:spcBef>
+              <a:spcAft>
+                <a:spcPct val="0"/>
+              </a:spcAft>
+              <a:buClr>
+                <a:schemeClr val="tx1"/>
+              </a:buClr>
+              <a:buFont typeface="Wingdings" pitchFamily="2" charset="2"/>
+              <a:buChar char="§"/>
+              <a:defRPr kumimoji="1" sz="1667" b="1">
+                <a:solidFill>
+                  <a:schemeClr val="tx1"/>
+                </a:solidFill>
+                <a:latin typeface="+mn-lt"/>
+                <a:ea typeface="맑은 고딕" pitchFamily="50" charset="-127"/>
+              </a:defRPr>
+            </a:lvl5pPr>
+            <a:lvl6pPr marL="2095416" indent="-190492" algn="l" rtl="0" eaLnBrk="1" fontAlgn="base" latinLnBrk="1" hangingPunct="1">
+              <a:spcBef>
+                <a:spcPct val="20000"/>
+              </a:spcBef>
+              <a:spcAft>
+                <a:spcPct val="0"/>
+              </a:spcAft>
+              <a:buClr>
+                <a:schemeClr val="tx1"/>
+              </a:buClr>
+              <a:buFont typeface="Wingdings" pitchFamily="2" charset="2"/>
+              <a:buChar char="§"/>
+              <a:defRPr kumimoji="1" sz="1667" b="1">
+                <a:solidFill>
+                  <a:schemeClr val="tx1"/>
+                </a:solidFill>
+                <a:latin typeface="+mn-lt"/>
+                <a:ea typeface="+mn-ea"/>
+              </a:defRPr>
+            </a:lvl6pPr>
+            <a:lvl7pPr marL="2476401" indent="-190492" algn="l" rtl="0" eaLnBrk="1" fontAlgn="base" latinLnBrk="1" hangingPunct="1">
+              <a:spcBef>
+                <a:spcPct val="20000"/>
+              </a:spcBef>
+              <a:spcAft>
+                <a:spcPct val="0"/>
+              </a:spcAft>
+              <a:buClr>
+                <a:schemeClr val="tx1"/>
+              </a:buClr>
+              <a:buFont typeface="Wingdings" pitchFamily="2" charset="2"/>
+              <a:buChar char="§"/>
+              <a:defRPr kumimoji="1" sz="1667" b="1">
+                <a:solidFill>
+                  <a:schemeClr val="tx1"/>
+                </a:solidFill>
+                <a:latin typeface="+mn-lt"/>
+                <a:ea typeface="+mn-ea"/>
+              </a:defRPr>
+            </a:lvl7pPr>
+            <a:lvl8pPr marL="2857386" indent="-190492" algn="l" rtl="0" eaLnBrk="1" fontAlgn="base" latinLnBrk="1" hangingPunct="1">
+              <a:spcBef>
+                <a:spcPct val="20000"/>
+              </a:spcBef>
+              <a:spcAft>
+                <a:spcPct val="0"/>
+              </a:spcAft>
+              <a:buClr>
+                <a:schemeClr val="tx1"/>
+              </a:buClr>
+              <a:buFont typeface="Wingdings" pitchFamily="2" charset="2"/>
+              <a:buChar char="§"/>
+              <a:defRPr kumimoji="1" sz="1667" b="1">
+                <a:solidFill>
+                  <a:schemeClr val="tx1"/>
+                </a:solidFill>
+                <a:latin typeface="+mn-lt"/>
+                <a:ea typeface="+mn-ea"/>
+              </a:defRPr>
+            </a:lvl8pPr>
+            <a:lvl9pPr marL="3238370" indent="-190492" algn="l" rtl="0" eaLnBrk="1" fontAlgn="base" latinLnBrk="1" hangingPunct="1">
+              <a:spcBef>
+                <a:spcPct val="20000"/>
+              </a:spcBef>
+              <a:spcAft>
+                <a:spcPct val="0"/>
+              </a:spcAft>
+              <a:buClr>
+                <a:schemeClr val="tx1"/>
+              </a:buClr>
+              <a:buFont typeface="Wingdings" pitchFamily="2" charset="2"/>
+              <a:buChar char="§"/>
+              <a:defRPr kumimoji="1" sz="1667" b="1">
+                <a:solidFill>
+                  <a:schemeClr val="tx1"/>
+                </a:solidFill>
+                <a:latin typeface="+mn-lt"/>
+                <a:ea typeface="+mn-ea"/>
+              </a:defRPr>
+            </a:lvl9pPr>
+          </a:lstStyle>
+          <a:p>
+            <a:r>
+              <a:rPr lang="ko-KR" altLang="en-US" kern="0" dirty="0"/>
+              <a:t>기본 소스 코드</a:t>
+            </a:r>
+            <a:r>
+              <a:rPr lang="en-US" altLang="ko-KR" kern="0" dirty="0"/>
+              <a:t>1</a:t>
+            </a:r>
+          </a:p>
+          <a:p>
+            <a:endParaRPr lang="en-US" altLang="ko-KR" kern="0" dirty="0"/>
+          </a:p>
+          <a:p>
+            <a:endParaRPr lang="en-US" altLang="ko-KR" kern="0" dirty="0"/>
+          </a:p>
+          <a:p>
+            <a:endParaRPr lang="en-US" altLang="ko-KR" kern="0" dirty="0"/>
+          </a:p>
+          <a:p>
+            <a:pPr marL="380985" lvl="1" indent="0">
+              <a:buNone/>
+            </a:pPr>
+            <a:endParaRPr lang="en-US" altLang="ko-KR" i="1" kern="0" dirty="0"/>
+          </a:p>
+        </p:txBody>
+      </p:sp>
+      <p:sp>
+        <p:nvSpPr>
+          <p:cNvPr id="6" name="직사각형 5">
+            <a:extLst>
+              <a:ext uri="{FF2B5EF4-FFF2-40B4-BE49-F238E27FC236}">
+                <a16:creationId xmlns:a16="http://schemas.microsoft.com/office/drawing/2014/main" id="{7224EBA5-FABE-C021-45D2-3A221A5E3B85}"/>
+              </a:ext>
+            </a:extLst>
+          </p:cNvPr>
+          <p:cNvSpPr/>
+          <p:nvPr/>
+        </p:nvSpPr>
+        <p:spPr>
+          <a:xfrm>
+            <a:off x="916848" y="3224260"/>
+            <a:ext cx="3681139" cy="584775"/>
+          </a:xfrm>
+          <a:prstGeom prst="rect">
+            <a:avLst/>
+          </a:prstGeom>
+        </p:spPr>
+        <p:txBody>
+          <a:bodyPr wrap="square">
+            <a:spAutoFit/>
+          </a:bodyPr>
+          <a:lstStyle/>
+          <a:p>
+            <a:r>
+              <a:rPr lang="en-US" altLang="ko-KR" sz="1600" b="0" dirty="0">
+                <a:effectLst/>
+                <a:latin typeface="ubuntu mono derivative powerline" panose="020B0509030602030204" pitchFamily="49" charset="0"/>
+              </a:rPr>
+              <a:t>lv=</a:t>
+            </a:r>
+            <a:r>
+              <a:rPr lang="en-US" altLang="ko-KR" sz="1600" b="0" dirty="0">
+                <a:solidFill>
+                  <a:srgbClr val="00B050"/>
+                </a:solidFill>
+                <a:effectLst/>
+                <a:latin typeface="ubuntu mono derivative powerline" panose="020B0509030602030204" pitchFamily="49" charset="0"/>
+              </a:rPr>
+              <a:t>list</a:t>
+            </a:r>
+            <a:r>
+              <a:rPr lang="en-US" altLang="ko-KR" sz="1600" b="0" dirty="0">
+                <a:effectLst/>
+                <a:latin typeface="ubuntu mono derivative powerline" panose="020B0509030602030204" pitchFamily="49" charset="0"/>
+              </a:rPr>
+              <a:t>(s)</a:t>
+            </a:r>
+          </a:p>
+          <a:p>
+            <a:r>
+              <a:rPr lang="en-US" altLang="ko-KR" sz="1600" b="0" dirty="0">
+                <a:solidFill>
+                  <a:srgbClr val="0000FF"/>
+                </a:solidFill>
+                <a:effectLst/>
+                <a:latin typeface="ubuntu mono derivative powerline" panose="020B0509030602030204" pitchFamily="49" charset="0"/>
+              </a:rPr>
+              <a:t>print</a:t>
+            </a:r>
+            <a:r>
+              <a:rPr lang="en-US" altLang="ko-KR" sz="1600" b="0" dirty="0">
+                <a:effectLst/>
+                <a:latin typeface="ubuntu mono derivative powerline" panose="020B0509030602030204" pitchFamily="49" charset="0"/>
+              </a:rPr>
+              <a:t>(lv)</a:t>
+            </a:r>
+          </a:p>
+        </p:txBody>
+      </p:sp>
+      <p:pic>
+        <p:nvPicPr>
+          <p:cNvPr id="7" name="그림 6">
+            <a:extLst>
+              <a:ext uri="{FF2B5EF4-FFF2-40B4-BE49-F238E27FC236}">
+                <a16:creationId xmlns:a16="http://schemas.microsoft.com/office/drawing/2014/main" id="{DFBB1B57-8C72-F7DD-5C7F-89AD2DD94FF9}"/>
+              </a:ext>
+            </a:extLst>
+          </p:cNvPr>
+          <p:cNvPicPr>
+            <a:picLocks noChangeAspect="1"/>
+          </p:cNvPicPr>
+          <p:nvPr/>
+        </p:nvPicPr>
+        <p:blipFill>
+          <a:blip r:embed="rId3"/>
+          <a:stretch>
+            <a:fillRect/>
+          </a:stretch>
+        </p:blipFill>
+        <p:spPr>
+          <a:xfrm>
+            <a:off x="971600" y="3809035"/>
+            <a:ext cx="3456384" cy="292331"/>
+          </a:xfrm>
+          <a:prstGeom prst="rect">
+            <a:avLst/>
+          </a:prstGeom>
+        </p:spPr>
+      </p:pic>
+      <p:sp>
+        <p:nvSpPr>
+          <p:cNvPr id="11" name="TextBox 10">
+            <a:extLst>
+              <a:ext uri="{FF2B5EF4-FFF2-40B4-BE49-F238E27FC236}">
+                <a16:creationId xmlns:a16="http://schemas.microsoft.com/office/drawing/2014/main" id="{964FC348-7EF4-49B3-0277-7B6A6CA1D8B5}"/>
+              </a:ext>
+            </a:extLst>
+          </p:cNvPr>
+          <p:cNvSpPr txBox="1"/>
+          <p:nvPr/>
+        </p:nvSpPr>
+        <p:spPr>
+          <a:xfrm>
+            <a:off x="914400" y="4558641"/>
+            <a:ext cx="4572000" cy="584775"/>
+          </a:xfrm>
+          <a:prstGeom prst="rect">
+            <a:avLst/>
+          </a:prstGeom>
+          <a:noFill/>
+        </p:spPr>
+        <p:txBody>
+          <a:bodyPr wrap="square">
+            <a:spAutoFit/>
+          </a:bodyPr>
+          <a:lstStyle/>
+          <a:p>
+            <a:r>
+              <a:rPr lang="en-US" altLang="ko-KR" sz="1600" b="0" dirty="0" err="1">
+                <a:effectLst/>
+                <a:latin typeface="ubuntu mono derivative powerline" panose="020B0509030602030204" pitchFamily="49" charset="0"/>
+              </a:rPr>
+              <a:t>lv.</a:t>
+            </a:r>
+            <a:r>
+              <a:rPr lang="en-US" altLang="ko-KR" sz="1600" b="0" dirty="0" err="1">
+                <a:solidFill>
+                  <a:srgbClr val="0000FF"/>
+                </a:solidFill>
+                <a:effectLst/>
+                <a:latin typeface="ubuntu mono derivative powerline" panose="020B0509030602030204" pitchFamily="49" charset="0"/>
+              </a:rPr>
+              <a:t>remove</a:t>
+            </a:r>
+            <a:r>
+              <a:rPr lang="en-US" altLang="ko-KR" sz="1600" b="0" dirty="0">
+                <a:effectLst/>
+                <a:latin typeface="ubuntu mono derivative powerline" panose="020B0509030602030204" pitchFamily="49" charset="0"/>
+              </a:rPr>
+              <a:t>(</a:t>
+            </a:r>
+            <a:r>
+              <a:rPr lang="en-US" altLang="ko-KR" sz="1600" dirty="0">
+                <a:latin typeface="ubuntu mono derivative powerline" panose="020B0509030602030204" pitchFamily="49" charset="0"/>
+              </a:rPr>
+              <a:t>‘</a:t>
+            </a:r>
+            <a:r>
+              <a:rPr lang="en-US" altLang="ko-KR" sz="1600" b="0" dirty="0">
+                <a:effectLst/>
+                <a:latin typeface="ubuntu mono derivative powerline" panose="020B0509030602030204" pitchFamily="49" charset="0"/>
+              </a:rPr>
+              <a:t>a’)</a:t>
+            </a:r>
+          </a:p>
+          <a:p>
+            <a:r>
+              <a:rPr lang="en-US" altLang="ko-KR" sz="1600" b="0" dirty="0">
+                <a:solidFill>
+                  <a:srgbClr val="0000FF"/>
+                </a:solidFill>
+                <a:effectLst/>
+                <a:latin typeface="ubuntu mono derivative powerline" panose="020B0509030602030204" pitchFamily="49" charset="0"/>
+              </a:rPr>
+              <a:t>print</a:t>
+            </a:r>
+            <a:r>
+              <a:rPr lang="en-US" altLang="ko-KR" sz="1600" b="0" dirty="0">
+                <a:effectLst/>
+                <a:latin typeface="ubuntu mono derivative powerline" panose="020B0509030602030204" pitchFamily="49" charset="0"/>
+              </a:rPr>
+              <a:t>(lv)</a:t>
+            </a:r>
+          </a:p>
+        </p:txBody>
+      </p:sp>
+      <p:pic>
+        <p:nvPicPr>
+          <p:cNvPr id="23" name="그림 22">
+            <a:extLst>
+              <a:ext uri="{FF2B5EF4-FFF2-40B4-BE49-F238E27FC236}">
+                <a16:creationId xmlns:a16="http://schemas.microsoft.com/office/drawing/2014/main" id="{FC6655EC-8CFE-034D-1626-F802787628CA}"/>
+              </a:ext>
+            </a:extLst>
+          </p:cNvPr>
+          <p:cNvPicPr>
+            <a:picLocks noChangeAspect="1"/>
+          </p:cNvPicPr>
+          <p:nvPr/>
+        </p:nvPicPr>
+        <p:blipFill>
+          <a:blip r:embed="rId4"/>
+          <a:stretch>
+            <a:fillRect/>
+          </a:stretch>
+        </p:blipFill>
+        <p:spPr>
+          <a:xfrm>
+            <a:off x="971600" y="5164909"/>
+            <a:ext cx="3456384" cy="295126"/>
+          </a:xfrm>
+          <a:prstGeom prst="rect">
+            <a:avLst/>
+          </a:prstGeom>
+        </p:spPr>
+      </p:pic>
+      <p:sp>
+        <p:nvSpPr>
+          <p:cNvPr id="25" name="직사각형 24">
+            <a:extLst>
+              <a:ext uri="{FF2B5EF4-FFF2-40B4-BE49-F238E27FC236}">
+                <a16:creationId xmlns:a16="http://schemas.microsoft.com/office/drawing/2014/main" id="{42EEDFA9-7627-CD62-6E4D-31951F14A9F5}"/>
+              </a:ext>
+            </a:extLst>
+          </p:cNvPr>
+          <p:cNvSpPr/>
+          <p:nvPr/>
+        </p:nvSpPr>
+        <p:spPr>
+          <a:xfrm>
+            <a:off x="1403648" y="5176744"/>
+            <a:ext cx="72008" cy="129028"/>
+          </a:xfrm>
+          <a:prstGeom prst="rect">
+            <a:avLst/>
+          </a:prstGeom>
+          <a:noFill/>
+          <a:ln w="19050">
+            <a:solidFill>
+              <a:schemeClr val="accent2"/>
+            </a:solidFill>
+          </a:ln>
+        </p:spPr>
+        <p:style>
+          <a:lnRef idx="2">
+            <a:schemeClr val="accent1">
+              <a:shade val="50000"/>
+            </a:schemeClr>
+          </a:lnRef>
+          <a:fillRef idx="1">
+            <a:schemeClr val="accent1"/>
+          </a:fillRef>
+          <a:effectRef idx="0">
+            <a:schemeClr val="accent1"/>
+          </a:effectRef>
+          <a:fontRef idx="minor">
+            <a:schemeClr val="lt1"/>
+          </a:fontRef>
+        </p:style>
+        <p:txBody>
+          <a:bodyPr rtlCol="0" anchor="ctr"/>
+          <a:lstStyle/>
+          <a:p>
+            <a:pPr algn="ctr"/>
+            <a:endParaRPr lang="ko-KR" altLang="en-US"/>
+          </a:p>
+        </p:txBody>
+      </p:sp>
+      <p:sp>
+        <p:nvSpPr>
+          <p:cNvPr id="28" name="내용 개체 틀 8">
+            <a:extLst>
+              <a:ext uri="{FF2B5EF4-FFF2-40B4-BE49-F238E27FC236}">
+                <a16:creationId xmlns:a16="http://schemas.microsoft.com/office/drawing/2014/main" id="{7BB7B319-7A4D-7952-E081-95610D95E3B2}"/>
+              </a:ext>
+            </a:extLst>
+          </p:cNvPr>
+          <p:cNvSpPr txBox="1">
+            <a:spLocks/>
+          </p:cNvSpPr>
+          <p:nvPr/>
+        </p:nvSpPr>
+        <p:spPr>
+          <a:xfrm>
+            <a:off x="5045436" y="1383639"/>
+            <a:ext cx="3600400" cy="2684271"/>
+          </a:xfrm>
+          <a:prstGeom prst="rect">
+            <a:avLst/>
+          </a:prstGeom>
+        </p:spPr>
+        <p:txBody>
+          <a:bodyPr/>
+          <a:lstStyle>
+            <a:lvl1pPr marL="285739" indent="-285739" algn="l" rtl="0" eaLnBrk="1" fontAlgn="base" latinLnBrk="1" hangingPunct="1">
+              <a:spcBef>
+                <a:spcPct val="20000"/>
+              </a:spcBef>
+              <a:spcAft>
+                <a:spcPct val="0"/>
+              </a:spcAft>
+              <a:buClr>
+                <a:srgbClr val="0000FF"/>
+              </a:buClr>
+              <a:buSzPct val="90000"/>
+              <a:buFont typeface="Wingdings" pitchFamily="2" charset="2"/>
+              <a:buChar char="n"/>
+              <a:defRPr kumimoji="1" sz="2333" b="1">
+                <a:solidFill>
+                  <a:schemeClr val="tx1"/>
+                </a:solidFill>
+                <a:latin typeface="+mn-lt"/>
+                <a:ea typeface="맑은 고딕" pitchFamily="50" charset="-127"/>
+                <a:cs typeface="+mn-cs"/>
+              </a:defRPr>
+            </a:lvl1pPr>
+            <a:lvl2pPr marL="619100" indent="-238115" algn="l" rtl="0" eaLnBrk="1" fontAlgn="base" latinLnBrk="1" hangingPunct="1">
+              <a:spcBef>
+                <a:spcPct val="20000"/>
+              </a:spcBef>
+              <a:spcAft>
+                <a:spcPct val="0"/>
+              </a:spcAft>
+              <a:buClr>
+                <a:schemeClr val="hlink"/>
+              </a:buClr>
+              <a:buSzPct val="75000"/>
+              <a:buFont typeface="Wingdings" pitchFamily="2" charset="2"/>
+              <a:buChar char="u"/>
+              <a:defRPr kumimoji="1" sz="2167" b="1">
+                <a:solidFill>
+                  <a:schemeClr val="tx1"/>
+                </a:solidFill>
+                <a:latin typeface="+mn-lt"/>
+                <a:ea typeface="맑은 고딕" pitchFamily="50" charset="-127"/>
+              </a:defRPr>
+            </a:lvl2pPr>
+            <a:lvl3pPr marL="952462" indent="-190492" algn="l" rtl="0" eaLnBrk="1" fontAlgn="base" latinLnBrk="1" hangingPunct="1">
+              <a:spcBef>
+                <a:spcPct val="20000"/>
+              </a:spcBef>
+              <a:spcAft>
+                <a:spcPct val="0"/>
+              </a:spcAft>
+              <a:buClr>
+                <a:srgbClr val="3399FF"/>
+              </a:buClr>
+              <a:buSzPct val="55000"/>
+              <a:buFont typeface="Wingdings" pitchFamily="2" charset="2"/>
+              <a:buChar char="l"/>
+              <a:defRPr kumimoji="1" sz="2000" b="1">
+                <a:solidFill>
+                  <a:schemeClr val="tx1"/>
+                </a:solidFill>
+                <a:latin typeface="+mn-lt"/>
+                <a:ea typeface="맑은 고딕" pitchFamily="50" charset="-127"/>
+              </a:defRPr>
+            </a:lvl3pPr>
+            <a:lvl4pPr marL="1333447" indent="-190492" algn="l" rtl="0" eaLnBrk="1" fontAlgn="base" latinLnBrk="1" hangingPunct="1">
+              <a:spcBef>
+                <a:spcPct val="20000"/>
+              </a:spcBef>
+              <a:spcAft>
+                <a:spcPct val="0"/>
+              </a:spcAft>
+              <a:buClr>
+                <a:srgbClr val="009900"/>
+              </a:buClr>
+              <a:buFont typeface="Wingdings" pitchFamily="2" charset="2"/>
+              <a:buChar char="§"/>
+              <a:defRPr kumimoji="1" sz="1833" b="1">
+                <a:solidFill>
+                  <a:schemeClr val="tx1"/>
+                </a:solidFill>
+                <a:latin typeface="+mn-lt"/>
+                <a:ea typeface="맑은 고딕" pitchFamily="50" charset="-127"/>
+              </a:defRPr>
+            </a:lvl4pPr>
+            <a:lvl5pPr marL="1714431" indent="-190492" algn="l" rtl="0" eaLnBrk="1" fontAlgn="base" latinLnBrk="1" hangingPunct="1">
+              <a:spcBef>
+                <a:spcPct val="20000"/>
+              </a:spcBef>
+              <a:spcAft>
+                <a:spcPct val="0"/>
+              </a:spcAft>
+              <a:buClr>
+                <a:schemeClr val="tx1"/>
+              </a:buClr>
+              <a:buFont typeface="Wingdings" pitchFamily="2" charset="2"/>
+              <a:buChar char="§"/>
+              <a:defRPr kumimoji="1" sz="1667" b="1">
+                <a:solidFill>
+                  <a:schemeClr val="tx1"/>
+                </a:solidFill>
+                <a:latin typeface="+mn-lt"/>
+                <a:ea typeface="맑은 고딕" pitchFamily="50" charset="-127"/>
+              </a:defRPr>
+            </a:lvl5pPr>
+            <a:lvl6pPr marL="2095416" indent="-190492" algn="l" rtl="0" eaLnBrk="1" fontAlgn="base" latinLnBrk="1" hangingPunct="1">
+              <a:spcBef>
+                <a:spcPct val="20000"/>
+              </a:spcBef>
+              <a:spcAft>
+                <a:spcPct val="0"/>
+              </a:spcAft>
+              <a:buClr>
+                <a:schemeClr val="tx1"/>
+              </a:buClr>
+              <a:buFont typeface="Wingdings" pitchFamily="2" charset="2"/>
+              <a:buChar char="§"/>
+              <a:defRPr kumimoji="1" sz="1667" b="1">
+                <a:solidFill>
+                  <a:schemeClr val="tx1"/>
+                </a:solidFill>
+                <a:latin typeface="+mn-lt"/>
+                <a:ea typeface="+mn-ea"/>
+              </a:defRPr>
+            </a:lvl6pPr>
+            <a:lvl7pPr marL="2476401" indent="-190492" algn="l" rtl="0" eaLnBrk="1" fontAlgn="base" latinLnBrk="1" hangingPunct="1">
+              <a:spcBef>
+                <a:spcPct val="20000"/>
+              </a:spcBef>
+              <a:spcAft>
+                <a:spcPct val="0"/>
+              </a:spcAft>
+              <a:buClr>
+                <a:schemeClr val="tx1"/>
+              </a:buClr>
+              <a:buFont typeface="Wingdings" pitchFamily="2" charset="2"/>
+              <a:buChar char="§"/>
+              <a:defRPr kumimoji="1" sz="1667" b="1">
+                <a:solidFill>
+                  <a:schemeClr val="tx1"/>
+                </a:solidFill>
+                <a:latin typeface="+mn-lt"/>
+                <a:ea typeface="+mn-ea"/>
+              </a:defRPr>
+            </a:lvl7pPr>
+            <a:lvl8pPr marL="2857386" indent="-190492" algn="l" rtl="0" eaLnBrk="1" fontAlgn="base" latinLnBrk="1" hangingPunct="1">
+              <a:spcBef>
+                <a:spcPct val="20000"/>
+              </a:spcBef>
+              <a:spcAft>
+                <a:spcPct val="0"/>
+              </a:spcAft>
+              <a:buClr>
+                <a:schemeClr val="tx1"/>
+              </a:buClr>
+              <a:buFont typeface="Wingdings" pitchFamily="2" charset="2"/>
+              <a:buChar char="§"/>
+              <a:defRPr kumimoji="1" sz="1667" b="1">
+                <a:solidFill>
+                  <a:schemeClr val="tx1"/>
+                </a:solidFill>
+                <a:latin typeface="+mn-lt"/>
+                <a:ea typeface="+mn-ea"/>
+              </a:defRPr>
+            </a:lvl8pPr>
+            <a:lvl9pPr marL="3238370" indent="-190492" algn="l" rtl="0" eaLnBrk="1" fontAlgn="base" latinLnBrk="1" hangingPunct="1">
+              <a:spcBef>
+                <a:spcPct val="20000"/>
+              </a:spcBef>
+              <a:spcAft>
+                <a:spcPct val="0"/>
+              </a:spcAft>
+              <a:buClr>
+                <a:schemeClr val="tx1"/>
+              </a:buClr>
+              <a:buFont typeface="Wingdings" pitchFamily="2" charset="2"/>
+              <a:buChar char="§"/>
+              <a:defRPr kumimoji="1" sz="1667" b="1">
+                <a:solidFill>
+                  <a:schemeClr val="tx1"/>
+                </a:solidFill>
+                <a:latin typeface="+mn-lt"/>
+                <a:ea typeface="+mn-ea"/>
+              </a:defRPr>
+            </a:lvl9pPr>
+          </a:lstStyle>
+          <a:p>
+            <a:r>
+              <a:rPr lang="ko-KR" altLang="en-US" kern="0" dirty="0"/>
+              <a:t>기본 소스 코드</a:t>
+            </a:r>
+            <a:r>
+              <a:rPr lang="en-US" altLang="ko-KR" kern="0" dirty="0"/>
+              <a:t>3</a:t>
+            </a:r>
+          </a:p>
+          <a:p>
+            <a:endParaRPr lang="en-US" altLang="ko-KR" kern="0" dirty="0"/>
+          </a:p>
+          <a:p>
+            <a:endParaRPr lang="en-US" altLang="ko-KR" kern="0" dirty="0"/>
+          </a:p>
+          <a:p>
+            <a:endParaRPr lang="en-US" altLang="ko-KR" kern="0" dirty="0"/>
+          </a:p>
+          <a:p>
+            <a:pPr marL="380985" lvl="1" indent="0">
+              <a:buNone/>
+            </a:pPr>
+            <a:endParaRPr lang="en-US" altLang="ko-KR" i="1" kern="0" dirty="0"/>
+          </a:p>
+        </p:txBody>
+      </p:sp>
+      <p:sp>
+        <p:nvSpPr>
+          <p:cNvPr id="30" name="TextBox 29">
+            <a:extLst>
+              <a:ext uri="{FF2B5EF4-FFF2-40B4-BE49-F238E27FC236}">
+                <a16:creationId xmlns:a16="http://schemas.microsoft.com/office/drawing/2014/main" id="{C14E62B0-D535-E5CC-89EB-439B13F64606}"/>
+              </a:ext>
+            </a:extLst>
+          </p:cNvPr>
+          <p:cNvSpPr txBox="1"/>
+          <p:nvPr/>
+        </p:nvSpPr>
+        <p:spPr>
+          <a:xfrm>
+            <a:off x="5215439" y="1700765"/>
+            <a:ext cx="3533025" cy="1815882"/>
+          </a:xfrm>
+          <a:prstGeom prst="rect">
+            <a:avLst/>
+          </a:prstGeom>
+          <a:noFill/>
+        </p:spPr>
+        <p:txBody>
+          <a:bodyPr wrap="square">
+            <a:spAutoFit/>
+          </a:bodyPr>
+          <a:lstStyle/>
+          <a:p>
+            <a:r>
+              <a:rPr lang="en-US" altLang="ko-KR" sz="1600" b="0" dirty="0" err="1">
+                <a:effectLst/>
+                <a:latin typeface="ubuntu mono derivative powerline" panose="020B0509030602030204" pitchFamily="49" charset="0"/>
+              </a:rPr>
+              <a:t>nc</a:t>
+            </a:r>
+            <a:r>
+              <a:rPr lang="en-US" altLang="ko-KR" sz="1600" b="0" dirty="0">
+                <a:effectLst/>
+                <a:latin typeface="ubuntu mono derivative powerline" panose="020B0509030602030204" pitchFamily="49" charset="0"/>
+              </a:rPr>
+              <a:t> = 0</a:t>
+            </a:r>
+          </a:p>
+          <a:p>
+            <a:r>
+              <a:rPr lang="en-US" altLang="ko-KR" sz="1600" b="0" dirty="0">
+                <a:effectLst/>
+                <a:latin typeface="ubuntu mono derivative powerline" panose="020B0509030602030204" pitchFamily="49" charset="0"/>
+              </a:rPr>
+              <a:t>for </a:t>
+            </a:r>
+            <a:r>
+              <a:rPr lang="en-US" altLang="ko-KR" sz="1600" b="0" dirty="0" err="1">
+                <a:effectLst/>
+                <a:latin typeface="ubuntu mono derivative powerline" panose="020B0509030602030204" pitchFamily="49" charset="0"/>
+              </a:rPr>
+              <a:t>i</a:t>
+            </a:r>
+            <a:r>
+              <a:rPr lang="en-US" altLang="ko-KR" sz="1600" b="0" dirty="0">
+                <a:effectLst/>
+                <a:latin typeface="ubuntu mono derivative powerline" panose="020B0509030602030204" pitchFamily="49" charset="0"/>
+              </a:rPr>
+              <a:t> in </a:t>
+            </a:r>
+            <a:r>
+              <a:rPr lang="en-US" altLang="ko-KR" sz="1600" b="0" dirty="0">
+                <a:solidFill>
+                  <a:srgbClr val="0000FF"/>
+                </a:solidFill>
+                <a:effectLst/>
+                <a:latin typeface="ubuntu mono derivative powerline" panose="020B0509030602030204" pitchFamily="49" charset="0"/>
+              </a:rPr>
+              <a:t>range</a:t>
+            </a:r>
+            <a:r>
+              <a:rPr lang="en-US" altLang="ko-KR" sz="1600" b="0" dirty="0">
+                <a:effectLst/>
+                <a:latin typeface="ubuntu mono derivative powerline" panose="020B0509030602030204" pitchFamily="49" charset="0"/>
+              </a:rPr>
+              <a:t>(</a:t>
+            </a:r>
+            <a:r>
+              <a:rPr lang="en-US" altLang="ko-KR" sz="1600" b="0" dirty="0" err="1">
+                <a:solidFill>
+                  <a:srgbClr val="0000FF"/>
+                </a:solidFill>
+                <a:effectLst/>
+                <a:latin typeface="ubuntu mono derivative powerline" panose="020B0509030602030204" pitchFamily="49" charset="0"/>
+              </a:rPr>
+              <a:t>len</a:t>
+            </a:r>
+            <a:r>
+              <a:rPr lang="en-US" altLang="ko-KR" sz="1600" b="0" dirty="0">
+                <a:effectLst/>
+                <a:latin typeface="ubuntu mono derivative powerline" panose="020B0509030602030204" pitchFamily="49" charset="0"/>
+              </a:rPr>
+              <a:t>(lv)):</a:t>
+            </a:r>
+          </a:p>
+          <a:p>
+            <a:r>
+              <a:rPr lang="en-US" altLang="ko-KR" sz="1600" b="0" dirty="0">
+                <a:effectLst/>
+                <a:latin typeface="ubuntu mono derivative powerline" panose="020B0509030602030204" pitchFamily="49" charset="0"/>
+              </a:rPr>
+              <a:t>    np = </a:t>
+            </a:r>
+            <a:r>
+              <a:rPr lang="en-US" altLang="ko-KR" sz="1600" b="0" dirty="0" err="1">
+                <a:effectLst/>
+                <a:latin typeface="ubuntu mono derivative powerline" panose="020B0509030602030204" pitchFamily="49" charset="0"/>
+              </a:rPr>
+              <a:t>i</a:t>
+            </a:r>
+            <a:r>
+              <a:rPr lang="en-US" altLang="ko-KR" sz="1600" b="0" dirty="0">
+                <a:effectLst/>
+                <a:latin typeface="ubuntu mono derivative powerline" panose="020B0509030602030204" pitchFamily="49" charset="0"/>
+              </a:rPr>
+              <a:t> - </a:t>
+            </a:r>
+            <a:r>
+              <a:rPr lang="en-US" altLang="ko-KR" sz="1600" b="0" dirty="0" err="1">
+                <a:effectLst/>
+                <a:latin typeface="ubuntu mono derivative powerline" panose="020B0509030602030204" pitchFamily="49" charset="0"/>
+              </a:rPr>
+              <a:t>nc</a:t>
+            </a:r>
+            <a:endParaRPr lang="en-US" altLang="ko-KR" sz="1600" b="0" dirty="0">
+              <a:effectLst/>
+              <a:latin typeface="ubuntu mono derivative powerline" panose="020B0509030602030204" pitchFamily="49" charset="0"/>
+            </a:endParaRPr>
+          </a:p>
+          <a:p>
+            <a:r>
+              <a:rPr lang="en-US" altLang="ko-KR" sz="1600" b="0" dirty="0">
+                <a:effectLst/>
+                <a:latin typeface="ubuntu mono derivative powerline" panose="020B0509030602030204" pitchFamily="49" charset="0"/>
+              </a:rPr>
+              <a:t>    if lv[np] == 'a':</a:t>
+            </a:r>
+          </a:p>
+          <a:p>
+            <a:r>
+              <a:rPr lang="en-US" altLang="ko-KR" sz="1600" b="0" dirty="0">
+                <a:effectLst/>
+                <a:latin typeface="ubuntu mono derivative powerline" panose="020B0509030602030204" pitchFamily="49" charset="0"/>
+              </a:rPr>
+              <a:t>        </a:t>
+            </a:r>
+            <a:r>
+              <a:rPr lang="en-US" altLang="ko-KR" sz="1600" b="0" dirty="0" err="1">
+                <a:effectLst/>
+                <a:latin typeface="ubuntu mono derivative powerline" panose="020B0509030602030204" pitchFamily="49" charset="0"/>
+              </a:rPr>
+              <a:t>lv.</a:t>
+            </a:r>
+            <a:r>
+              <a:rPr lang="en-US" altLang="ko-KR" sz="1600" b="0" dirty="0" err="1">
+                <a:solidFill>
+                  <a:srgbClr val="0000FF"/>
+                </a:solidFill>
+                <a:effectLst/>
+                <a:latin typeface="ubuntu mono derivative powerline" panose="020B0509030602030204" pitchFamily="49" charset="0"/>
+              </a:rPr>
+              <a:t>pop</a:t>
+            </a:r>
+            <a:r>
+              <a:rPr lang="en-US" altLang="ko-KR" sz="1600" b="0" dirty="0">
+                <a:effectLst/>
+                <a:latin typeface="ubuntu mono derivative powerline" panose="020B0509030602030204" pitchFamily="49" charset="0"/>
+              </a:rPr>
+              <a:t>(np)</a:t>
+            </a:r>
+          </a:p>
+          <a:p>
+            <a:r>
+              <a:rPr lang="en-US" altLang="ko-KR" sz="1600" b="0" dirty="0">
+                <a:effectLst/>
+                <a:latin typeface="ubuntu mono derivative powerline" panose="020B0509030602030204" pitchFamily="49" charset="0"/>
+              </a:rPr>
+              <a:t>        </a:t>
+            </a:r>
+            <a:r>
+              <a:rPr lang="en-US" altLang="ko-KR" sz="1600" b="0" dirty="0" err="1">
+                <a:effectLst/>
+                <a:latin typeface="ubuntu mono derivative powerline" panose="020B0509030602030204" pitchFamily="49" charset="0"/>
+              </a:rPr>
+              <a:t>nc</a:t>
+            </a:r>
+            <a:r>
+              <a:rPr lang="en-US" altLang="ko-KR" sz="1600" b="0" dirty="0">
+                <a:effectLst/>
+                <a:latin typeface="ubuntu mono derivative powerline" panose="020B0509030602030204" pitchFamily="49" charset="0"/>
+              </a:rPr>
+              <a:t> += 1</a:t>
+            </a:r>
+          </a:p>
+          <a:p>
+            <a:r>
+              <a:rPr lang="en-US" altLang="ko-KR" sz="1600" b="0" dirty="0">
+                <a:solidFill>
+                  <a:srgbClr val="0000FF"/>
+                </a:solidFill>
+                <a:effectLst/>
+                <a:latin typeface="ubuntu mono derivative powerline" panose="020B0509030602030204" pitchFamily="49" charset="0"/>
+              </a:rPr>
+              <a:t>print</a:t>
+            </a:r>
+            <a:r>
+              <a:rPr lang="en-US" altLang="ko-KR" sz="1600" b="0" dirty="0">
+                <a:effectLst/>
+                <a:latin typeface="ubuntu mono derivative powerline" panose="020B0509030602030204" pitchFamily="49" charset="0"/>
+              </a:rPr>
+              <a:t>(lv)</a:t>
+            </a:r>
+          </a:p>
+        </p:txBody>
+      </p:sp>
+      <p:pic>
+        <p:nvPicPr>
+          <p:cNvPr id="32" name="그림 31">
+            <a:extLst>
+              <a:ext uri="{FF2B5EF4-FFF2-40B4-BE49-F238E27FC236}">
+                <a16:creationId xmlns:a16="http://schemas.microsoft.com/office/drawing/2014/main" id="{8330D4F3-B51D-8C7B-8BE8-FD12769634C2}"/>
               </a:ext>
             </a:extLst>
           </p:cNvPr>
@@ -7926,8 +13673,8 @@
         </p:blipFill>
         <p:spPr>
           <a:xfrm>
-            <a:off x="7092280" y="3873737"/>
-            <a:ext cx="619211" cy="1581371"/>
+            <a:off x="5281159" y="3516647"/>
+            <a:ext cx="3467305" cy="274186"/>
           </a:xfrm>
           <a:prstGeom prst="rect">
             <a:avLst/>
@@ -7937,7 +13684,7 @@
     </p:spTree>
     <p:extLst>
       <p:ext uri="{BB962C8B-B14F-4D97-AF65-F5344CB8AC3E}">
-        <p14:creationId xmlns:p14="http://schemas.microsoft.com/office/powerpoint/2010/main" val="3194765554"/>
+        <p14:creationId xmlns:p14="http://schemas.microsoft.com/office/powerpoint/2010/main" val="1469383352"/>
       </p:ext>
     </p:extLst>
   </p:cSld>
@@ -8148,23 +13895,7 @@
               <a:rPr lang="en-US" altLang="ko-KR" dirty="0"/>
               <a:t>for each</a:t>
             </a:r>
-          </a:p>
-          <a:p>
-            <a:pPr lvl="1"/>
-            <a:r>
-              <a:rPr lang="en-US" altLang="ko-KR" dirty="0"/>
-              <a:t>enumerate</a:t>
-            </a:r>
-          </a:p>
-          <a:p>
-            <a:r>
-              <a:rPr lang="en-US" altLang="ko-KR" dirty="0"/>
-              <a:t>3.4 </a:t>
-            </a:r>
-            <a:r>
-              <a:rPr lang="ko-KR" altLang="en-US" dirty="0"/>
-              <a:t>함수</a:t>
-            </a:r>
+            <a:endParaRPr lang="ko-KR" altLang="en-US" dirty="0"/>
           </a:p>
         </p:txBody>
       </p:sp>
@@ -8200,13 +13931,7 @@
       </p:grpSpPr>
       <p:sp>
         <p:nvSpPr>
-          <p:cNvPr id="2" name="제목 1">
-            <a:extLst>
-              <a:ext uri="{FF2B5EF4-FFF2-40B4-BE49-F238E27FC236}">
-                <a16:creationId xmlns:a16="http://schemas.microsoft.com/office/drawing/2014/main" id="{FD308BA2-0DF8-4BC7-81FA-B1EB3EDD8CE7}"/>
-              </a:ext>
-            </a:extLst>
-          </p:cNvPr>
+          <p:cNvPr id="2" name="제목 1"/>
           <p:cNvSpPr>
             <a:spLocks noGrp="1"/>
           </p:cNvSpPr>
@@ -8220,53 +13945,157 @@
           <a:lstStyle/>
           <a:p>
             <a:r>
-              <a:rPr lang="ko-KR" altLang="en-US" dirty="0"/>
-              <a:t>학습목표</a:t>
-            </a:r>
-          </a:p>
-        </p:txBody>
-      </p:sp>
-      <p:sp>
-        <p:nvSpPr>
-          <p:cNvPr id="3" name="내용 개체 틀 2">
-            <a:extLst>
-              <a:ext uri="{FF2B5EF4-FFF2-40B4-BE49-F238E27FC236}">
-                <a16:creationId xmlns:a16="http://schemas.microsoft.com/office/drawing/2014/main" id="{75973774-AB04-4073-AC23-64E03125F184}"/>
-              </a:ext>
-            </a:extLst>
-          </p:cNvPr>
-          <p:cNvSpPr>
-            <a:spLocks noGrp="1"/>
-          </p:cNvSpPr>
-          <p:nvPr>
-            <p:ph idx="1"/>
-          </p:nvPr>
-        </p:nvSpPr>
-        <p:spPr/>
-        <p:txBody>
-          <a:bodyPr/>
-          <a:lstStyle/>
-          <a:p>
+              <a:rPr lang="en-US" altLang="ko-KR" dirty="0"/>
+              <a:t>3.1 </a:t>
+            </a:r>
             <a:r>
               <a:rPr lang="ko-KR" altLang="en-US" dirty="0" err="1"/>
               <a:t>파이썬의</a:t>
             </a:r>
             <a:r>
               <a:rPr lang="ko-KR" altLang="en-US" dirty="0"/>
-              <a:t> 기초에 대해 알 수 있다</a:t>
+              <a:t> 자료구조</a:t>
+            </a:r>
+          </a:p>
+        </p:txBody>
+      </p:sp>
+      <p:sp>
+        <p:nvSpPr>
+          <p:cNvPr id="3" name="내용 개체 틀 2"/>
+          <p:cNvSpPr>
+            <a:spLocks noGrp="1"/>
+          </p:cNvSpPr>
+          <p:nvPr>
+            <p:ph idx="1"/>
+          </p:nvPr>
+        </p:nvSpPr>
+        <p:spPr/>
+        <p:txBody>
+          <a:bodyPr>
+            <a:normAutofit/>
+          </a:bodyPr>
+          <a:lstStyle/>
+          <a:p>
+            <a:r>
+              <a:rPr lang="en-US" altLang="ko-KR" dirty="0"/>
+              <a:t>3.1.1 </a:t>
+            </a:r>
+            <a:r>
+              <a:rPr lang="ko-KR" altLang="en-US" dirty="0"/>
+              <a:t>상수</a:t>
+            </a:r>
+            <a:r>
+              <a:rPr lang="en-US" altLang="ko-KR" dirty="0"/>
+              <a:t>(Constant)</a:t>
+            </a:r>
+          </a:p>
+          <a:p>
+            <a:pPr lvl="1"/>
+            <a:r>
+              <a:rPr lang="ko-KR" altLang="en-US" dirty="0"/>
+              <a:t>상수</a:t>
+            </a:r>
+            <a:r>
+              <a:rPr lang="en-US" altLang="ko-KR" dirty="0"/>
+              <a:t>(Constant)</a:t>
+            </a:r>
+            <a:r>
+              <a:rPr lang="ko-KR" altLang="en-US" dirty="0"/>
+              <a:t>와 </a:t>
+            </a:r>
+            <a:r>
+              <a:rPr lang="ko-KR" altLang="en-US" dirty="0" err="1"/>
+              <a:t>리터럴</a:t>
+            </a:r>
+            <a:r>
+              <a:rPr lang="en-US" altLang="ko-KR" dirty="0"/>
+              <a:t>(</a:t>
+            </a:r>
+            <a:r>
+              <a:rPr lang="en-US" altLang="ko-KR" dirty="0" err="1"/>
+              <a:t>liternal</a:t>
+            </a:r>
+            <a:r>
+              <a:rPr lang="en-US" altLang="ko-KR" dirty="0"/>
+              <a:t>)</a:t>
+            </a:r>
+          </a:p>
+          <a:p>
+            <a:pPr lvl="2"/>
+            <a:r>
+              <a:rPr lang="ko-KR" altLang="en-US" dirty="0"/>
+              <a:t>상수는 항상 똑같은 값이 저장된 곳이다</a:t>
             </a:r>
             <a:r>
               <a:rPr lang="en-US" altLang="ko-KR" dirty="0"/>
               <a:t>.</a:t>
             </a:r>
-            <a:endParaRPr lang="ko-KR" altLang="en-US" dirty="0"/>
+          </a:p>
+          <a:p>
+            <a:pPr lvl="3"/>
+            <a:r>
+              <a:rPr lang="en-US" altLang="ko-KR" dirty="0"/>
+              <a:t>C</a:t>
+            </a:r>
+            <a:r>
+              <a:rPr lang="ko-KR" altLang="en-US" dirty="0"/>
+              <a:t>언어의 </a:t>
+            </a:r>
+            <a:r>
+              <a:rPr lang="en-US" altLang="ko-KR" dirty="0"/>
+              <a:t>const </a:t>
+            </a:r>
+            <a:r>
+              <a:rPr lang="ko-KR" altLang="en-US" dirty="0"/>
+              <a:t>또는 </a:t>
+            </a:r>
+            <a:r>
+              <a:rPr lang="en-US" altLang="ko-KR" dirty="0"/>
+              <a:t>#define</a:t>
+            </a:r>
+            <a:r>
+              <a:rPr lang="ko-KR" altLang="en-US" dirty="0"/>
+              <a:t>과 같은 키워드를 제공하지 않음</a:t>
+            </a:r>
+            <a:endParaRPr lang="en-US" altLang="ko-KR" dirty="0"/>
+          </a:p>
+          <a:p>
+            <a:pPr lvl="3"/>
+            <a:r>
+              <a:rPr lang="ko-KR" altLang="en-US" dirty="0"/>
+              <a:t>그래서 원칙적으로 상수를 사용하지 못함</a:t>
+            </a:r>
+            <a:endParaRPr lang="en-US" altLang="ko-KR" dirty="0"/>
+          </a:p>
+          <a:p>
+            <a:pPr lvl="2"/>
+            <a:r>
+              <a:rPr lang="ko-KR" altLang="en-US" dirty="0" err="1"/>
+              <a:t>리터럴은</a:t>
+            </a:r>
+            <a:r>
+              <a:rPr lang="ko-KR" altLang="en-US" dirty="0"/>
+              <a:t> 숫자나</a:t>
+            </a:r>
+            <a:r>
+              <a:rPr lang="en-US" altLang="ko-KR" dirty="0"/>
+              <a:t>, </a:t>
+            </a:r>
+            <a:r>
+              <a:rPr lang="ko-KR" altLang="en-US" dirty="0"/>
+              <a:t>문자열을 말한다</a:t>
+            </a:r>
+            <a:r>
+              <a:rPr lang="en-US" altLang="ko-KR" dirty="0"/>
+              <a:t>.</a:t>
+            </a:r>
           </a:p>
         </p:txBody>
       </p:sp>
     </p:spTree>
     <p:extLst>
       <p:ext uri="{BB962C8B-B14F-4D97-AF65-F5344CB8AC3E}">
-        <p14:creationId xmlns:p14="http://schemas.microsoft.com/office/powerpoint/2010/main" val="1080592290"/>
+        <p14:creationId xmlns:p14="http://schemas.microsoft.com/office/powerpoint/2010/main" val="1598482045"/>
       </p:ext>
     </p:extLst>
   </p:cSld>
@@ -8356,90 +14185,32 @@
           <a:p>
             <a:pPr lvl="1"/>
             <a:r>
+              <a:rPr lang="ko-KR" altLang="en-US" dirty="0" err="1"/>
+              <a:t>리터럴의</a:t>
+            </a:r>
+            <a:r>
               <a:rPr lang="ko-KR" altLang="en-US" dirty="0"/>
-              <a:t>상수</a:t>
-            </a:r>
-            <a:r>
-              <a:rPr lang="en-US" altLang="ko-KR" dirty="0"/>
-              <a:t>(Constant)</a:t>
-            </a:r>
+              <a:t> 종류</a:t>
+            </a:r>
+            <a:endParaRPr lang="en-US" altLang="ko-KR" dirty="0"/>
+          </a:p>
+          <a:p>
+            <a:pPr lvl="2"/>
             <a:r>
               <a:rPr lang="ko-KR" altLang="en-US" dirty="0"/>
-              <a:t>와 </a:t>
+              <a:t>숫자 </a:t>
             </a:r>
             <a:r>
               <a:rPr lang="ko-KR" altLang="en-US" dirty="0" err="1"/>
               <a:t>리터럴</a:t>
             </a:r>
-            <a:r>
-              <a:rPr lang="en-US" altLang="ko-KR" dirty="0"/>
-              <a:t>(</a:t>
-            </a:r>
-            <a:r>
-              <a:rPr lang="en-US" altLang="ko-KR" dirty="0" err="1"/>
-              <a:t>liternal</a:t>
-            </a:r>
-            <a:r>
-              <a:rPr lang="en-US" altLang="ko-KR" dirty="0"/>
-              <a:t>)</a:t>
-            </a:r>
-          </a:p>
-          <a:p>
-            <a:pPr lvl="2"/>
+            <a:endParaRPr lang="en-US" altLang="ko-KR" dirty="0"/>
+          </a:p>
+          <a:p>
+            <a:pPr lvl="3"/>
             <a:r>
               <a:rPr lang="ko-KR" altLang="en-US" dirty="0"/>
-              <a:t>상수는 항상 똑같은 값이 저장된 곳이다</a:t>
-            </a:r>
-            <a:r>
-              <a:rPr lang="en-US" altLang="ko-KR" dirty="0"/>
-              <a:t>.</a:t>
-            </a:r>
-          </a:p>
-          <a:p>
-            <a:pPr lvl="3"/>
-            <a:r>
-              <a:rPr lang="en-US" altLang="ko-KR" dirty="0"/>
-              <a:t>C</a:t>
-            </a:r>
-            <a:r>
-              <a:rPr lang="ko-KR" altLang="en-US" dirty="0"/>
-              <a:t>언어의 </a:t>
-            </a:r>
-            <a:r>
-              <a:rPr lang="en-US" altLang="ko-KR" dirty="0"/>
-              <a:t>const </a:t>
-            </a:r>
-            <a:r>
-              <a:rPr lang="ko-KR" altLang="en-US" dirty="0"/>
-              <a:t>또는 </a:t>
-            </a:r>
-            <a:r>
-              <a:rPr lang="en-US" altLang="ko-KR" dirty="0"/>
-              <a:t>#define</a:t>
-            </a:r>
-            <a:r>
-              <a:rPr lang="ko-KR" altLang="en-US" dirty="0"/>
-              <a:t>과 같은 키워드를 제공하지 않음</a:t>
-            </a:r>
-            <a:endParaRPr lang="en-US" altLang="ko-KR" dirty="0"/>
-          </a:p>
-          <a:p>
-            <a:pPr lvl="3"/>
-            <a:r>
-              <a:rPr lang="ko-KR" altLang="en-US" dirty="0"/>
-              <a:t>그래서 원칙적으로 상수를 사용하지 못함</a:t>
-            </a:r>
-            <a:endParaRPr lang="en-US" altLang="ko-KR" dirty="0"/>
-          </a:p>
-          <a:p>
-            <a:pPr lvl="2"/>
-            <a:r>
-              <a:rPr lang="ko-KR" altLang="en-US" dirty="0" err="1"/>
-              <a:t>리터럴은</a:t>
-            </a:r>
-            <a:r>
-              <a:rPr lang="ko-KR" altLang="en-US" dirty="0"/>
-              <a:t> 숫자나</a:t>
+              <a:t>정수</a:t>
             </a:r>
             <a:r>
               <a:rPr lang="en-US" altLang="ko-KR" dirty="0"/>
@@ -8447,11 +14218,69 @@
             </a:r>
             <a:r>
               <a:rPr lang="ko-KR" altLang="en-US" dirty="0"/>
-              <a:t>문자열을 말한다</a:t>
+              <a:t>실수</a:t>
             </a:r>
             <a:r>
               <a:rPr lang="en-US" altLang="ko-KR" dirty="0"/>
-              <a:t>.</a:t>
+              <a:t>, </a:t>
+            </a:r>
+            <a:r>
+              <a:rPr lang="ko-KR" altLang="en-US" dirty="0"/>
+              <a:t>복소수</a:t>
+            </a:r>
+            <a:endParaRPr lang="en-US" altLang="ko-KR" dirty="0"/>
+          </a:p>
+          <a:p>
+            <a:pPr lvl="4"/>
+            <a:r>
+              <a:rPr lang="en-US" altLang="ko-KR" dirty="0"/>
+              <a:t>4, 3.141592, 3+5j</a:t>
+            </a:r>
+          </a:p>
+          <a:p>
+            <a:pPr lvl="2"/>
+            <a:r>
+              <a:rPr lang="ko-KR" altLang="en-US" dirty="0"/>
+              <a:t>문자 </a:t>
+            </a:r>
+            <a:r>
+              <a:rPr lang="ko-KR" altLang="en-US" dirty="0" err="1"/>
+              <a:t>리터럴</a:t>
+            </a:r>
+            <a:endParaRPr lang="en-US" altLang="ko-KR" dirty="0"/>
+          </a:p>
+          <a:p>
+            <a:pPr lvl="3"/>
+            <a:r>
+              <a:rPr lang="ko-KR" altLang="en-US" dirty="0"/>
+              <a:t>따옴표로 묶인 문자</a:t>
+            </a:r>
+            <a:endParaRPr lang="en-US" altLang="ko-KR" dirty="0"/>
+          </a:p>
+          <a:p>
+            <a:pPr lvl="4"/>
+            <a:r>
+              <a:rPr lang="en-US" altLang="ko-KR" dirty="0"/>
+              <a:t>“This is Python”, ‘This is Python’</a:t>
+            </a:r>
+          </a:p>
+          <a:p>
+            <a:pPr lvl="2"/>
+            <a:r>
+              <a:rPr lang="ko-KR" altLang="en-US" dirty="0"/>
+              <a:t>논리값 </a:t>
+            </a:r>
+            <a:r>
+              <a:rPr lang="ko-KR" altLang="en-US" dirty="0" err="1"/>
+              <a:t>리터럴</a:t>
+            </a:r>
+            <a:endParaRPr lang="en-US" altLang="ko-KR" dirty="0"/>
+          </a:p>
+          <a:p>
+            <a:pPr lvl="3"/>
+            <a:r>
+              <a:rPr lang="en-US" altLang="ko-KR" dirty="0"/>
+              <a:t>True, False</a:t>
             </a:r>
           </a:p>
         </p:txBody>
@@ -8459,7 +14288,7 @@
     </p:spTree>
     <p:extLst>
       <p:ext uri="{BB962C8B-B14F-4D97-AF65-F5344CB8AC3E}">
-        <p14:creationId xmlns:p14="http://schemas.microsoft.com/office/powerpoint/2010/main" val="1598482045"/>
+        <p14:creationId xmlns:p14="http://schemas.microsoft.com/office/powerpoint/2010/main" val="3158594236"/>
       </p:ext>
     </p:extLst>
   </p:cSld>
@@ -8562,199 +14391,6 @@
             <a:pPr lvl="2"/>
             <a:r>
               <a:rPr lang="ko-KR" altLang="en-US" dirty="0"/>
-              <a:t>숫자 </a:t>
-            </a:r>
-            <a:r>
-              <a:rPr lang="ko-KR" altLang="en-US" dirty="0" err="1"/>
-              <a:t>리터럴</a:t>
-            </a:r>
-            <a:endParaRPr lang="en-US" altLang="ko-KR" dirty="0"/>
-          </a:p>
-          <a:p>
-            <a:pPr lvl="3"/>
-            <a:r>
-              <a:rPr lang="ko-KR" altLang="en-US" dirty="0"/>
-              <a:t>정수</a:t>
-            </a:r>
-            <a:r>
-              <a:rPr lang="en-US" altLang="ko-KR" dirty="0"/>
-              <a:t>, </a:t>
-            </a:r>
-            <a:r>
-              <a:rPr lang="ko-KR" altLang="en-US" dirty="0"/>
-              <a:t>실수</a:t>
-            </a:r>
-            <a:r>
-              <a:rPr lang="en-US" altLang="ko-KR" dirty="0"/>
-              <a:t>, </a:t>
-            </a:r>
-            <a:r>
-              <a:rPr lang="ko-KR" altLang="en-US" dirty="0"/>
-              <a:t>복소수</a:t>
-            </a:r>
-            <a:endParaRPr lang="en-US" altLang="ko-KR" dirty="0"/>
-          </a:p>
-          <a:p>
-            <a:pPr lvl="4"/>
-            <a:r>
-              <a:rPr lang="en-US" altLang="ko-KR" dirty="0"/>
-              <a:t>4, 3.141592, 3+5j</a:t>
-            </a:r>
-          </a:p>
-          <a:p>
-            <a:pPr lvl="2"/>
-            <a:r>
-              <a:rPr lang="ko-KR" altLang="en-US" dirty="0"/>
-              <a:t>문자 </a:t>
-            </a:r>
-            <a:r>
-              <a:rPr lang="ko-KR" altLang="en-US" dirty="0" err="1"/>
-              <a:t>리터럴</a:t>
-            </a:r>
-            <a:endParaRPr lang="en-US" altLang="ko-KR" dirty="0"/>
-          </a:p>
-          <a:p>
-            <a:pPr lvl="3"/>
-            <a:r>
-              <a:rPr lang="ko-KR" altLang="en-US" dirty="0"/>
-              <a:t>따옴표로 묶인 문자</a:t>
-            </a:r>
-            <a:endParaRPr lang="en-US" altLang="ko-KR" dirty="0"/>
-          </a:p>
-          <a:p>
-            <a:pPr lvl="4"/>
-            <a:r>
-              <a:rPr lang="en-US" altLang="ko-KR" dirty="0"/>
-              <a:t>“This is Python”, ‘This is Python’</a:t>
-            </a:r>
-          </a:p>
-          <a:p>
-            <a:pPr lvl="2"/>
-            <a:r>
-              <a:rPr lang="ko-KR" altLang="en-US" dirty="0"/>
-              <a:t>논리값 </a:t>
-            </a:r>
-            <a:r>
-              <a:rPr lang="ko-KR" altLang="en-US" dirty="0" err="1"/>
-              <a:t>리터럴</a:t>
-            </a:r>
-            <a:endParaRPr lang="en-US" altLang="ko-KR" dirty="0"/>
-          </a:p>
-          <a:p>
-            <a:pPr lvl="3"/>
-            <a:r>
-              <a:rPr lang="en-US" altLang="ko-KR" dirty="0"/>
-              <a:t>True, False</a:t>
-            </a:r>
-          </a:p>
-        </p:txBody>
-      </p:sp>
-    </p:spTree>
-    <p:extLst>
-      <p:ext uri="{BB962C8B-B14F-4D97-AF65-F5344CB8AC3E}">
-        <p14:creationId xmlns:p14="http://schemas.microsoft.com/office/powerpoint/2010/main" val="3158594236"/>
-      </p:ext>
-    </p:extLst>
-  </p:cSld>
-  <p:clrMapOvr>
-    <a:masterClrMapping/>
-  </p:clrMapOvr>
-</p:sld>
-</file>
-
-<file path=ppt/slides/slide6.xml><?xml version="1.0" encoding="utf-8"?>
-<p:sld xmlns:a="http://schemas.openxmlformats.org/drawingml/2006/main" xmlns:r="http://schemas.openxmlformats.org/officeDocument/2006/relationships" xmlns:p="http://schemas.openxmlformats.org/presentationml/2006/main">
-  <p:cSld>
-    <p:spTree>
-      <p:nvGrpSpPr>
-        <p:cNvPr id="1" name=""/>
-        <p:cNvGrpSpPr/>
-        <p:nvPr/>
-      </p:nvGrpSpPr>
-      <p:grpSpPr>
-        <a:xfrm>
-          <a:off x="0" y="0"/>
-          <a:ext cx="0" cy="0"/>
-          <a:chOff x="0" y="0"/>
-          <a:chExt cx="0" cy="0"/>
-        </a:xfrm>
-      </p:grpSpPr>
-      <p:sp>
-        <p:nvSpPr>
-          <p:cNvPr id="2" name="제목 1"/>
-          <p:cNvSpPr>
-            <a:spLocks noGrp="1"/>
-          </p:cNvSpPr>
-          <p:nvPr>
-            <p:ph type="title"/>
-          </p:nvPr>
-        </p:nvSpPr>
-        <p:spPr/>
-        <p:txBody>
-          <a:bodyPr/>
-          <a:lstStyle/>
-          <a:p>
-            <a:r>
-              <a:rPr lang="en-US" altLang="ko-KR" dirty="0"/>
-              <a:t>3.1 </a:t>
-            </a:r>
-            <a:r>
-              <a:rPr lang="ko-KR" altLang="en-US" dirty="0" err="1"/>
-              <a:t>파이썬의</a:t>
-            </a:r>
-            <a:r>
-              <a:rPr lang="ko-KR" altLang="en-US" dirty="0"/>
-              <a:t> 자료구조</a:t>
-            </a:r>
-          </a:p>
-        </p:txBody>
-      </p:sp>
-      <p:sp>
-        <p:nvSpPr>
-          <p:cNvPr id="3" name="내용 개체 틀 2"/>
-          <p:cNvSpPr>
-            <a:spLocks noGrp="1"/>
-          </p:cNvSpPr>
-          <p:nvPr>
-            <p:ph idx="1"/>
-          </p:nvPr>
-        </p:nvSpPr>
-        <p:spPr/>
-        <p:txBody>
-          <a:bodyPr>
-            <a:normAutofit/>
-          </a:bodyPr>
-          <a:lstStyle/>
-          <a:p>
-            <a:r>
-              <a:rPr lang="en-US" altLang="ko-KR" dirty="0"/>
-              <a:t>3.1.1 </a:t>
-            </a:r>
-            <a:r>
-              <a:rPr lang="ko-KR" altLang="en-US" dirty="0"/>
-              <a:t>상수</a:t>
-            </a:r>
-            <a:r>
-              <a:rPr lang="en-US" altLang="ko-KR" dirty="0"/>
-              <a:t>(Constant)</a:t>
-            </a:r>
-          </a:p>
-          <a:p>
-            <a:pPr lvl="1"/>
-            <a:r>
-              <a:rPr lang="ko-KR" altLang="en-US" dirty="0" err="1"/>
-              <a:t>리터럴의</a:t>
-            </a:r>
-            <a:r>
-              <a:rPr lang="ko-KR" altLang="en-US" dirty="0"/>
-              <a:t> 종류</a:t>
-            </a:r>
-            <a:endParaRPr lang="en-US" altLang="ko-KR" dirty="0"/>
-          </a:p>
-          <a:p>
-            <a:pPr lvl="2"/>
-            <a:r>
-              <a:rPr lang="ko-KR" altLang="en-US" dirty="0"/>
               <a:t>특수 </a:t>
             </a:r>
             <a:r>
@@ -8828,7 +14464,7 @@
 </p:sld>
 </file>
 
-<file path=ppt/slides/slide7.xml><?xml version="1.0" encoding="utf-8"?>
+<file path=ppt/slides/slide6.xml><?xml version="1.0" encoding="utf-8"?>
 <p:sld xmlns:a="http://schemas.openxmlformats.org/drawingml/2006/main" xmlns:r="http://schemas.openxmlformats.org/officeDocument/2006/relationships" xmlns:p="http://schemas.openxmlformats.org/presentationml/2006/main">
   <p:cSld>
     <p:spTree>
@@ -9006,6 +14642,234 @@
 </p:sld>
 </file>
 
+<file path=ppt/slides/slide7.xml><?xml version="1.0" encoding="utf-8"?>
+<p:sld xmlns:a="http://schemas.openxmlformats.org/drawingml/2006/main" xmlns:r="http://schemas.openxmlformats.org/officeDocument/2006/relationships" xmlns:p="http://schemas.openxmlformats.org/presentationml/2006/main">
+  <p:cSld>
+    <p:spTree>
+      <p:nvGrpSpPr>
+        <p:cNvPr id="1" name=""/>
+        <p:cNvGrpSpPr/>
+        <p:nvPr/>
+      </p:nvGrpSpPr>
+      <p:grpSpPr>
+        <a:xfrm>
+          <a:off x="0" y="0"/>
+          <a:ext cx="0" cy="0"/>
+          <a:chOff x="0" y="0"/>
+          <a:chExt cx="0" cy="0"/>
+        </a:xfrm>
+      </p:grpSpPr>
+      <p:sp>
+        <p:nvSpPr>
+          <p:cNvPr id="2" name="제목 1"/>
+          <p:cNvSpPr>
+            <a:spLocks noGrp="1"/>
+          </p:cNvSpPr>
+          <p:nvPr>
+            <p:ph type="title"/>
+          </p:nvPr>
+        </p:nvSpPr>
+        <p:spPr/>
+        <p:txBody>
+          <a:bodyPr/>
+          <a:lstStyle/>
+          <a:p>
+            <a:r>
+              <a:rPr lang="en-US" altLang="ko-KR" dirty="0"/>
+              <a:t>3.1 </a:t>
+            </a:r>
+            <a:r>
+              <a:rPr lang="ko-KR" altLang="en-US" dirty="0" err="1"/>
+              <a:t>파이썬의</a:t>
+            </a:r>
+            <a:r>
+              <a:rPr lang="ko-KR" altLang="en-US" dirty="0"/>
+              <a:t> 자료구조</a:t>
+            </a:r>
+          </a:p>
+        </p:txBody>
+      </p:sp>
+      <p:sp>
+        <p:nvSpPr>
+          <p:cNvPr id="3" name="내용 개체 틀 2"/>
+          <p:cNvSpPr>
+            <a:spLocks noGrp="1"/>
+          </p:cNvSpPr>
+          <p:nvPr>
+            <p:ph idx="1"/>
+          </p:nvPr>
+        </p:nvSpPr>
+        <p:spPr/>
+        <p:txBody>
+          <a:bodyPr>
+            <a:normAutofit/>
+          </a:bodyPr>
+          <a:lstStyle/>
+          <a:p>
+            <a:r>
+              <a:rPr lang="en-US" altLang="ko-KR" dirty="0"/>
+              <a:t>3.1.3 </a:t>
+            </a:r>
+            <a:r>
+              <a:rPr lang="ko-KR" altLang="en-US" dirty="0"/>
+              <a:t>컬렉션 </a:t>
+            </a:r>
+            <a:r>
+              <a:rPr lang="ko-KR" altLang="en-US" dirty="0" err="1"/>
+              <a:t>리터럴</a:t>
+            </a:r>
+            <a:endParaRPr lang="en-US" altLang="ko-KR" dirty="0"/>
+          </a:p>
+          <a:p>
+            <a:pPr lvl="1"/>
+            <a:r>
+              <a:rPr lang="en-US" altLang="ko-KR" dirty="0"/>
+              <a:t>List = []</a:t>
+            </a:r>
+          </a:p>
+          <a:p>
+            <a:pPr lvl="2"/>
+            <a:r>
+              <a:rPr lang="ko-KR" altLang="en-US" dirty="0"/>
+              <a:t>일반적인 배열</a:t>
+            </a:r>
+            <a:r>
+              <a:rPr lang="en-US" altLang="ko-KR" dirty="0"/>
+              <a:t>(</a:t>
+            </a:r>
+            <a:r>
+              <a:rPr lang="ko-KR" altLang="en-US" dirty="0"/>
+              <a:t>변경 가능</a:t>
+            </a:r>
+            <a:r>
+              <a:rPr lang="en-US" altLang="ko-KR" dirty="0"/>
+              <a:t>)</a:t>
+            </a:r>
+          </a:p>
+          <a:p>
+            <a:pPr lvl="1"/>
+            <a:r>
+              <a:rPr lang="en-US" altLang="ko-KR" dirty="0"/>
+              <a:t>Tuple = ()</a:t>
+            </a:r>
+          </a:p>
+          <a:p>
+            <a:pPr lvl="2"/>
+            <a:r>
+              <a:rPr lang="ko-KR" altLang="en-US" dirty="0"/>
+              <a:t>변경 불가능한 배열</a:t>
+            </a:r>
+            <a:endParaRPr lang="en-US" altLang="ko-KR" dirty="0"/>
+          </a:p>
+          <a:p>
+            <a:pPr lvl="1"/>
+            <a:r>
+              <a:rPr lang="en-US" altLang="ko-KR" dirty="0"/>
+              <a:t>Set = {}</a:t>
+            </a:r>
+          </a:p>
+          <a:p>
+            <a:pPr lvl="2"/>
+            <a:r>
+              <a:rPr lang="ko-KR" altLang="en-US" dirty="0"/>
+              <a:t>중복 불가능한 배열</a:t>
+            </a:r>
+            <a:r>
+              <a:rPr lang="en-US" altLang="ko-KR" dirty="0"/>
+              <a:t>, </a:t>
+            </a:r>
+            <a:r>
+              <a:rPr lang="ko-KR" altLang="en-US" dirty="0"/>
+              <a:t>순서를 보장받지 못함</a:t>
+            </a:r>
+            <a:endParaRPr lang="en-US" altLang="ko-KR" dirty="0"/>
+          </a:p>
+          <a:p>
+            <a:pPr lvl="1"/>
+            <a:r>
+              <a:rPr lang="en-US" altLang="ko-KR" dirty="0" err="1"/>
+              <a:t>Dict</a:t>
+            </a:r>
+            <a:r>
+              <a:rPr lang="en-US" altLang="ko-KR" dirty="0"/>
+              <a:t> = {</a:t>
+            </a:r>
+            <a:r>
+              <a:rPr lang="en-US" altLang="ko-KR" dirty="0" err="1"/>
+              <a:t>key:value</a:t>
+            </a:r>
+            <a:r>
+              <a:rPr lang="en-US" altLang="ko-KR" dirty="0"/>
+              <a:t>}</a:t>
+            </a:r>
+          </a:p>
+          <a:p>
+            <a:pPr lvl="2"/>
+            <a:r>
+              <a:rPr lang="en-US" altLang="ko-KR" dirty="0"/>
+              <a:t>key</a:t>
+            </a:r>
+            <a:r>
+              <a:rPr lang="ko-KR" altLang="en-US" dirty="0"/>
+              <a:t>와 </a:t>
+            </a:r>
+            <a:r>
+              <a:rPr lang="en-US" altLang="ko-KR" dirty="0"/>
+              <a:t>value</a:t>
+            </a:r>
+            <a:r>
+              <a:rPr lang="ko-KR" altLang="en-US" dirty="0"/>
+              <a:t>쌍으로 이루어진 자료형</a:t>
+            </a:r>
+            <a:endParaRPr lang="en-US" altLang="ko-KR" dirty="0"/>
+          </a:p>
+          <a:p>
+            <a:pPr lvl="2"/>
+            <a:r>
+              <a:rPr lang="en-US" altLang="ko-KR" dirty="0"/>
+              <a:t>Server</a:t>
+            </a:r>
+            <a:r>
+              <a:rPr lang="ko-KR" altLang="en-US" dirty="0"/>
+              <a:t> ↔ </a:t>
+            </a:r>
+            <a:r>
+              <a:rPr lang="en-US" altLang="ko-KR" dirty="0"/>
+              <a:t>Client </a:t>
+            </a:r>
+            <a:r>
+              <a:rPr lang="ko-KR" altLang="en-US" dirty="0"/>
+              <a:t>데이터 전송에 가장 많이 사용되는 </a:t>
+            </a:r>
+            <a:r>
+              <a:rPr lang="en-US" altLang="ko-KR" dirty="0" err="1"/>
+              <a:t>Json</a:t>
+            </a:r>
+            <a:r>
+              <a:rPr lang="en-US" altLang="ko-KR" dirty="0"/>
+              <a:t> </a:t>
+            </a:r>
+            <a:r>
+              <a:rPr lang="ko-KR" altLang="en-US" dirty="0"/>
+              <a:t>형식</a:t>
+            </a:r>
+            <a:endParaRPr lang="en-US" altLang="ko-KR" dirty="0"/>
+          </a:p>
+        </p:txBody>
+      </p:sp>
+    </p:spTree>
+    <p:extLst>
+      <p:ext uri="{BB962C8B-B14F-4D97-AF65-F5344CB8AC3E}">
+        <p14:creationId xmlns:p14="http://schemas.microsoft.com/office/powerpoint/2010/main" val="446072106"/>
+      </p:ext>
+    </p:extLst>
+  </p:cSld>
+  <p:clrMapOvr>
+    <a:masterClrMapping/>
+  </p:clrMapOvr>
+</p:sld>
+</file>
+
 <file path=ppt/slides/slide8.xml><?xml version="1.0" encoding="utf-8"?>
 <p:sld xmlns:a="http://schemas.openxmlformats.org/drawingml/2006/main" xmlns:r="http://schemas.openxmlformats.org/officeDocument/2006/relationships" xmlns:p="http://schemas.openxmlformats.org/presentationml/2006/main">
   <p:cSld>
@@ -9095,19 +14959,91 @@
             <a:pPr lvl="2"/>
             <a:r>
               <a:rPr lang="ko-KR" altLang="en-US" dirty="0"/>
-              <a:t>일반적인 배열</a:t>
+              <a:t>값 추가</a:t>
             </a:r>
             <a:r>
               <a:rPr lang="en-US" altLang="ko-KR" dirty="0"/>
-              <a:t>(</a:t>
-            </a:r>
+              <a:t>: </a:t>
+            </a:r>
+            <a:r>
+              <a:rPr lang="en-US" altLang="ko-KR" dirty="0" err="1"/>
+              <a:t>List.append</a:t>
+            </a:r>
+            <a:r>
+              <a:rPr lang="en-US" altLang="ko-KR" dirty="0"/>
+              <a:t>(value)</a:t>
+            </a:r>
+          </a:p>
+          <a:p>
+            <a:pPr lvl="2"/>
             <a:r>
               <a:rPr lang="ko-KR" altLang="en-US" dirty="0"/>
-              <a:t>변경 가능</a:t>
+              <a:t>특정 위치에 값 추가</a:t>
             </a:r>
             <a:r>
               <a:rPr lang="en-US" altLang="ko-KR" dirty="0"/>
-              <a:t>)</a:t>
+              <a:t>: </a:t>
+            </a:r>
+            <a:r>
+              <a:rPr lang="en-US" altLang="ko-KR" dirty="0" err="1"/>
+              <a:t>List.insert</a:t>
+            </a:r>
+            <a:r>
+              <a:rPr lang="en-US" altLang="ko-KR" dirty="0"/>
+              <a:t>(index, value)</a:t>
+            </a:r>
+          </a:p>
+          <a:p>
+            <a:pPr lvl="2"/>
+            <a:endParaRPr lang="en-US" altLang="ko-KR" dirty="0"/>
+          </a:p>
+          <a:p>
+            <a:pPr lvl="2"/>
+            <a:r>
+              <a:rPr lang="ko-KR" altLang="en-US" dirty="0"/>
+              <a:t>값 삭제</a:t>
+            </a:r>
+            <a:r>
+              <a:rPr lang="en-US" altLang="ko-KR" dirty="0"/>
+              <a:t>: </a:t>
+            </a:r>
+            <a:r>
+              <a:rPr lang="en-US" altLang="ko-KR" dirty="0" err="1"/>
+              <a:t>List.remove</a:t>
+            </a:r>
+            <a:r>
+              <a:rPr lang="en-US" altLang="ko-KR" dirty="0"/>
+              <a:t>(value)</a:t>
+            </a:r>
+          </a:p>
+          <a:p>
+            <a:pPr lvl="2"/>
+            <a:r>
+              <a:rPr lang="ko-KR" altLang="en-US" dirty="0"/>
+              <a:t>값 삭제</a:t>
+            </a:r>
+            <a:r>
+              <a:rPr lang="en-US" altLang="ko-KR" dirty="0"/>
+              <a:t>: </a:t>
+            </a:r>
+            <a:r>
+              <a:rPr lang="en-US" altLang="ko-KR" dirty="0" err="1"/>
+              <a:t>List.pop</a:t>
+            </a:r>
+            <a:r>
+              <a:rPr lang="en-US" altLang="ko-KR" dirty="0"/>
+              <a:t>(index)</a:t>
+            </a:r>
+          </a:p>
+          <a:p>
+            <a:pPr lvl="2"/>
+            <a:r>
+              <a:rPr lang="ko-KR" altLang="en-US" dirty="0"/>
+              <a:t>값 삭제</a:t>
+            </a:r>
+            <a:r>
+              <a:rPr lang="en-US" altLang="ko-KR" dirty="0"/>
+              <a:t>: del List[index]</a:t>
             </a:r>
           </a:p>
           <a:p>
@@ -9121,101 +15057,15 @@
             <a:pPr lvl="2"/>
             <a:r>
               <a:rPr lang="ko-KR" altLang="en-US" dirty="0"/>
-              <a:t>변경 불가능한 배열</a:t>
-            </a:r>
-            <a:endParaRPr lang="en-US" altLang="ko-KR" dirty="0"/>
-          </a:p>
-          <a:p>
-            <a:pPr lvl="1"/>
+              <a:t>추가</a:t>
+            </a:r>
             <a:r>
               <a:rPr lang="en-US" altLang="ko-KR" dirty="0"/>
-              <a:t>Set = {}</a:t>
-            </a:r>
-          </a:p>
-          <a:p>
-            <a:pPr lvl="2"/>
+              <a:t>,</a:t>
+            </a:r>
             <a:r>
               <a:rPr lang="ko-KR" altLang="en-US" dirty="0"/>
-              <a:t>중복 불가능한 배열</a:t>
-            </a:r>
-            <a:r>
-              <a:rPr lang="en-US" altLang="ko-KR" dirty="0"/>
-              <a:t>, </a:t>
-            </a:r>
-            <a:r>
-              <a:rPr lang="ko-KR" altLang="en-US" dirty="0"/>
-              <a:t>순서를 보장받지 못함</a:t>
-            </a:r>
-            <a:endParaRPr lang="en-US" altLang="ko-KR" dirty="0"/>
-          </a:p>
-          <a:p>
-            <a:pPr lvl="1"/>
-            <a:r>
-              <a:rPr lang="en-US" altLang="ko-KR" dirty="0" err="1"/>
-              <a:t>Dict</a:t>
-            </a:r>
-            <a:r>
-              <a:rPr lang="en-US" altLang="ko-KR" dirty="0"/>
-              <a:t> = {</a:t>
-            </a:r>
-            <a:r>
-              <a:rPr lang="en-US" altLang="ko-KR" dirty="0" err="1"/>
-              <a:t>key:value</a:t>
-            </a:r>
-            <a:r>
-              <a:rPr lang="en-US" altLang="ko-KR" dirty="0"/>
-              <a:t>}</a:t>
-            </a:r>
-          </a:p>
-          <a:p>
-            <a:pPr lvl="2"/>
-            <a:r>
-              <a:rPr lang="en-US" altLang="ko-KR" dirty="0"/>
-              <a:t>key</a:t>
-            </a:r>
-            <a:r>
-              <a:rPr lang="ko-KR" altLang="en-US" dirty="0"/>
-              <a:t>와 </a:t>
-            </a:r>
-            <a:r>
-              <a:rPr lang="en-US" altLang="ko-KR" dirty="0"/>
-              <a:t>value</a:t>
-            </a:r>
-            <a:r>
-              <a:rPr lang="ko-KR" altLang="en-US" dirty="0"/>
-              <a:t>쌍으로 이루어진 자료형</a:t>
-            </a:r>
-            <a:endParaRPr lang="en-US" altLang="ko-KR" dirty="0"/>
-          </a:p>
-          <a:p>
-            <a:pPr lvl="2"/>
-            <a:r>
-              <a:rPr lang="en-US" altLang="ko-KR" dirty="0"/>
-              <a:t>Server</a:t>
-            </a:r>
-            <a:r>
-              <a:rPr lang="ko-KR" altLang="en-US" dirty="0"/>
-              <a:t> ↔ </a:t>
-            </a:r>
-            <a:r>
-              <a:rPr lang="en-US" altLang="ko-KR" dirty="0"/>
-              <a:t>Client </a:t>
-            </a:r>
-            <a:r>
-              <a:rPr lang="ko-KR" altLang="en-US" dirty="0"/>
-              <a:t>데이터 전송에 가장 많이 사용되는 </a:t>
-            </a:r>
-            <a:r>
-              <a:rPr lang="en-US" altLang="ko-KR" dirty="0" err="1"/>
-              <a:t>Json</a:t>
-            </a:r>
-            <a:r>
-              <a:rPr lang="en-US" altLang="ko-KR" dirty="0"/>
-              <a:t> </a:t>
-            </a:r>
-            <a:r>
-              <a:rPr lang="ko-KR" altLang="en-US" dirty="0"/>
-              <a:t>형식</a:t>
+              <a:t> 삭제 등 값이 변화되는 행위 불가능</a:t>
             </a:r>
             <a:endParaRPr lang="en-US" altLang="ko-KR" dirty="0"/>
           </a:p>
@@ -9224,7 +15074,7 @@
     </p:spTree>
     <p:extLst>
       <p:ext uri="{BB962C8B-B14F-4D97-AF65-F5344CB8AC3E}">
-        <p14:creationId xmlns:p14="http://schemas.microsoft.com/office/powerpoint/2010/main" val="446072106"/>
+        <p14:creationId xmlns:p14="http://schemas.microsoft.com/office/powerpoint/2010/main" val="1542958046"/>
       </p:ext>
     </p:extLst>
   </p:cSld>
@@ -9300,11 +15150,15 @@
           <a:p>
             <a:r>
               <a:rPr lang="en-US" altLang="ko-KR" dirty="0"/>
-              <a:t>3.1.4 </a:t>
+              <a:t>3.1.3 </a:t>
             </a:r>
             <a:r>
               <a:rPr lang="ko-KR" altLang="en-US" dirty="0"/>
-              <a:t>슬라이스 연산자</a:t>
+              <a:t>컬렉션 </a:t>
+            </a:r>
+            <a:r>
+              <a:rPr lang="ko-KR" altLang="en-US" dirty="0" err="1"/>
+              <a:t>리터럴</a:t>
             </a:r>
             <a:endParaRPr lang="en-US" altLang="ko-KR" dirty="0"/>
           </a:p>
@@ -9312,60 +15166,83 @@
             <a:pPr lvl="1"/>
             <a:r>
               <a:rPr lang="en-US" altLang="ko-KR" dirty="0"/>
-              <a:t>List = []</a:t>
+              <a:t>Set = {}</a:t>
             </a:r>
           </a:p>
           <a:p>
             <a:pPr lvl="2"/>
             <a:r>
               <a:rPr lang="ko-KR" altLang="en-US" dirty="0"/>
-              <a:t>가장 많이 쓰는 배열</a:t>
+              <a:t>정수형에 한해서 자동 정렬됨</a:t>
             </a:r>
             <a:endParaRPr lang="en-US" altLang="ko-KR" dirty="0"/>
           </a:p>
           <a:p>
             <a:pPr lvl="2"/>
             <a:r>
+              <a:rPr lang="ko-KR" altLang="en-US" dirty="0"/>
+              <a:t>중복 불가능한 배열</a:t>
+            </a:r>
+            <a:r>
               <a:rPr lang="en-US" altLang="ko-KR" dirty="0"/>
-              <a:t>[</a:t>
+              <a:t>(</a:t>
             </a:r>
             <a:r>
               <a:rPr lang="ko-KR" altLang="en-US" dirty="0"/>
-              <a:t>시작 인덱스 </a:t>
+              <a:t>집합</a:t>
             </a:r>
             <a:r>
               <a:rPr lang="en-US" altLang="ko-KR" dirty="0"/>
-              <a:t>: </a:t>
-            </a:r>
-            <a:r>
-              <a:rPr lang="ko-KR" altLang="en-US" dirty="0"/>
-              <a:t>종료 인덱스 </a:t>
-            </a:r>
-            <a:r>
-              <a:rPr lang="en-US" altLang="ko-KR" dirty="0"/>
-              <a:t>: </a:t>
-            </a:r>
-            <a:r>
-              <a:rPr lang="ko-KR" altLang="en-US" dirty="0" err="1"/>
-              <a:t>증가폭</a:t>
-            </a:r>
-            <a:r>
-              <a:rPr lang="en-US" altLang="ko-KR" dirty="0"/>
-              <a:t>]</a:t>
+              <a:t>)</a:t>
             </a:r>
           </a:p>
           <a:p>
             <a:pPr lvl="1"/>
             <a:endParaRPr lang="en-US" altLang="ko-KR" dirty="0"/>
           </a:p>
+          <a:p>
+            <a:pPr lvl="1"/>
+            <a:r>
+              <a:rPr lang="en-US" altLang="ko-KR" dirty="0" err="1"/>
+              <a:t>Dict</a:t>
+            </a:r>
+            <a:r>
+              <a:rPr lang="en-US" altLang="ko-KR" dirty="0"/>
+              <a:t> = {key: value}</a:t>
+            </a:r>
+          </a:p>
+          <a:p>
+            <a:pPr lvl="2"/>
+            <a:r>
+              <a:rPr lang="en-US" altLang="ko-KR" dirty="0"/>
+              <a:t>Id: </a:t>
+            </a:r>
+            <a:r>
+              <a:rPr lang="en-US" altLang="ko-KR" dirty="0" err="1"/>
+              <a:t>kimchan</a:t>
+            </a:r>
+            <a:endParaRPr lang="en-US" altLang="ko-KR" dirty="0"/>
+          </a:p>
+          <a:p>
+            <a:pPr lvl="2"/>
+            <a:r>
+              <a:rPr lang="en-US" altLang="ko-KR" dirty="0"/>
+              <a:t>Pw: </a:t>
+            </a:r>
+            <a:r>
+              <a:rPr lang="en-US" altLang="ko-KR" dirty="0" err="1"/>
+              <a:t>chan</a:t>
+            </a:r>
+            <a:endParaRPr lang="en-US" altLang="ko-KR" dirty="0"/>
+          </a:p>
         </p:txBody>
       </p:sp>
       <p:pic>
         <p:nvPicPr>
-          <p:cNvPr id="9" name="그림 8">
+          <p:cNvPr id="5" name="그림 4">
             <a:extLst>
               <a:ext uri="{FF2B5EF4-FFF2-40B4-BE49-F238E27FC236}">
-                <a16:creationId xmlns:a16="http://schemas.microsoft.com/office/drawing/2014/main" id="{3BD20589-2FF6-D996-51B5-CC58CC122836}"/>
+                <a16:creationId xmlns:a16="http://schemas.microsoft.com/office/drawing/2014/main" id="{A9C7999B-6CE5-E7C1-4D1C-77A68989EAEA}"/>
               </a:ext>
             </a:extLst>
           </p:cNvPr>
@@ -9382,8 +15259,38 @@
         </p:blipFill>
         <p:spPr>
           <a:xfrm>
-            <a:off x="1619672" y="2797710"/>
-            <a:ext cx="3096344" cy="2685779"/>
+            <a:off x="4486542" y="3270250"/>
+            <a:ext cx="2657846" cy="809738"/>
+          </a:xfrm>
+          <a:prstGeom prst="rect">
+            <a:avLst/>
+          </a:prstGeom>
+        </p:spPr>
+      </p:pic>
+      <p:pic>
+        <p:nvPicPr>
+          <p:cNvPr id="7" name="그림 6">
+            <a:extLst>
+              <a:ext uri="{FF2B5EF4-FFF2-40B4-BE49-F238E27FC236}">
+                <a16:creationId xmlns:a16="http://schemas.microsoft.com/office/drawing/2014/main" id="{C1A96C7A-7998-23E7-58ED-B0459E949EA9}"/>
+              </a:ext>
+            </a:extLst>
+          </p:cNvPr>
+          <p:cNvPicPr>
+            <a:picLocks noChangeAspect="1"/>
+          </p:cNvPicPr>
+          <p:nvPr/>
+        </p:nvPicPr>
+        <p:blipFill>
+          <a:blip r:embed="rId3"/>
+          <a:stretch>
+            <a:fillRect/>
+          </a:stretch>
+        </p:blipFill>
+        <p:spPr>
+          <a:xfrm>
+            <a:off x="3995936" y="4297660"/>
+            <a:ext cx="3639058" cy="571580"/>
           </a:xfrm>
           <a:prstGeom prst="rect">
             <a:avLst/>
@@ -9393,7 +15300,7 @@
     </p:spTree>
     <p:extLst>
       <p:ext uri="{BB962C8B-B14F-4D97-AF65-F5344CB8AC3E}">
-        <p14:creationId xmlns:p14="http://schemas.microsoft.com/office/powerpoint/2010/main" val="3659228861"/>
+        <p14:creationId xmlns:p14="http://schemas.microsoft.com/office/powerpoint/2010/main" val="2693390145"/>
       </p:ext>
     </p:extLst>
   </p:cSld>
